--- a/Docs/showroom3d_web_react.pptx
+++ b/Docs/showroom3d_web_react.pptx
@@ -21,6 +21,8 @@
     <p:sldId id="268" r:id="rId16"/>
     <p:sldId id="269" r:id="rId17"/>
     <p:sldId id="270" r:id="rId18"/>
+    <p:sldId id="271" r:id="rId19"/>
+    <p:sldId id="272" r:id="rId20"/>
   </p:sldIdLst>
   <p:sldSz cx="12192000" cy="6858000"/>
   <p:notesSz cx="7559675" cy="10691813"/>
@@ -78,7 +80,7 @@
         <p:txBody>
           <a:bodyPr/>
           <a:p>
-            <a:fld id="{235C2D3C-4AA9-4AC5-8B8B-37C89C014E00}" type="slidenum">
+            <a:fld id="{8E72C2A0-905E-4E9A-9FDF-53DD5B03F3F8}" type="slidenum">
               <a:t>&lt;#&gt;</a:t>
             </a:fld>
           </a:p>
@@ -266,7 +268,7 @@
         <p:txBody>
           <a:bodyPr/>
           <a:p>
-            <a:fld id="{406F6E73-38BC-47E5-8EBE-C09F25EA4EA2}" type="slidenum">
+            <a:fld id="{1E164180-2A4E-4ACF-B989-E396FA72E015}" type="slidenum">
               <a:t>&lt;#&gt;</a:t>
             </a:fld>
           </a:p>
@@ -522,7 +524,7 @@
         <p:txBody>
           <a:bodyPr/>
           <a:p>
-            <a:fld id="{0F6D988E-3E39-490C-9CB5-9FC5C3D78914}" type="slidenum">
+            <a:fld id="{9361873C-5846-4975-828D-FCB85C8F99C5}" type="slidenum">
               <a:t>&lt;#&gt;</a:t>
             </a:fld>
           </a:p>
@@ -846,7 +848,7 @@
         <p:txBody>
           <a:bodyPr/>
           <a:p>
-            <a:fld id="{286BD419-FF0D-4554-90E1-E72853A04476}" type="slidenum">
+            <a:fld id="{46927075-64A6-4F35-AE3A-10F9555B440F}" type="slidenum">
               <a:t>&lt;#&gt;</a:t>
             </a:fld>
           </a:p>
@@ -929,7 +931,7 @@
         <p:txBody>
           <a:bodyPr/>
           <a:p>
-            <a:fld id="{F5F238ED-093D-43D8-9507-CDBC81BCF1F3}" type="slidenum">
+            <a:fld id="{333CC991-29E3-458C-8A93-B83FA65817C1}" type="slidenum">
               <a:t>&lt;#&gt;</a:t>
             </a:fld>
           </a:p>
@@ -1086,7 +1088,7 @@
         <p:txBody>
           <a:bodyPr/>
           <a:p>
-            <a:fld id="{63403032-C0DC-4B9E-B59F-3FFCA5C7C2A0}" type="slidenum">
+            <a:fld id="{90AB87B1-8CD8-4ED1-A416-582B0C34EB77}" type="slidenum">
               <a:t>&lt;#&gt;</a:t>
             </a:fld>
           </a:p>
@@ -1240,7 +1242,7 @@
         <p:txBody>
           <a:bodyPr/>
           <a:p>
-            <a:fld id="{455B00FA-9895-4CE1-A99F-C88BA9486BE8}" type="slidenum">
+            <a:fld id="{038DF13E-641A-496E-BB58-7146028EE16B}" type="slidenum">
               <a:t>&lt;#&gt;</a:t>
             </a:fld>
           </a:p>
@@ -1428,7 +1430,7 @@
         <p:txBody>
           <a:bodyPr/>
           <a:p>
-            <a:fld id="{4828141B-8575-4732-A2EF-C618C3B1408B}" type="slidenum">
+            <a:fld id="{127FCC9D-BB80-4C8B-83CB-5B66C6F4E298}" type="slidenum">
               <a:t>&lt;#&gt;</a:t>
             </a:fld>
           </a:p>
@@ -1548,7 +1550,7 @@
         <p:txBody>
           <a:bodyPr/>
           <a:p>
-            <a:fld id="{BBD243C9-6F8F-42F8-A180-01DD3DD3D563}" type="slidenum">
+            <a:fld id="{34940DED-75B2-447D-9C93-817E278BBB5F}" type="slidenum">
               <a:t>&lt;#&gt;</a:t>
             </a:fld>
           </a:p>
@@ -1668,7 +1670,7 @@
         <p:txBody>
           <a:bodyPr/>
           <a:p>
-            <a:fld id="{5A51533A-D223-44B0-B676-B4ED5F79D495}" type="slidenum">
+            <a:fld id="{71680A04-8359-4CE6-89FA-17B96C86BA12}" type="slidenum">
               <a:t>&lt;#&gt;</a:t>
             </a:fld>
           </a:p>
@@ -1890,7 +1892,7 @@
         <p:txBody>
           <a:bodyPr/>
           <a:p>
-            <a:fld id="{1CAE1D39-7148-4200-8A54-B454E1C0EA34}" type="slidenum">
+            <a:fld id="{759273FF-49EE-4E33-8418-7A7739D9906E}" type="slidenum">
               <a:t>&lt;#&gt;</a:t>
             </a:fld>
           </a:p>
@@ -2047,7 +2049,7 @@
         <p:txBody>
           <a:bodyPr/>
           <a:p>
-            <a:fld id="{AACCE4F7-3EE0-4CAF-9AB8-37DF7AB730FE}" type="slidenum">
+            <a:fld id="{CF0214EA-60B9-4830-B490-AC159A5E856E}" type="slidenum">
               <a:t>&lt;#&gt;</a:t>
             </a:fld>
           </a:p>
@@ -2269,7 +2271,7 @@
         <p:txBody>
           <a:bodyPr/>
           <a:p>
-            <a:fld id="{E1AA4C54-220E-4525-9932-3990B7AEB644}" type="slidenum">
+            <a:fld id="{836EA6DB-E5CD-4A0E-943E-96BE694D3A20}" type="slidenum">
               <a:t>&lt;#&gt;</a:t>
             </a:fld>
           </a:p>
@@ -2491,7 +2493,7 @@
         <p:txBody>
           <a:bodyPr/>
           <a:p>
-            <a:fld id="{5272CDC6-0D63-4629-8C38-EA54C9DF133D}" type="slidenum">
+            <a:fld id="{779B59DB-E1BF-4802-A2C3-212BF4A89AA1}" type="slidenum">
               <a:t>&lt;#&gt;</a:t>
             </a:fld>
           </a:p>
@@ -2679,7 +2681,7 @@
         <p:txBody>
           <a:bodyPr/>
           <a:p>
-            <a:fld id="{D479BE87-7985-46F1-9884-1CDC79FFD77D}" type="slidenum">
+            <a:fld id="{8D5FA81E-1777-4038-AFAF-91EE9C757BA2}" type="slidenum">
               <a:t>&lt;#&gt;</a:t>
             </a:fld>
           </a:p>
@@ -2935,7 +2937,7 @@
         <p:txBody>
           <a:bodyPr/>
           <a:p>
-            <a:fld id="{209C6482-8A60-442B-BC0D-433ADBA78B71}" type="slidenum">
+            <a:fld id="{42753F28-6651-4305-9C69-7196B82F2332}" type="slidenum">
               <a:t>&lt;#&gt;</a:t>
             </a:fld>
           </a:p>
@@ -3259,7 +3261,7 @@
         <p:txBody>
           <a:bodyPr/>
           <a:p>
-            <a:fld id="{9BA4D5F6-3D61-4A67-B2C7-A31B56ECFF75}" type="slidenum">
+            <a:fld id="{2967B8B3-A81E-4053-964B-7E3AA21EFF5B}" type="slidenum">
               <a:t>&lt;#&gt;</a:t>
             </a:fld>
           </a:p>
@@ -3413,7 +3415,7 @@
         <p:txBody>
           <a:bodyPr/>
           <a:p>
-            <a:fld id="{2F605CDC-CA51-4EF8-82A8-22344C46E376}" type="slidenum">
+            <a:fld id="{AEAB0C7A-C94D-48F7-B52B-B3604F480FD9}" type="slidenum">
               <a:t>&lt;#&gt;</a:t>
             </a:fld>
           </a:p>
@@ -3601,7 +3603,7 @@
         <p:txBody>
           <a:bodyPr/>
           <a:p>
-            <a:fld id="{E573EC97-D27A-492B-9DCD-DA46178D4067}" type="slidenum">
+            <a:fld id="{DC9EF1DD-67AC-4F73-9DA1-45C1FC26678D}" type="slidenum">
               <a:t>&lt;#&gt;</a:t>
             </a:fld>
           </a:p>
@@ -3721,7 +3723,7 @@
         <p:txBody>
           <a:bodyPr/>
           <a:p>
-            <a:fld id="{2135581C-103A-40B8-90C5-1E8CE3EC80E5}" type="slidenum">
+            <a:fld id="{6B70CDF2-131B-4D3A-BED6-C890CE1303B5}" type="slidenum">
               <a:t>&lt;#&gt;</a:t>
             </a:fld>
           </a:p>
@@ -3841,7 +3843,7 @@
         <p:txBody>
           <a:bodyPr/>
           <a:p>
-            <a:fld id="{41E19944-A94B-448C-AE13-D2AE928E0499}" type="slidenum">
+            <a:fld id="{4CC326B5-50EE-4B46-AD58-1159156AC1D9}" type="slidenum">
               <a:t>&lt;#&gt;</a:t>
             </a:fld>
           </a:p>
@@ -4063,7 +4065,7 @@
         <p:txBody>
           <a:bodyPr/>
           <a:p>
-            <a:fld id="{EF2D1AFA-8300-4F4F-9AD2-BF8BE8CCBB57}" type="slidenum">
+            <a:fld id="{B01E1DB8-CFB9-4190-B6F0-C969FA7B2293}" type="slidenum">
               <a:t>&lt;#&gt;</a:t>
             </a:fld>
           </a:p>
@@ -4285,7 +4287,7 @@
         <p:txBody>
           <a:bodyPr/>
           <a:p>
-            <a:fld id="{DA6EBF5E-5F8B-41D9-A88C-8E441908CD5E}" type="slidenum">
+            <a:fld id="{78F764D3-5657-4B1A-87CE-A864D36A0B4C}" type="slidenum">
               <a:t>&lt;#&gt;</a:t>
             </a:fld>
           </a:p>
@@ -4507,7 +4509,7 @@
         <p:txBody>
           <a:bodyPr/>
           <a:p>
-            <a:fld id="{F8ED64FF-BE25-4FC5-8872-417CD5BCD48C}" type="slidenum">
+            <a:fld id="{FDD75A65-8046-43A4-AC96-EEB47D358999}" type="slidenum">
               <a:t>&lt;#&gt;</a:t>
             </a:fld>
           </a:p>
@@ -4576,7 +4578,7 @@
         <p:spPr>
           <a:xfrm>
             <a:off x="4038480" y="6356520"/>
-            <a:ext cx="4111920" cy="362160"/>
+            <a:ext cx="4107240" cy="357480"/>
           </a:xfrm>
           <a:prstGeom prst="rect">
             <a:avLst/>
@@ -4612,7 +4614,7 @@
               <a:rPr b="0" lang="en-IN" sz="1400" spc="-1" strike="noStrike">
                 <a:latin typeface="Times New Roman"/>
               </a:rPr>
-              <a:t>&lt;footer&gt;</a:t>
+              <a:t> </a:t>
             </a:r>
             <a:endParaRPr b="0" lang="en-IN" sz="1400" spc="-1" strike="noStrike">
               <a:latin typeface="Times New Roman"/>
@@ -4633,7 +4635,7 @@
         <p:spPr>
           <a:xfrm>
             <a:off x="8610480" y="6356520"/>
-            <a:ext cx="2740320" cy="362160"/>
+            <a:ext cx="2735640" cy="357480"/>
           </a:xfrm>
           <a:prstGeom prst="rect">
             <a:avLst/>
@@ -4668,14 +4670,14 @@
               </a:lnSpc>
               <a:buNone/>
             </a:pPr>
-            <a:fld id="{221CDF66-1C51-4694-87AE-89B4EDBACC5D}" type="slidenum">
+            <a:fld id="{26AA8C0F-1844-4C9B-A1E7-B2AFB1A61BD3}" type="slidenum">
               <a:rPr b="0" lang="en-IN" sz="1200" spc="-1" strike="noStrike">
                 <a:solidFill>
                   <a:srgbClr val="787878"/>
                 </a:solidFill>
                 <a:latin typeface="Aptos"/>
               </a:rPr>
-              <a:t>&lt;number&gt;</a:t>
+              <a:t>1</a:t>
             </a:fld>
             <a:endParaRPr b="0" lang="en-IN" sz="1200" spc="-1" strike="noStrike">
               <a:latin typeface="Times New Roman"/>
@@ -4696,7 +4698,7 @@
         <p:spPr>
           <a:xfrm>
             <a:off x="838080" y="6356520"/>
-            <a:ext cx="2740320" cy="362160"/>
+            <a:ext cx="2735640" cy="357480"/>
           </a:xfrm>
           <a:prstGeom prst="rect">
             <a:avLst/>
@@ -4722,7 +4724,7 @@
               <a:rPr b="0" lang="en-IN" sz="1400" spc="-1" strike="noStrike">
                 <a:latin typeface="Times New Roman"/>
               </a:rPr>
-              <a:t>&lt;date/time&gt;</a:t>
+              <a:t> </a:t>
             </a:r>
             <a:endParaRPr b="0" lang="en-IN" sz="1400" spc="-1" strike="noStrike">
               <a:latin typeface="Times New Roman"/>
@@ -5013,7 +5015,7 @@
         <p:spPr>
           <a:xfrm>
             <a:off x="4038480" y="6356520"/>
-            <a:ext cx="4111920" cy="362160"/>
+            <a:ext cx="4107240" cy="357480"/>
           </a:xfrm>
           <a:prstGeom prst="rect">
             <a:avLst/>
@@ -5070,7 +5072,7 @@
         <p:spPr>
           <a:xfrm>
             <a:off x="8610480" y="6356520"/>
-            <a:ext cx="2740320" cy="362160"/>
+            <a:ext cx="2735640" cy="357480"/>
           </a:xfrm>
           <a:prstGeom prst="rect">
             <a:avLst/>
@@ -5105,7 +5107,7 @@
               </a:lnSpc>
               <a:buNone/>
             </a:pPr>
-            <a:fld id="{10E2A712-A7DF-47EE-8C02-12A70808F6A2}" type="slidenum">
+            <a:fld id="{40D8C6AE-9C85-49B7-B089-380A7891B5D3}" type="slidenum">
               <a:rPr b="0" lang="en-IN" sz="1200" spc="-1" strike="noStrike">
                 <a:solidFill>
                   <a:srgbClr val="787878"/>
@@ -5133,7 +5135,7 @@
         <p:spPr>
           <a:xfrm>
             <a:off x="838080" y="6356520"/>
-            <a:ext cx="2740320" cy="362160"/>
+            <a:ext cx="2735640" cy="357480"/>
           </a:xfrm>
           <a:prstGeom prst="rect">
             <a:avLst/>
@@ -5432,18 +5434,14 @@
       </p:grpSpPr>
       <p:sp>
         <p:nvSpPr>
-          <p:cNvPr id="82" name="PlaceHolder 1"/>
-          <p:cNvSpPr>
-            <a:spLocks noGrp="1"/>
-          </p:cNvSpPr>
-          <p:nvPr>
-            <p:ph type="subTitle"/>
-          </p:nvPr>
-        </p:nvSpPr>
-        <p:spPr>
-          <a:xfrm>
-            <a:off x="1523880" y="4782240"/>
-            <a:ext cx="9141120" cy="472680"/>
+          <p:cNvPr id="82" name=""/>
+          <p:cNvSpPr/>
+          <p:nvPr/>
+        </p:nvSpPr>
+        <p:spPr>
+          <a:xfrm>
+            <a:off x="2887200" y="3092040"/>
+            <a:ext cx="7548840" cy="759600"/>
           </a:xfrm>
           <a:prstGeom prst="rect">
             <a:avLst/>
@@ -5453,37 +5451,28 @@
             <a:noFill/>
           </a:ln>
         </p:spPr>
-        <p:txBody>
-          <a:bodyPr lIns="0" rIns="0" tIns="0" bIns="0" anchor="t">
-            <a:noAutofit/>
-          </a:bodyPr>
-          <a:p>
-            <a:pPr algn="ctr">
-              <a:buNone/>
-            </a:pPr>
-            <a:endParaRPr b="0" lang="en-IN" sz="3200" spc="-1" strike="noStrike">
-              <a:latin typeface="Arial"/>
-            </a:endParaRPr>
-          </a:p>
-        </p:txBody>
-      </p:sp>
-      <p:sp>
-        <p:nvSpPr>
-          <p:cNvPr id="83" name="PlaceHolder 2"/>
-          <p:cNvSpPr>
-            <a:spLocks noGrp="1"/>
-          </p:cNvSpPr>
-          <p:nvPr>
-            <p:ph type="title"/>
-          </p:nvPr>
-        </p:nvSpPr>
-        <p:spPr>
-          <a:xfrm>
-            <a:off x="1523880" y="1800000"/>
-            <a:ext cx="9141120" cy="3960000"/>
-          </a:xfrm>
-          <a:prstGeom prst="rect">
-            <a:avLst/>
+        <p:style>
+          <a:lnRef idx="0"/>
+          <a:fillRef idx="0"/>
+          <a:effectRef idx="0"/>
+          <a:fontRef idx="minor"/>
+        </p:style>
+      </p:sp>
+      <p:sp>
+        <p:nvSpPr>
+          <p:cNvPr id="83" name="Title 21"/>
+          <p:cNvSpPr/>
+          <p:nvPr/>
+        </p:nvSpPr>
+        <p:spPr>
+          <a:xfrm>
+            <a:off x="1440000" y="900000"/>
+            <a:ext cx="9358920" cy="5141880"/>
+          </a:xfrm>
+          <a:prstGeom prst="roundRect">
+            <a:avLst>
+              <a:gd name="adj" fmla="val 16667"/>
+            </a:avLst>
           </a:prstGeom>
           <a:gradFill rotWithShape="0">
             <a:gsLst>
@@ -5491,44 +5480,11 @@
                 <a:srgbClr val="ffffff"/>
               </a:gs>
               <a:gs pos="100000">
-                <a:srgbClr val="fbe3d6"/>
+                <a:srgbClr val="ffd7d7"/>
               </a:gs>
             </a:gsLst>
             <a:lin ang="13500000"/>
           </a:gradFill>
-          <a:ln w="0">
-            <a:noFill/>
-          </a:ln>
-        </p:spPr>
-        <p:txBody>
-          <a:bodyPr lIns="0" rIns="0" tIns="0" bIns="0" anchor="b">
-            <a:normAutofit/>
-          </a:bodyPr>
-          <a:p>
-            <a:pPr algn="ctr">
-              <a:buNone/>
-            </a:pPr>
-            <a:endParaRPr b="0" lang="en-IN" sz="4400" spc="-1" strike="noStrike">
-              <a:latin typeface="Arial"/>
-            </a:endParaRPr>
-          </a:p>
-        </p:txBody>
-      </p:sp>
-      <p:sp>
-        <p:nvSpPr>
-          <p:cNvPr id="84" name=""/>
-          <p:cNvSpPr/>
-          <p:nvPr/>
-        </p:nvSpPr>
-        <p:spPr>
-          <a:xfrm>
-            <a:off x="2887200" y="3092040"/>
-            <a:ext cx="6538680" cy="764280"/>
-          </a:xfrm>
-          <a:prstGeom prst="rect">
-            <a:avLst/>
-          </a:prstGeom>
-          <a:noFill/>
           <a:ln w="0">
             <a:noFill/>
           </a:ln>
@@ -5540,39 +5496,94 @@
           <a:fontRef idx="minor"/>
         </p:style>
         <p:txBody>
-          <a:bodyPr lIns="90000" rIns="90000" tIns="45000" bIns="45000" anchor="t">
-            <a:noAutofit/>
+          <a:bodyPr lIns="90000" rIns="90000" tIns="45000" bIns="45000" anchor="ctr">
+            <a:normAutofit/>
           </a:bodyPr>
           <a:p>
-            <a:pPr>
+            <a:pPr algn="ctr">
               <a:lnSpc>
                 <a:spcPct val="100000"/>
               </a:lnSpc>
               <a:buNone/>
             </a:pPr>
-            <a:r>
-              <a:rPr b="0" lang="en-US" sz="4800" spc="-1" strike="noStrike">
+            <a:endParaRPr b="0" lang="en-IN" sz="4800" spc="-1" strike="noStrike">
+              <a:latin typeface="Arial"/>
+            </a:endParaRPr>
+          </a:p>
+          <a:p>
+            <a:pPr algn="ctr">
+              <a:lnSpc>
+                <a:spcPct val="100000"/>
+              </a:lnSpc>
+              <a:buNone/>
+            </a:pPr>
+            <a:endParaRPr b="0" lang="en-IN" sz="4800" spc="-1" strike="noStrike">
+              <a:latin typeface="Arial"/>
+            </a:endParaRPr>
+          </a:p>
+          <a:p>
+            <a:pPr algn="ctr">
+              <a:lnSpc>
+                <a:spcPct val="100000"/>
+              </a:lnSpc>
+              <a:buNone/>
+            </a:pPr>
+            <a:r>
+              <a:rPr b="0" lang="en-IN" sz="4800" spc="-1" strike="noStrike">
                 <a:solidFill>
                   <a:srgbClr val="000000"/>
                 </a:solidFill>
                 <a:latin typeface="Times New Roman"/>
                 <a:ea typeface="DejaVu Sans"/>
               </a:rPr>
-              <a:t>Showroom3D Web React </a:t>
+              <a:t>Showroom3D_Web(React)</a:t>
             </a:r>
             <a:endParaRPr b="0" lang="en-IN" sz="4800" spc="-1" strike="noStrike">
               <a:latin typeface="Arial"/>
             </a:endParaRPr>
           </a:p>
           <a:p>
-            <a:pPr>
+            <a:pPr algn="ctr">
               <a:lnSpc>
                 <a:spcPct val="100000"/>
               </a:lnSpc>
               <a:buNone/>
             </a:pPr>
-            <a:r>
-              <a:rPr b="0" lang="en-US" sz="4800" spc="-1" strike="noStrike">
+            <a:endParaRPr b="0" lang="en-IN" sz="4800" spc="-1" strike="noStrike">
+              <a:latin typeface="Arial"/>
+            </a:endParaRPr>
+          </a:p>
+          <a:p>
+            <a:pPr algn="ctr">
+              <a:lnSpc>
+                <a:spcPct val="100000"/>
+              </a:lnSpc>
+              <a:buNone/>
+            </a:pPr>
+            <a:endParaRPr b="0" lang="en-IN" sz="1800" spc="-1" strike="noStrike">
+              <a:latin typeface="Arial"/>
+            </a:endParaRPr>
+          </a:p>
+          <a:p>
+            <a:pPr algn="ctr">
+              <a:lnSpc>
+                <a:spcPct val="100000"/>
+              </a:lnSpc>
+              <a:buNone/>
+            </a:pPr>
+            <a:endParaRPr b="0" lang="en-IN" sz="1800" spc="-1" strike="noStrike">
+              <a:latin typeface="Arial"/>
+            </a:endParaRPr>
+          </a:p>
+          <a:p>
+            <a:pPr algn="ctr">
+              <a:lnSpc>
+                <a:spcPct val="100000"/>
+              </a:lnSpc>
+              <a:buNone/>
+            </a:pPr>
+            <a:r>
+              <a:rPr b="0" lang="en-IN" sz="1800" spc="-1" strike="noStrike">
                 <a:solidFill>
                   <a:srgbClr val="000000"/>
                 </a:solidFill>
@@ -5582,7 +5593,7 @@
               <a:t>	</a:t>
             </a:r>
             <a:r>
-              <a:rPr b="0" lang="en-US" sz="4800" spc="-1" strike="noStrike">
+              <a:rPr b="0" lang="en-IN" sz="1800" spc="-1" strike="noStrike">
                 <a:solidFill>
                   <a:srgbClr val="000000"/>
                 </a:solidFill>
@@ -5592,7 +5603,7 @@
               <a:t>	</a:t>
             </a:r>
             <a:r>
-              <a:rPr b="0" lang="en-US" sz="4800" spc="-1" strike="noStrike">
+              <a:rPr b="0" lang="en-IN" sz="1800" spc="-1" strike="noStrike">
                 <a:solidFill>
                   <a:srgbClr val="000000"/>
                 </a:solidFill>
@@ -5601,19 +5612,8 @@
               </a:rPr>
               <a:t>	</a:t>
             </a:r>
-            <a:endParaRPr b="0" lang="en-IN" sz="4800" spc="-1" strike="noStrike">
-              <a:latin typeface="Arial"/>
-            </a:endParaRPr>
-          </a:p>
-          <a:p>
-            <a:pPr>
-              <a:lnSpc>
-                <a:spcPct val="100000"/>
-              </a:lnSpc>
-              <a:buNone/>
-            </a:pPr>
-            <a:r>
-              <a:rPr b="0" lang="en-US" sz="4800" spc="-1" strike="noStrike">
+            <a:r>
+              <a:rPr b="0" lang="en-IN" sz="1800" spc="-1" strike="noStrike">
                 <a:solidFill>
                   <a:srgbClr val="000000"/>
                 </a:solidFill>
@@ -5623,7 +5623,7 @@
               <a:t>	</a:t>
             </a:r>
             <a:r>
-              <a:rPr b="0" lang="en-US" sz="4800" spc="-1" strike="noStrike">
+              <a:rPr b="0" lang="en-IN" sz="1800" spc="-1" strike="noStrike">
                 <a:solidFill>
                   <a:srgbClr val="000000"/>
                 </a:solidFill>
@@ -5633,7 +5633,7 @@
               <a:t>	</a:t>
             </a:r>
             <a:r>
-              <a:rPr b="0" lang="en-US" sz="4800" spc="-1" strike="noStrike">
+              <a:rPr b="0" lang="en-IN" sz="1800" spc="-1" strike="noStrike">
                 <a:solidFill>
                   <a:srgbClr val="000000"/>
                 </a:solidFill>
@@ -5643,7 +5643,7 @@
               <a:t>	</a:t>
             </a:r>
             <a:r>
-              <a:rPr b="0" lang="en-US" sz="4800" spc="-1" strike="noStrike">
+              <a:rPr b="0" lang="en-IN" sz="1800" spc="-1" strike="noStrike">
                 <a:solidFill>
                   <a:srgbClr val="000000"/>
                 </a:solidFill>
@@ -5653,7 +5653,7 @@
               <a:t>	</a:t>
             </a:r>
             <a:r>
-              <a:rPr b="0" lang="en-US" sz="4800" spc="-1" strike="noStrike">
+              <a:rPr b="0" lang="en-IN" sz="1800" spc="-1" strike="noStrike">
                 <a:solidFill>
                   <a:srgbClr val="000000"/>
                 </a:solidFill>
@@ -5662,8 +5662,29 @@
               </a:rPr>
               <a:t>	</a:t>
             </a:r>
-            <a:r>
-              <a:rPr b="0" lang="en-US" sz="2000" spc="-1" strike="noStrike">
+            <a:endParaRPr b="0" lang="en-IN" sz="1800" spc="-1" strike="noStrike">
+              <a:latin typeface="Arial"/>
+            </a:endParaRPr>
+          </a:p>
+          <a:p>
+            <a:pPr algn="ctr">
+              <a:lnSpc>
+                <a:spcPct val="100000"/>
+              </a:lnSpc>
+              <a:buNone/>
+            </a:pPr>
+            <a:r>
+              <a:rPr b="0" lang="en-IN" sz="1800" spc="-1" strike="noStrike">
+                <a:solidFill>
+                  <a:srgbClr val="000000"/>
+                </a:solidFill>
+                <a:latin typeface="Times New Roman"/>
+                <a:ea typeface="Microsoft YaHei"/>
+              </a:rPr>
+              <a:t>           </a:t>
+            </a:r>
+            <a:r>
+              <a:rPr b="0" lang="en-IN" sz="1800" spc="-1" strike="noStrike">
                 <a:solidFill>
                   <a:srgbClr val="000000"/>
                 </a:solidFill>
@@ -5672,19 +5693,8 @@
               </a:rPr>
               <a:t>Archana</a:t>
             </a:r>
-            <a:endParaRPr b="0" lang="en-IN" sz="2000" spc="-1" strike="noStrike">
-              <a:latin typeface="Arial"/>
-            </a:endParaRPr>
-          </a:p>
-          <a:p>
-            <a:pPr>
-              <a:lnSpc>
-                <a:spcPct val="100000"/>
-              </a:lnSpc>
-              <a:buNone/>
-            </a:pPr>
-            <a:r>
-              <a:rPr b="0" lang="en-US" sz="2000" spc="-1" strike="noStrike">
+            <a:r>
+              <a:rPr b="0" lang="en-IN" sz="1800" spc="-1" strike="noStrike">
                 <a:solidFill>
                   <a:srgbClr val="000000"/>
                 </a:solidFill>
@@ -5693,8 +5703,39 @@
               </a:rPr>
               <a:t>	</a:t>
             </a:r>
-            <a:r>
-              <a:rPr b="0" lang="en-US" sz="2000" spc="-1" strike="noStrike">
+            <a:endParaRPr b="0" lang="en-IN" sz="1800" spc="-1" strike="noStrike">
+              <a:latin typeface="Arial"/>
+            </a:endParaRPr>
+          </a:p>
+          <a:p>
+            <a:pPr algn="ctr">
+              <a:lnSpc>
+                <a:spcPct val="100000"/>
+              </a:lnSpc>
+              <a:buNone/>
+            </a:pPr>
+            <a:r>
+              <a:rPr b="0" lang="en-IN" sz="1800" spc="-1" strike="noStrike">
+                <a:solidFill>
+                  <a:srgbClr val="000000"/>
+                </a:solidFill>
+                <a:latin typeface="Times New Roman"/>
+                <a:ea typeface="DejaVu Sans"/>
+              </a:rPr>
+              <a:t>                                       </a:t>
+            </a:r>
+            <a:r>
+              <a:rPr b="0" lang="en-IN" sz="1800" spc="-1" strike="noStrike">
+                <a:solidFill>
+                  <a:srgbClr val="000000"/>
+                </a:solidFill>
+                <a:latin typeface="Times New Roman"/>
+                <a:ea typeface="DejaVu Sans"/>
+              </a:rPr>
+              <a:t>13 July,2024</a:t>
+            </a:r>
+            <a:r>
+              <a:rPr b="0" lang="en-IN" sz="1800" spc="-1" strike="noStrike">
                 <a:solidFill>
                   <a:srgbClr val="000000"/>
                 </a:solidFill>
@@ -5704,7 +5745,7 @@
               <a:t>	</a:t>
             </a:r>
             <a:r>
-              <a:rPr b="0" lang="en-US" sz="2000" spc="-1" strike="noStrike">
+              <a:rPr b="0" lang="en-IN" sz="1800" spc="-1" strike="noStrike">
                 <a:solidFill>
                   <a:srgbClr val="000000"/>
                 </a:solidFill>
@@ -5714,7 +5755,7 @@
               <a:t>	</a:t>
             </a:r>
             <a:r>
-              <a:rPr b="0" lang="en-US" sz="2000" spc="-1" strike="noStrike">
+              <a:rPr b="0" lang="en-IN" sz="1800" spc="-1" strike="noStrike">
                 <a:solidFill>
                   <a:srgbClr val="000000"/>
                 </a:solidFill>
@@ -5724,26 +5765,16 @@
               <a:t>	</a:t>
             </a:r>
             <a:r>
-              <a:rPr b="0" lang="en-US" sz="2000" spc="-1" strike="noStrike">
+              <a:rPr b="0" lang="en-IN" sz="1800" spc="-1" strike="noStrike">
                 <a:solidFill>
                   <a:srgbClr val="000000"/>
                 </a:solidFill>
                 <a:latin typeface="Times New Roman"/>
                 <a:ea typeface="DejaVu Sans"/>
               </a:rPr>
-              <a:t>	</a:t>
-            </a:r>
-            <a:r>
-              <a:rPr b="0" lang="en-US" sz="2000" spc="-1" strike="noStrike">
-                <a:solidFill>
-                  <a:srgbClr val="000000"/>
-                </a:solidFill>
-                <a:latin typeface="Times New Roman"/>
-                <a:ea typeface="DejaVu Sans"/>
-              </a:rPr>
-              <a:t>04 July, 2024</a:t>
-            </a:r>
-            <a:endParaRPr b="0" lang="en-IN" sz="2000" spc="-1" strike="noStrike">
+              <a:t> </a:t>
+            </a:r>
+            <a:endParaRPr b="0" lang="en-IN" sz="1800" spc="-1" strike="noStrike">
               <a:latin typeface="Arial"/>
             </a:endParaRPr>
           </a:p>
@@ -5781,21 +5812,53 @@
       </p:grpSpPr>
       <p:sp>
         <p:nvSpPr>
-          <p:cNvPr id="100" name="PlaceHolder 6"/>
+          <p:cNvPr id="105" name=""/>
           <p:cNvSpPr/>
           <p:nvPr/>
         </p:nvSpPr>
         <p:spPr>
           <a:xfrm>
-            <a:off x="2700000" y="1620000"/>
-            <a:ext cx="7558560" cy="4678560"/>
-          </a:xfrm>
-          <a:prstGeom prst="rect">
+            <a:off x="2340000" y="2160000"/>
+            <a:ext cx="8636040" cy="3956040"/>
+          </a:xfrm>
+          <a:custGeom>
             <a:avLst/>
-          </a:prstGeom>
-          <a:solidFill>
-            <a:srgbClr val="fbe3d6"/>
-          </a:solidFill>
+            <a:gdLst/>
+            <a:ahLst/>
+            <a:rect l="l" t="t" r="r" b="b"/>
+            <a:pathLst>
+              <a:path w="47125" h="21600">
+                <a:moveTo>
+                  <a:pt x="3600" y="0"/>
+                </a:moveTo>
+                <a:arcTo wR="3600" hR="3600" stAng="16200000" swAng="-5400000"/>
+                <a:lnTo>
+                  <a:pt x="0" y="18000"/>
+                </a:lnTo>
+                <a:arcTo wR="3600" hR="3600" stAng="10800000" swAng="-5400000"/>
+                <a:lnTo>
+                  <a:pt x="43525" y="21600"/>
+                </a:lnTo>
+                <a:arcTo wR="21925" hR="3600" stAng="5400000" swAng="5400000"/>
+                <a:lnTo>
+                  <a:pt x="21600" y="3600"/>
+                </a:lnTo>
+                <a:arcTo wR="21925" hR="3600" stAng="10800000" swAng="5400000"/>
+                <a:close/>
+              </a:path>
+            </a:pathLst>
+          </a:custGeom>
+          <a:gradFill rotWithShape="0">
+            <a:gsLst>
+              <a:gs pos="0">
+                <a:srgbClr val="ffd7d7"/>
+              </a:gs>
+              <a:gs pos="100000">
+                <a:srgbClr val="ffffff"/>
+              </a:gs>
+            </a:gsLst>
+            <a:lin ang="3600000"/>
+          </a:gradFill>
           <a:ln w="0">
             <a:noFill/>
           </a:ln>
@@ -5806,10 +5869,132 @@
           <a:effectRef idx="0"/>
           <a:fontRef idx="minor"/>
         </p:style>
-        <p:txBody>
-          <a:bodyPr lIns="90000" rIns="90000" tIns="45000" bIns="45000" anchor="t">
+      </p:sp>
+      <p:sp>
+        <p:nvSpPr>
+          <p:cNvPr id="106" name=""/>
+          <p:cNvSpPr/>
+          <p:nvPr/>
+        </p:nvSpPr>
+        <p:spPr>
+          <a:xfrm>
+            <a:off x="2880000" y="3600000"/>
+            <a:ext cx="3236040" cy="1570320"/>
+          </a:xfrm>
+          <a:prstGeom prst="rect">
+            <a:avLst/>
+          </a:prstGeom>
+          <a:noFill/>
+          <a:ln w="0">
+            <a:noFill/>
+          </a:ln>
+        </p:spPr>
+        <p:style>
+          <a:lnRef idx="0"/>
+          <a:fillRef idx="0"/>
+          <a:effectRef idx="0"/>
+          <a:fontRef idx="minor"/>
+        </p:style>
+        <p:txBody>
+          <a:bodyPr lIns="90000" rIns="90000" tIns="45000" bIns="45000" anchor="ctr">
             <a:noAutofit/>
           </a:bodyPr>
+          <a:p>
+            <a:pPr marL="216000" indent="-216000">
+              <a:lnSpc>
+                <a:spcPct val="100000"/>
+              </a:lnSpc>
+              <a:spcAft>
+                <a:spcPts val="1054"/>
+              </a:spcAft>
+              <a:buClr>
+                <a:srgbClr val="000000"/>
+              </a:buClr>
+              <a:buSzPct val="45000"/>
+              <a:buFont typeface="Wingdings" charset="2"/>
+              <a:buChar char=""/>
+              <a:tabLst>
+                <a:tab algn="l" pos="0"/>
+              </a:tabLst>
+            </a:pPr>
+            <a:r>
+              <a:rPr b="0" lang="en-IN" sz="1600" spc="-1" strike="noStrike">
+                <a:solidFill>
+                  <a:srgbClr val="000000"/>
+                </a:solidFill>
+                <a:latin typeface="Times New Roman"/>
+                <a:ea typeface="DejaVu Sans"/>
+              </a:rPr>
+              <a:t>Static Typing</a:t>
+            </a:r>
+            <a:endParaRPr b="0" lang="en-IN" sz="1600" spc="-1" strike="noStrike">
+              <a:latin typeface="Arial"/>
+            </a:endParaRPr>
+          </a:p>
+          <a:p>
+            <a:pPr marL="216000" indent="-216000">
+              <a:lnSpc>
+                <a:spcPct val="100000"/>
+              </a:lnSpc>
+              <a:spcAft>
+                <a:spcPts val="1054"/>
+              </a:spcAft>
+              <a:buClr>
+                <a:srgbClr val="000000"/>
+              </a:buClr>
+              <a:buSzPct val="45000"/>
+              <a:buFont typeface="Wingdings" charset="2"/>
+              <a:buChar char=""/>
+              <a:tabLst>
+                <a:tab algn="l" pos="0"/>
+              </a:tabLst>
+            </a:pPr>
+            <a:r>
+              <a:rPr b="0" lang="en-IN" sz="1600" spc="-1" strike="noStrike">
+                <a:solidFill>
+                  <a:srgbClr val="000000"/>
+                </a:solidFill>
+                <a:latin typeface="Times New Roman"/>
+                <a:ea typeface="DejaVu Sans"/>
+              </a:rPr>
+              <a:t>JavaScript Compatibility</a:t>
+            </a:r>
+            <a:endParaRPr b="0" lang="en-IN" sz="1600" spc="-1" strike="noStrike">
+              <a:latin typeface="Arial"/>
+            </a:endParaRPr>
+          </a:p>
+          <a:p>
+            <a:pPr marL="216000" indent="-216000">
+              <a:lnSpc>
+                <a:spcPct val="100000"/>
+              </a:lnSpc>
+              <a:spcAft>
+                <a:spcPts val="1054"/>
+              </a:spcAft>
+              <a:buClr>
+                <a:srgbClr val="000000"/>
+              </a:buClr>
+              <a:buSzPct val="45000"/>
+              <a:buFont typeface="Wingdings" charset="2"/>
+              <a:buChar char=""/>
+              <a:tabLst>
+                <a:tab algn="l" pos="0"/>
+              </a:tabLst>
+            </a:pPr>
+            <a:r>
+              <a:rPr b="0" lang="en-IN" sz="1600" spc="-1" strike="noStrike">
+                <a:solidFill>
+                  <a:srgbClr val="000000"/>
+                </a:solidFill>
+                <a:latin typeface="Times New Roman"/>
+                <a:ea typeface="DejaVu Sans"/>
+              </a:rPr>
+              <a:t>Improved Code Readability</a:t>
+            </a:r>
+            <a:endParaRPr b="0" lang="en-IN" sz="1600" spc="-1" strike="noStrike">
+              <a:latin typeface="Arial"/>
+            </a:endParaRPr>
+          </a:p>
           <a:p>
             <a:pPr>
               <a:lnSpc>
@@ -5827,92 +6012,11 @@
               <a:latin typeface="Arial"/>
             </a:endParaRPr>
           </a:p>
-          <a:p>
-            <a:pPr>
-              <a:lnSpc>
-                <a:spcPct val="100000"/>
-              </a:lnSpc>
-              <a:spcBef>
-                <a:spcPts val="1417"/>
-              </a:spcBef>
-              <a:buNone/>
-              <a:tabLst>
-                <a:tab algn="l" pos="0"/>
-              </a:tabLst>
-            </a:pPr>
-            <a:endParaRPr b="0" lang="en-IN" sz="1600" spc="-1" strike="noStrike">
-              <a:latin typeface="Arial"/>
-            </a:endParaRPr>
-          </a:p>
-        </p:txBody>
-      </p:sp>
-      <p:sp>
-        <p:nvSpPr>
-          <p:cNvPr id="101" name="Title 5"/>
-          <p:cNvSpPr/>
-          <p:nvPr/>
-        </p:nvSpPr>
-        <p:spPr>
-          <a:xfrm>
-            <a:off x="3656160" y="133920"/>
-            <a:ext cx="4878720" cy="911520"/>
-          </a:xfrm>
-          <a:prstGeom prst="roundRect">
-            <a:avLst>
-              <a:gd name="adj" fmla="val 16667"/>
-            </a:avLst>
-          </a:prstGeom>
-          <a:gradFill rotWithShape="0">
-            <a:gsLst>
-              <a:gs pos="0">
-                <a:srgbClr val="ffffff"/>
-              </a:gs>
-              <a:gs pos="100000">
-                <a:srgbClr val="fbe3d6"/>
-              </a:gs>
-            </a:gsLst>
-            <a:lin ang="13500000"/>
-          </a:gradFill>
-          <a:ln w="0">
-            <a:noFill/>
-          </a:ln>
-        </p:spPr>
-        <p:style>
-          <a:lnRef idx="0"/>
-          <a:fillRef idx="0"/>
-          <a:effectRef idx="0"/>
-          <a:fontRef idx="minor"/>
-        </p:style>
-        <p:txBody>
-          <a:bodyPr lIns="90000" rIns="90000" tIns="45000" bIns="45000" anchor="ctr">
-            <a:normAutofit/>
-          </a:bodyPr>
-          <a:p>
-            <a:pPr algn="ctr">
-              <a:lnSpc>
-                <a:spcPct val="100000"/>
-              </a:lnSpc>
-              <a:buNone/>
-            </a:pPr>
-            <a:r>
-              <a:rPr b="0" lang="en-IN" sz="4000" spc="-1" strike="noStrike">
-                <a:solidFill>
-                  <a:srgbClr val="000000"/>
-                </a:solidFill>
-                <a:latin typeface="Times New Roman"/>
-                <a:ea typeface="DejaVu Sans"/>
-              </a:rPr>
-              <a:t>React Architecture</a:t>
-            </a:r>
-            <a:endParaRPr b="0" lang="en-IN" sz="4000" spc="-1" strike="noStrike">
-              <a:latin typeface="Arial"/>
-            </a:endParaRPr>
-          </a:p>
         </p:txBody>
       </p:sp>
       <p:pic>
         <p:nvPicPr>
-          <p:cNvPr id="102" name="" descr=""/>
+          <p:cNvPr id="107" name="" descr=""/>
           <p:cNvPicPr/>
           <p:nvPr/>
         </p:nvPicPr>
@@ -5922,8 +6026,8 @@
         </p:blipFill>
         <p:spPr>
           <a:xfrm>
-            <a:off x="2880000" y="1800000"/>
-            <a:ext cx="7145640" cy="4280760"/>
+            <a:off x="5745600" y="2589840"/>
+            <a:ext cx="4870440" cy="3346200"/>
           </a:xfrm>
           <a:prstGeom prst="rect">
             <a:avLst/>
@@ -5933,6 +6037,70 @@
           </a:ln>
         </p:spPr>
       </p:pic>
+      <p:sp>
+        <p:nvSpPr>
+          <p:cNvPr id="108" name="Title 9"/>
+          <p:cNvSpPr/>
+          <p:nvPr/>
+        </p:nvSpPr>
+        <p:spPr>
+          <a:xfrm>
+            <a:off x="3420000" y="540000"/>
+            <a:ext cx="6117840" cy="906840"/>
+          </a:xfrm>
+          <a:prstGeom prst="roundRect">
+            <a:avLst>
+              <a:gd name="adj" fmla="val 16667"/>
+            </a:avLst>
+          </a:prstGeom>
+          <a:gradFill rotWithShape="0">
+            <a:gsLst>
+              <a:gs pos="0">
+                <a:srgbClr val="ffffff"/>
+              </a:gs>
+              <a:gs pos="100000">
+                <a:srgbClr val="ffd7d7"/>
+              </a:gs>
+            </a:gsLst>
+            <a:lin ang="13500000"/>
+          </a:gradFill>
+          <a:ln w="0">
+            <a:noFill/>
+          </a:ln>
+        </p:spPr>
+        <p:style>
+          <a:lnRef idx="0"/>
+          <a:fillRef idx="0"/>
+          <a:effectRef idx="0"/>
+          <a:fontRef idx="minor"/>
+        </p:style>
+        <p:txBody>
+          <a:bodyPr lIns="90000" rIns="90000" tIns="45000" bIns="45000" anchor="ctr">
+            <a:normAutofit/>
+          </a:bodyPr>
+          <a:p>
+            <a:pPr algn="ctr">
+              <a:lnSpc>
+                <a:spcPct val="100000"/>
+              </a:lnSpc>
+              <a:buNone/>
+            </a:pPr>
+            <a:r>
+              <a:rPr b="0" lang="en-IN" sz="3600" spc="-1" strike="noStrike">
+                <a:solidFill>
+                  <a:srgbClr val="000000"/>
+                </a:solidFill>
+                <a:latin typeface="Times New Roman"/>
+                <a:ea typeface="DejaVu Sans"/>
+              </a:rPr>
+              <a:t>TypeScript</a:t>
+            </a:r>
+            <a:endParaRPr b="0" lang="en-IN" sz="3600" spc="-1" strike="noStrike">
+              <a:latin typeface="Arial"/>
+            </a:endParaRPr>
+          </a:p>
+        </p:txBody>
+      </p:sp>
     </p:spTree>
   </p:cSld>
   <mc:AlternateContent>
@@ -5965,21 +6133,31 @@
       </p:grpSpPr>
       <p:sp>
         <p:nvSpPr>
-          <p:cNvPr id="103" name="PlaceHolder 7"/>
+          <p:cNvPr id="109" name="Title 10"/>
           <p:cNvSpPr/>
           <p:nvPr/>
         </p:nvSpPr>
         <p:spPr>
           <a:xfrm>
-            <a:off x="865440" y="1528560"/>
-            <a:ext cx="10833120" cy="4770000"/>
-          </a:xfrm>
-          <a:prstGeom prst="rect">
-            <a:avLst/>
-          </a:prstGeom>
-          <a:solidFill>
-            <a:srgbClr val="fbe3d6"/>
-          </a:solidFill>
+            <a:off x="3240000" y="351000"/>
+            <a:ext cx="6117840" cy="906840"/>
+          </a:xfrm>
+          <a:prstGeom prst="roundRect">
+            <a:avLst>
+              <a:gd name="adj" fmla="val 16667"/>
+            </a:avLst>
+          </a:prstGeom>
+          <a:gradFill rotWithShape="0">
+            <a:gsLst>
+              <a:gs pos="0">
+                <a:srgbClr val="ffffff"/>
+              </a:gs>
+              <a:gs pos="100000">
+                <a:srgbClr val="ffd7d7"/>
+              </a:gs>
+            </a:gsLst>
+            <a:lin ang="13500000"/>
+          </a:gradFill>
           <a:ln w="0">
             <a:noFill/>
           </a:ln>
@@ -5991,8 +6169,72 @@
           <a:fontRef idx="minor"/>
         </p:style>
         <p:txBody>
-          <a:bodyPr lIns="90000" rIns="90000" tIns="45000" bIns="45000" anchor="t">
-            <a:noAutofit/>
+          <a:bodyPr lIns="90000" rIns="90000" tIns="45000" bIns="45000" anchor="ctr">
+            <a:normAutofit/>
+          </a:bodyPr>
+          <a:p>
+            <a:pPr algn="ctr">
+              <a:lnSpc>
+                <a:spcPct val="100000"/>
+              </a:lnSpc>
+              <a:buNone/>
+            </a:pPr>
+            <a:r>
+              <a:rPr b="0" lang="en-IN" sz="3600" spc="-1" strike="noStrike">
+                <a:solidFill>
+                  <a:srgbClr val="000000"/>
+                </a:solidFill>
+                <a:latin typeface="Times New Roman"/>
+                <a:ea typeface="DejaVu Sans"/>
+              </a:rPr>
+              <a:t>React</a:t>
+            </a:r>
+            <a:endParaRPr b="0" lang="en-IN" sz="3600" spc="-1" strike="noStrike">
+              <a:latin typeface="Arial"/>
+            </a:endParaRPr>
+          </a:p>
+        </p:txBody>
+      </p:sp>
+      <p:sp>
+        <p:nvSpPr>
+          <p:cNvPr id="110" name="Title 19"/>
+          <p:cNvSpPr/>
+          <p:nvPr/>
+        </p:nvSpPr>
+        <p:spPr>
+          <a:xfrm>
+            <a:off x="1440000" y="1620000"/>
+            <a:ext cx="9898200" cy="4858200"/>
+          </a:xfrm>
+          <a:prstGeom prst="roundRect">
+            <a:avLst>
+              <a:gd name="adj" fmla="val 16667"/>
+            </a:avLst>
+          </a:prstGeom>
+          <a:gradFill rotWithShape="0">
+            <a:gsLst>
+              <a:gs pos="0">
+                <a:srgbClr val="ffffff"/>
+              </a:gs>
+              <a:gs pos="100000">
+                <a:srgbClr val="ffd7d7"/>
+              </a:gs>
+            </a:gsLst>
+            <a:lin ang="13500000"/>
+          </a:gradFill>
+          <a:ln w="0">
+            <a:noFill/>
+          </a:ln>
+        </p:spPr>
+        <p:style>
+          <a:lnRef idx="0"/>
+          <a:fillRef idx="0"/>
+          <a:effectRef idx="0"/>
+          <a:fontRef idx="minor"/>
+        </p:style>
+        <p:txBody>
+          <a:bodyPr lIns="90000" rIns="90000" tIns="45000" bIns="45000" anchor="ctr">
+            <a:normAutofit fontScale="96000"/>
           </a:bodyPr>
           <a:p>
             <a:pPr marL="216000" indent="-216000">
@@ -6013,16 +6255,58 @@
               </a:tabLst>
             </a:pPr>
             <a:r>
-              <a:rPr b="0" lang="en-IN" sz="1800" spc="-1" strike="noStrike">
+              <a:rPr b="1" lang="en-IN" sz="1600" spc="-1" strike="noStrike">
                 <a:solidFill>
                   <a:srgbClr val="000000"/>
                 </a:solidFill>
                 <a:latin typeface="Times New Roman"/>
                 <a:ea typeface="DejaVu Sans"/>
               </a:rPr>
-              <a:t>Ease of Use</a:t>
-            </a:r>
-            <a:endParaRPr b="0" lang="en-IN" sz="1800" spc="-1" strike="noStrike">
+              <a:t>Modular and Reusable</a:t>
+            </a:r>
+            <a:endParaRPr b="0" lang="en-IN" sz="1600" spc="-1" strike="noStrike">
+              <a:latin typeface="Arial"/>
+            </a:endParaRPr>
+          </a:p>
+          <a:p>
+            <a:pPr lvl="1" marL="432000" indent="-216000">
+              <a:lnSpc>
+                <a:spcPct val="100000"/>
+              </a:lnSpc>
+              <a:spcAft>
+                <a:spcPts val="1054"/>
+              </a:spcAft>
+              <a:buClr>
+                <a:srgbClr val="000000"/>
+              </a:buClr>
+              <a:buSzPct val="45000"/>
+              <a:buFont typeface="Wingdings" charset="2"/>
+              <a:buChar char=""/>
+              <a:tabLst>
+                <a:tab algn="l" pos="0"/>
+              </a:tabLst>
+            </a:pPr>
+            <a:r>
+              <a:rPr b="0" lang="en-IN" sz="1600" spc="-1" strike="noStrike">
+                <a:solidFill>
+                  <a:srgbClr val="000000"/>
+                </a:solidFill>
+                <a:latin typeface="Times New Roman"/>
+                <a:ea typeface="DejaVu Sans"/>
+              </a:rPr>
+              <a:t> </a:t>
+            </a:r>
+            <a:r>
+              <a:rPr b="0" lang="en-IN" sz="1500" spc="-1" strike="noStrike">
+                <a:solidFill>
+                  <a:srgbClr val="000000"/>
+                </a:solidFill>
+                <a:latin typeface="Times New Roman"/>
+                <a:ea typeface="DejaVu Sans"/>
+              </a:rPr>
+              <a:t>By breaking down the UI into smaller, manageable components, React promotes modularity and we can reuse these components across the app</a:t>
+            </a:r>
+            <a:endParaRPr b="0" lang="en-IN" sz="1500" spc="-1" strike="noStrike">
               <a:latin typeface="Arial"/>
             </a:endParaRPr>
           </a:p>
@@ -6045,16 +6329,48 @@
               </a:tabLst>
             </a:pPr>
             <a:r>
-              <a:rPr b="0" lang="en-IN" sz="1800" spc="-1" strike="noStrike">
+              <a:rPr b="1" lang="en-IN" sz="1600" spc="-1" strike="noStrike">
                 <a:solidFill>
                   <a:srgbClr val="000000"/>
                 </a:solidFill>
                 <a:latin typeface="Times New Roman"/>
                 <a:ea typeface="DejaVu Sans"/>
               </a:rPr>
-              <a:t>Improved Performance</a:t>
-            </a:r>
-            <a:endParaRPr b="0" lang="en-IN" sz="1800" spc="-1" strike="noStrike">
+              <a:t>Virtual DOM</a:t>
+            </a:r>
+            <a:endParaRPr b="0" lang="en-IN" sz="1600" spc="-1" strike="noStrike">
+              <a:latin typeface="Arial"/>
+            </a:endParaRPr>
+          </a:p>
+          <a:p>
+            <a:pPr lvl="1" marL="432000" indent="-216000">
+              <a:lnSpc>
+                <a:spcPct val="100000"/>
+              </a:lnSpc>
+              <a:spcAft>
+                <a:spcPts val="1054"/>
+              </a:spcAft>
+              <a:buClr>
+                <a:srgbClr val="000000"/>
+              </a:buClr>
+              <a:buSzPct val="45000"/>
+              <a:buFont typeface="Wingdings" charset="2"/>
+              <a:buChar char=""/>
+              <a:tabLst>
+                <a:tab algn="l" pos="0"/>
+              </a:tabLst>
+            </a:pPr>
+            <a:r>
+              <a:rPr b="0" lang="en-IN" sz="1500" spc="-1" strike="noStrike">
+                <a:solidFill>
+                  <a:srgbClr val="000000"/>
+                </a:solidFill>
+                <a:latin typeface="Times New Roman"/>
+                <a:ea typeface="DejaVu Sans"/>
+              </a:rPr>
+              <a:t>When the state of an object changes, React updates the virtual DOM first, which then compares it with the real DOM and makes only the necessary updates. This results in faster and more efficient rendering.</a:t>
+            </a:r>
+            <a:endParaRPr b="0" lang="en-IN" sz="1500" spc="-1" strike="noStrike">
               <a:latin typeface="Arial"/>
             </a:endParaRPr>
           </a:p>
@@ -6077,108 +6393,245 @@
               </a:tabLst>
             </a:pPr>
             <a:r>
-              <a:rPr b="0" lang="en-IN" sz="1800" spc="-1" strike="noStrike">
+              <a:rPr b="1" lang="en-IN" sz="1600" spc="-1" strike="noStrike">
                 <a:solidFill>
                   <a:srgbClr val="000000"/>
                 </a:solidFill>
                 <a:latin typeface="Times New Roman"/>
                 <a:ea typeface="DejaVu Sans"/>
               </a:rPr>
-              <a:t>Global State Management</a:t>
-            </a:r>
-            <a:endParaRPr b="0" lang="en-IN" sz="1800" spc="-1" strike="noStrike">
-              <a:latin typeface="Arial"/>
-            </a:endParaRPr>
-          </a:p>
-        </p:txBody>
-      </p:sp>
-      <p:sp>
-        <p:nvSpPr>
-          <p:cNvPr id="104" name="Title 6"/>
-          <p:cNvSpPr/>
-          <p:nvPr/>
-        </p:nvSpPr>
-        <p:spPr>
-          <a:xfrm>
-            <a:off x="3656160" y="133560"/>
-            <a:ext cx="4878720" cy="911520"/>
-          </a:xfrm>
-          <a:prstGeom prst="roundRect">
-            <a:avLst>
-              <a:gd name="adj" fmla="val 16667"/>
-            </a:avLst>
-          </a:prstGeom>
-          <a:gradFill rotWithShape="0">
-            <a:gsLst>
-              <a:gs pos="0">
-                <a:srgbClr val="ffffff"/>
-              </a:gs>
-              <a:gs pos="100000">
-                <a:srgbClr val="fbe3d6"/>
-              </a:gs>
-            </a:gsLst>
-            <a:lin ang="13500000"/>
-          </a:gradFill>
-          <a:ln w="0">
-            <a:noFill/>
-          </a:ln>
-        </p:spPr>
-        <p:style>
-          <a:lnRef idx="0"/>
-          <a:fillRef idx="0"/>
-          <a:effectRef idx="0"/>
-          <a:fontRef idx="minor"/>
-        </p:style>
-        <p:txBody>
-          <a:bodyPr lIns="90000" rIns="90000" tIns="45000" bIns="45000" anchor="ctr">
-            <a:normAutofit/>
-          </a:bodyPr>
-          <a:p>
-            <a:pPr algn="ctr">
+              <a:t>JSX – JavaScript Syntax Extension</a:t>
+            </a:r>
+            <a:endParaRPr b="0" lang="en-IN" sz="1600" spc="-1" strike="noStrike">
+              <a:latin typeface="Arial"/>
+            </a:endParaRPr>
+          </a:p>
+          <a:p>
+            <a:pPr lvl="1" marL="432000" indent="-216000">
               <a:lnSpc>
                 <a:spcPct val="100000"/>
               </a:lnSpc>
-              <a:buNone/>
-            </a:pPr>
-            <a:r>
-              <a:rPr b="0" lang="en-IN" sz="3600" spc="-1" strike="noStrike">
+              <a:spcAft>
+                <a:spcPts val="1054"/>
+              </a:spcAft>
+              <a:buClr>
+                <a:srgbClr val="000000"/>
+              </a:buClr>
+              <a:buSzPct val="45000"/>
+              <a:buFont typeface="Wingdings" charset="2"/>
+              <a:buChar char=""/>
+              <a:tabLst>
+                <a:tab algn="l" pos="0"/>
+              </a:tabLst>
+            </a:pPr>
+            <a:r>
+              <a:rPr b="0" lang="en-IN" sz="1500" spc="-1" strike="noStrike">
                 <a:solidFill>
                   <a:srgbClr val="000000"/>
                 </a:solidFill>
                 <a:latin typeface="Times New Roman"/>
                 <a:ea typeface="DejaVu Sans"/>
               </a:rPr>
-              <a:t>React Context</a:t>
-            </a:r>
-            <a:endParaRPr b="0" lang="en-IN" sz="3600" spc="-1" strike="noStrike">
-              <a:latin typeface="Arial"/>
-            </a:endParaRPr>
-          </a:p>
-        </p:txBody>
-      </p:sp>
-      <p:pic>
-        <p:nvPicPr>
-          <p:cNvPr id="105" name="" descr=""/>
-          <p:cNvPicPr/>
-          <p:nvPr/>
-        </p:nvPicPr>
-        <p:blipFill>
-          <a:blip r:embed="rId1"/>
-          <a:stretch/>
-        </p:blipFill>
-        <p:spPr>
-          <a:xfrm>
-            <a:off x="4500000" y="1620000"/>
-            <a:ext cx="6838560" cy="4498560"/>
-          </a:xfrm>
-          <a:prstGeom prst="rect">
-            <a:avLst/>
-          </a:prstGeom>
-          <a:ln w="0">
-            <a:noFill/>
-          </a:ln>
-        </p:spPr>
-      </p:pic>
+              <a:t>With jsx, we can write html code inside js file, so that we can write reusable UI components as well</a:t>
+            </a:r>
+            <a:endParaRPr b="0" lang="en-IN" sz="1500" spc="-1" strike="noStrike">
+              <a:latin typeface="Arial"/>
+            </a:endParaRPr>
+          </a:p>
+          <a:p>
+            <a:pPr marL="216000" indent="-216000">
+              <a:lnSpc>
+                <a:spcPct val="100000"/>
+              </a:lnSpc>
+              <a:spcAft>
+                <a:spcPts val="845"/>
+              </a:spcAft>
+              <a:buClr>
+                <a:srgbClr val="000000"/>
+              </a:buClr>
+              <a:buSzPct val="45000"/>
+              <a:buFont typeface="Wingdings" charset="2"/>
+              <a:buChar char=""/>
+              <a:tabLst>
+                <a:tab algn="l" pos="0"/>
+              </a:tabLst>
+            </a:pPr>
+            <a:r>
+              <a:rPr b="1" lang="en-IN" sz="1600" spc="-1" strike="noStrike">
+                <a:solidFill>
+                  <a:srgbClr val="000000"/>
+                </a:solidFill>
+                <a:latin typeface="Times New Roman"/>
+                <a:ea typeface="DejaVu Sans"/>
+              </a:rPr>
+              <a:t>Dynamic Content</a:t>
+            </a:r>
+            <a:endParaRPr b="0" lang="en-IN" sz="1600" spc="-1" strike="noStrike">
+              <a:latin typeface="Arial"/>
+            </a:endParaRPr>
+          </a:p>
+          <a:p>
+            <a:pPr lvl="1" marL="432000" indent="-216000">
+              <a:lnSpc>
+                <a:spcPct val="100000"/>
+              </a:lnSpc>
+              <a:spcAft>
+                <a:spcPts val="845"/>
+              </a:spcAft>
+              <a:buClr>
+                <a:srgbClr val="000000"/>
+              </a:buClr>
+              <a:buSzPct val="45000"/>
+              <a:buFont typeface="Wingdings" charset="2"/>
+              <a:buChar char=""/>
+              <a:tabLst>
+                <a:tab algn="l" pos="0"/>
+              </a:tabLst>
+            </a:pPr>
+            <a:r>
+              <a:rPr b="0" lang="en-IN" sz="1500" spc="-1" strike="noStrike">
+                <a:solidFill>
+                  <a:srgbClr val="000000"/>
+                </a:solidFill>
+                <a:latin typeface="Times New Roman"/>
+                <a:ea typeface="DejaVu Sans"/>
+              </a:rPr>
+              <a:t>We can dynamically update content of dynamics,material variants etc when we add object</a:t>
+            </a:r>
+            <a:endParaRPr b="0" lang="en-IN" sz="1500" spc="-1" strike="noStrike">
+              <a:latin typeface="Arial"/>
+            </a:endParaRPr>
+          </a:p>
+          <a:p>
+            <a:pPr marL="216000" indent="-216000">
+              <a:lnSpc>
+                <a:spcPct val="100000"/>
+              </a:lnSpc>
+              <a:spcAft>
+                <a:spcPts val="1054"/>
+              </a:spcAft>
+              <a:buClr>
+                <a:srgbClr val="000000"/>
+              </a:buClr>
+              <a:buSzPct val="45000"/>
+              <a:buFont typeface="Wingdings" charset="2"/>
+              <a:buChar char=""/>
+              <a:tabLst>
+                <a:tab algn="l" pos="0"/>
+              </a:tabLst>
+            </a:pPr>
+            <a:r>
+              <a:rPr b="1" lang="en-IN" sz="1600" spc="-1" strike="noStrike">
+                <a:solidFill>
+                  <a:srgbClr val="000000"/>
+                </a:solidFill>
+                <a:latin typeface="Times New Roman"/>
+                <a:ea typeface="DejaVu Sans"/>
+              </a:rPr>
+              <a:t>Predictable State Management</a:t>
+            </a:r>
+            <a:endParaRPr b="0" lang="en-IN" sz="1600" spc="-1" strike="noStrike">
+              <a:latin typeface="Arial"/>
+            </a:endParaRPr>
+          </a:p>
+          <a:p>
+            <a:pPr lvl="1" marL="432000" indent="-216000">
+              <a:lnSpc>
+                <a:spcPct val="100000"/>
+              </a:lnSpc>
+              <a:spcAft>
+                <a:spcPts val="1054"/>
+              </a:spcAft>
+              <a:buClr>
+                <a:srgbClr val="000000"/>
+              </a:buClr>
+              <a:buSzPct val="45000"/>
+              <a:buFont typeface="Wingdings" charset="2"/>
+              <a:buChar char=""/>
+              <a:tabLst>
+                <a:tab algn="l" pos="0"/>
+              </a:tabLst>
+            </a:pPr>
+            <a:r>
+              <a:rPr b="0" lang="en-IN" sz="1500" spc="-1" strike="noStrike">
+                <a:solidFill>
+                  <a:srgbClr val="000000"/>
+                </a:solidFill>
+                <a:latin typeface="Times New Roman"/>
+                <a:ea typeface="DejaVu Sans"/>
+              </a:rPr>
+              <a:t>By using redux or react context, values will be explicitly updated in the state </a:t>
+            </a:r>
+            <a:endParaRPr b="0" lang="en-IN" sz="1500" spc="-1" strike="noStrike">
+              <a:latin typeface="Arial"/>
+            </a:endParaRPr>
+          </a:p>
+          <a:p>
+            <a:pPr marL="216000" indent="-216000">
+              <a:lnSpc>
+                <a:spcPct val="100000"/>
+              </a:lnSpc>
+              <a:spcAft>
+                <a:spcPts val="1054"/>
+              </a:spcAft>
+              <a:buClr>
+                <a:srgbClr val="000000"/>
+              </a:buClr>
+              <a:buSzPct val="45000"/>
+              <a:buFont typeface="Wingdings" charset="2"/>
+              <a:buChar char=""/>
+              <a:tabLst>
+                <a:tab algn="l" pos="0"/>
+              </a:tabLst>
+            </a:pPr>
+            <a:r>
+              <a:rPr b="1" lang="en-IN" sz="1600" spc="-1" strike="noStrike">
+                <a:solidFill>
+                  <a:srgbClr val="000000"/>
+                </a:solidFill>
+                <a:latin typeface="Times New Roman"/>
+                <a:ea typeface="DejaVu Sans"/>
+              </a:rPr>
+              <a:t>Scalability</a:t>
+            </a:r>
+            <a:endParaRPr b="0" lang="en-IN" sz="1600" spc="-1" strike="noStrike">
+              <a:latin typeface="Arial"/>
+            </a:endParaRPr>
+          </a:p>
+          <a:p>
+            <a:pPr lvl="1" marL="432000" indent="-216000">
+              <a:lnSpc>
+                <a:spcPct val="100000"/>
+              </a:lnSpc>
+              <a:spcAft>
+                <a:spcPts val="1054"/>
+              </a:spcAft>
+              <a:buClr>
+                <a:srgbClr val="000000"/>
+              </a:buClr>
+              <a:buSzPct val="45000"/>
+              <a:buFont typeface="Wingdings" charset="2"/>
+              <a:buChar char=""/>
+              <a:tabLst>
+                <a:tab algn="l" pos="0"/>
+              </a:tabLst>
+            </a:pPr>
+            <a:r>
+              <a:rPr b="0" lang="en-IN" sz="1500" spc="-1" strike="noStrike">
+                <a:solidFill>
+                  <a:srgbClr val="000000"/>
+                </a:solidFill>
+                <a:latin typeface="Times New Roman"/>
+                <a:ea typeface="DejaVu Sans"/>
+              </a:rPr>
+              <a:t>The ability to break down the UI into reusable components and manage state efficiently helps in scaling applications as they grow</a:t>
+            </a:r>
+            <a:endParaRPr b="0" lang="en-IN" sz="1500" spc="-1" strike="noStrike">
+              <a:latin typeface="Arial"/>
+            </a:endParaRPr>
+          </a:p>
+        </p:txBody>
+      </p:sp>
     </p:spTree>
   </p:cSld>
   <mc:AlternateContent>
@@ -6211,175 +6664,14 @@
       </p:grpSpPr>
       <p:sp>
         <p:nvSpPr>
-          <p:cNvPr id="106" name="PlaceHolder 5"/>
+          <p:cNvPr id="111" name="Title 5"/>
           <p:cNvSpPr/>
           <p:nvPr/>
         </p:nvSpPr>
         <p:spPr>
           <a:xfrm>
-            <a:off x="360000" y="1620000"/>
-            <a:ext cx="11338560" cy="5038560"/>
-          </a:xfrm>
-          <a:prstGeom prst="rect">
-            <a:avLst/>
-          </a:prstGeom>
-          <a:solidFill>
-            <a:srgbClr val="fbe3d6"/>
-          </a:solidFill>
-          <a:ln w="0">
-            <a:noFill/>
-          </a:ln>
-        </p:spPr>
-        <p:style>
-          <a:lnRef idx="0"/>
-          <a:fillRef idx="0"/>
-          <a:effectRef idx="0"/>
-          <a:fontRef idx="minor"/>
-        </p:style>
-        <p:txBody>
-          <a:bodyPr lIns="90000" rIns="90000" tIns="45000" bIns="45000" anchor="t">
-            <a:noAutofit/>
-          </a:bodyPr>
-          <a:p>
-            <a:pPr marL="216000" indent="-216000">
-              <a:lnSpc>
-                <a:spcPct val="100000"/>
-              </a:lnSpc>
-              <a:spcAft>
-                <a:spcPts val="1054"/>
-              </a:spcAft>
-              <a:buClr>
-                <a:srgbClr val="000000"/>
-              </a:buClr>
-              <a:buSzPct val="45000"/>
-              <a:buFont typeface="Wingdings" charset="2"/>
-              <a:buChar char=""/>
-              <a:tabLst>
-                <a:tab algn="l" pos="0"/>
-              </a:tabLst>
-            </a:pPr>
-            <a:r>
-              <a:rPr b="0" lang="en-IN" sz="2000" spc="-1" strike="noStrike">
-                <a:solidFill>
-                  <a:srgbClr val="000000"/>
-                </a:solidFill>
-                <a:latin typeface="Times New Roman"/>
-                <a:ea typeface="DejaVu Sans"/>
-              </a:rPr>
-              <a:t>Centralized State Management</a:t>
-            </a:r>
-            <a:endParaRPr b="0" lang="en-IN" sz="2000" spc="-1" strike="noStrike">
-              <a:latin typeface="Arial"/>
-            </a:endParaRPr>
-          </a:p>
-          <a:p>
-            <a:pPr marL="216000" indent="-216000">
-              <a:lnSpc>
-                <a:spcPct val="100000"/>
-              </a:lnSpc>
-              <a:spcAft>
-                <a:spcPts val="1054"/>
-              </a:spcAft>
-              <a:buClr>
-                <a:srgbClr val="000000"/>
-              </a:buClr>
-              <a:buSzPct val="45000"/>
-              <a:buFont typeface="Wingdings" charset="2"/>
-              <a:buChar char=""/>
-              <a:tabLst>
-                <a:tab algn="l" pos="0"/>
-              </a:tabLst>
-            </a:pPr>
-            <a:r>
-              <a:rPr b="0" lang="en-IN" sz="2000" spc="-1" strike="noStrike">
-                <a:solidFill>
-                  <a:srgbClr val="000000"/>
-                </a:solidFill>
-                <a:latin typeface="Times New Roman"/>
-                <a:ea typeface="DejaVu Sans"/>
-              </a:rPr>
-              <a:t>Predictable State Changes</a:t>
-            </a:r>
-            <a:endParaRPr b="0" lang="en-IN" sz="2000" spc="-1" strike="noStrike">
-              <a:latin typeface="Arial"/>
-            </a:endParaRPr>
-          </a:p>
-          <a:p>
-            <a:pPr marL="216000" indent="-216000">
-              <a:lnSpc>
-                <a:spcPct val="100000"/>
-              </a:lnSpc>
-              <a:spcAft>
-                <a:spcPts val="1054"/>
-              </a:spcAft>
-              <a:buClr>
-                <a:srgbClr val="000000"/>
-              </a:buClr>
-              <a:buSzPct val="45000"/>
-              <a:buFont typeface="Wingdings" charset="2"/>
-              <a:buChar char=""/>
-              <a:tabLst>
-                <a:tab algn="l" pos="0"/>
-              </a:tabLst>
-            </a:pPr>
-            <a:r>
-              <a:rPr b="0" lang="en-IN" sz="2000" spc="-1" strike="noStrike">
-                <a:solidFill>
-                  <a:srgbClr val="000000"/>
-                </a:solidFill>
-                <a:latin typeface="Times New Roman"/>
-                <a:ea typeface="DejaVu Sans"/>
-              </a:rPr>
-              <a:t>Improved Maintainability</a:t>
-            </a:r>
-            <a:endParaRPr b="0" lang="en-IN" sz="2000" spc="-1" strike="noStrike">
-              <a:latin typeface="Arial"/>
-            </a:endParaRPr>
-          </a:p>
-          <a:p>
-            <a:pPr marL="216000" indent="-216000">
-              <a:lnSpc>
-                <a:spcPct val="100000"/>
-              </a:lnSpc>
-              <a:spcAft>
-                <a:spcPts val="1054"/>
-              </a:spcAft>
-              <a:buClr>
-                <a:srgbClr val="000000"/>
-              </a:buClr>
-              <a:buSzPct val="45000"/>
-              <a:buFont typeface="Wingdings" charset="2"/>
-              <a:buChar char=""/>
-              <a:tabLst>
-                <a:tab algn="l" pos="0"/>
-              </a:tabLst>
-            </a:pPr>
-            <a:r>
-              <a:rPr b="0" lang="en-IN" sz="2000" spc="-1" strike="noStrike">
-                <a:solidFill>
-                  <a:srgbClr val="000000"/>
-                </a:solidFill>
-                <a:latin typeface="Times New Roman"/>
-                <a:ea typeface="DejaVu Sans"/>
-              </a:rPr>
-              <a:t>Easier Debugging and Testing</a:t>
-            </a:r>
-            <a:endParaRPr b="0" lang="en-IN" sz="2000" spc="-1" strike="noStrike">
-              <a:latin typeface="Arial"/>
-            </a:endParaRPr>
-          </a:p>
-        </p:txBody>
-      </p:sp>
-      <p:sp>
-        <p:nvSpPr>
-          <p:cNvPr id="107" name="Title 4"/>
-          <p:cNvSpPr/>
-          <p:nvPr/>
-        </p:nvSpPr>
-        <p:spPr>
-          <a:xfrm>
-            <a:off x="3656160" y="133920"/>
-            <a:ext cx="4878720" cy="911520"/>
+            <a:off x="3656160" y="531000"/>
+            <a:ext cx="4874040" cy="906840"/>
           </a:xfrm>
           <a:prstGeom prst="roundRect">
             <a:avLst>
@@ -6392,7 +6684,7 @@
                 <a:srgbClr val="ffffff"/>
               </a:gs>
               <a:gs pos="100000">
-                <a:srgbClr val="fbe3d6"/>
+                <a:srgbClr val="ffd7d7"/>
               </a:gs>
             </a:gsLst>
             <a:lin ang="13500000"/>
@@ -6426,7 +6718,7 @@
                 <a:latin typeface="Times New Roman"/>
                 <a:ea typeface="DejaVu Sans"/>
               </a:rPr>
-              <a:t>Redux</a:t>
+              <a:t>React Architecture</a:t>
             </a:r>
             <a:endParaRPr b="0" lang="en-IN" sz="3600" spc="-1" strike="noStrike">
               <a:latin typeface="Arial"/>
@@ -6436,7 +6728,7 @@
       </p:sp>
       <p:pic>
         <p:nvPicPr>
-          <p:cNvPr id="108" name="" descr=""/>
+          <p:cNvPr id="112" name="" descr=""/>
           <p:cNvPicPr/>
           <p:nvPr/>
         </p:nvPicPr>
@@ -6446,8 +6738,8 @@
         </p:blipFill>
         <p:spPr>
           <a:xfrm>
-            <a:off x="4145400" y="1980000"/>
-            <a:ext cx="6838560" cy="4318560"/>
+            <a:off x="2520000" y="2021760"/>
+            <a:ext cx="7140960" cy="4276080"/>
           </a:xfrm>
           <a:prstGeom prst="rect">
             <a:avLst/>
@@ -6487,23 +6779,663 @@
           <a:chExt cx="0" cy="0"/>
         </a:xfrm>
       </p:grpSpPr>
+      <p:sp>
+        <p:nvSpPr>
+          <p:cNvPr id="113" name=""/>
+          <p:cNvSpPr/>
+          <p:nvPr/>
+        </p:nvSpPr>
+        <p:spPr>
+          <a:xfrm>
+            <a:off x="642960" y="1679040"/>
+            <a:ext cx="10921320" cy="4835160"/>
+          </a:xfrm>
+          <a:custGeom>
+            <a:avLst/>
+            <a:gdLst/>
+            <a:ahLst/>
+            <a:rect l="l" t="t" r="r" b="b"/>
+            <a:pathLst>
+              <a:path w="48764" h="21600">
+                <a:moveTo>
+                  <a:pt x="3600" y="0"/>
+                </a:moveTo>
+                <a:arcTo wR="3600" hR="3600" stAng="16200000" swAng="-5400000"/>
+                <a:lnTo>
+                  <a:pt x="0" y="18000"/>
+                </a:lnTo>
+                <a:arcTo wR="3600" hR="3600" stAng="10800000" swAng="-5400000"/>
+                <a:lnTo>
+                  <a:pt x="45164" y="21600"/>
+                </a:lnTo>
+                <a:arcTo wR="23564" hR="3600" stAng="5400000" swAng="5400000"/>
+                <a:lnTo>
+                  <a:pt x="21600" y="3600"/>
+                </a:lnTo>
+                <a:arcTo wR="23564" hR="3600" stAng="10800000" swAng="5400000"/>
+                <a:close/>
+              </a:path>
+            </a:pathLst>
+          </a:custGeom>
+          <a:gradFill rotWithShape="0">
+            <a:gsLst>
+              <a:gs pos="0">
+                <a:srgbClr val="ffd7d7"/>
+              </a:gs>
+              <a:gs pos="100000">
+                <a:srgbClr val="ffffff"/>
+              </a:gs>
+            </a:gsLst>
+            <a:lin ang="3600000"/>
+          </a:gradFill>
+          <a:ln w="0">
+            <a:noFill/>
+          </a:ln>
+        </p:spPr>
+        <p:style>
+          <a:lnRef idx="0"/>
+          <a:fillRef idx="0"/>
+          <a:effectRef idx="0"/>
+          <a:fontRef idx="minor"/>
+        </p:style>
+      </p:sp>
+      <p:sp>
+        <p:nvSpPr>
+          <p:cNvPr id="114" name=""/>
+          <p:cNvSpPr/>
+          <p:nvPr/>
+        </p:nvSpPr>
+        <p:spPr>
+          <a:xfrm>
+            <a:off x="1088640" y="3273480"/>
+            <a:ext cx="3236040" cy="1570320"/>
+          </a:xfrm>
+          <a:prstGeom prst="rect">
+            <a:avLst/>
+          </a:prstGeom>
+          <a:noFill/>
+          <a:ln w="0">
+            <a:noFill/>
+          </a:ln>
+        </p:spPr>
+        <p:style>
+          <a:lnRef idx="0"/>
+          <a:fillRef idx="0"/>
+          <a:effectRef idx="0"/>
+          <a:fontRef idx="minor"/>
+        </p:style>
+        <p:txBody>
+          <a:bodyPr lIns="90000" rIns="90000" tIns="45000" bIns="45000" anchor="ctr">
+            <a:noAutofit/>
+          </a:bodyPr>
+          <a:p>
+            <a:pPr marL="216000" indent="-216000">
+              <a:lnSpc>
+                <a:spcPct val="100000"/>
+              </a:lnSpc>
+              <a:spcAft>
+                <a:spcPts val="1054"/>
+              </a:spcAft>
+              <a:buClr>
+                <a:srgbClr val="000000"/>
+              </a:buClr>
+              <a:buSzPct val="45000"/>
+              <a:buFont typeface="Wingdings" charset="2"/>
+              <a:buChar char=""/>
+              <a:tabLst>
+                <a:tab algn="l" pos="0"/>
+              </a:tabLst>
+            </a:pPr>
+            <a:r>
+              <a:rPr b="0" lang="en-IN" sz="1800" spc="-1" strike="noStrike">
+                <a:solidFill>
+                  <a:srgbClr val="000000"/>
+                </a:solidFill>
+                <a:latin typeface="Times New Roman"/>
+                <a:ea typeface="DejaVu Sans"/>
+              </a:rPr>
+              <a:t>Ease of Use</a:t>
+            </a:r>
+            <a:endParaRPr b="0" lang="en-IN" sz="1800" spc="-1" strike="noStrike">
+              <a:latin typeface="Arial"/>
+            </a:endParaRPr>
+          </a:p>
+          <a:p>
+            <a:pPr marL="216000" indent="-216000">
+              <a:lnSpc>
+                <a:spcPct val="100000"/>
+              </a:lnSpc>
+              <a:spcAft>
+                <a:spcPts val="1054"/>
+              </a:spcAft>
+              <a:buClr>
+                <a:srgbClr val="000000"/>
+              </a:buClr>
+              <a:buSzPct val="45000"/>
+              <a:buFont typeface="Wingdings" charset="2"/>
+              <a:buChar char=""/>
+              <a:tabLst>
+                <a:tab algn="l" pos="0"/>
+              </a:tabLst>
+            </a:pPr>
+            <a:r>
+              <a:rPr b="0" lang="en-IN" sz="1800" spc="-1" strike="noStrike">
+                <a:solidFill>
+                  <a:srgbClr val="000000"/>
+                </a:solidFill>
+                <a:latin typeface="Times New Roman"/>
+                <a:ea typeface="DejaVu Sans"/>
+              </a:rPr>
+              <a:t>Improved Performance</a:t>
+            </a:r>
+            <a:endParaRPr b="0" lang="en-IN" sz="1800" spc="-1" strike="noStrike">
+              <a:latin typeface="Arial"/>
+            </a:endParaRPr>
+          </a:p>
+          <a:p>
+            <a:pPr marL="216000" indent="-216000">
+              <a:lnSpc>
+                <a:spcPct val="100000"/>
+              </a:lnSpc>
+              <a:spcAft>
+                <a:spcPts val="1054"/>
+              </a:spcAft>
+              <a:buClr>
+                <a:srgbClr val="000000"/>
+              </a:buClr>
+              <a:buSzPct val="45000"/>
+              <a:buFont typeface="Wingdings" charset="2"/>
+              <a:buChar char=""/>
+              <a:tabLst>
+                <a:tab algn="l" pos="0"/>
+              </a:tabLst>
+            </a:pPr>
+            <a:r>
+              <a:rPr b="0" lang="en-IN" sz="1800" spc="-1" strike="noStrike">
+                <a:solidFill>
+                  <a:srgbClr val="000000"/>
+                </a:solidFill>
+                <a:latin typeface="Times New Roman"/>
+                <a:ea typeface="DejaVu Sans"/>
+              </a:rPr>
+              <a:t>Global State Management</a:t>
+            </a:r>
+            <a:endParaRPr b="0" lang="en-IN" sz="1800" spc="-1" strike="noStrike">
+              <a:latin typeface="Arial"/>
+            </a:endParaRPr>
+          </a:p>
+        </p:txBody>
+      </p:sp>
+      <p:pic>
+        <p:nvPicPr>
+          <p:cNvPr id="115" name="" descr=""/>
+          <p:cNvPicPr/>
+          <p:nvPr/>
+        </p:nvPicPr>
+        <p:blipFill>
+          <a:blip r:embed="rId1"/>
+          <a:stretch/>
+        </p:blipFill>
+        <p:spPr>
+          <a:xfrm>
+            <a:off x="4886640" y="2035800"/>
+            <a:ext cx="5896800" cy="4155480"/>
+          </a:xfrm>
+          <a:prstGeom prst="rect">
+            <a:avLst/>
+          </a:prstGeom>
+          <a:ln w="0">
+            <a:noFill/>
+          </a:ln>
+        </p:spPr>
+      </p:pic>
+      <p:sp>
+        <p:nvSpPr>
+          <p:cNvPr id="116" name="Title 11"/>
+          <p:cNvSpPr/>
+          <p:nvPr/>
+        </p:nvSpPr>
+        <p:spPr>
+          <a:xfrm>
+            <a:off x="3060000" y="360000"/>
+            <a:ext cx="6117840" cy="906840"/>
+          </a:xfrm>
+          <a:prstGeom prst="roundRect">
+            <a:avLst>
+              <a:gd name="adj" fmla="val 16667"/>
+            </a:avLst>
+          </a:prstGeom>
+          <a:gradFill rotWithShape="0">
+            <a:gsLst>
+              <a:gs pos="0">
+                <a:srgbClr val="ffffff"/>
+              </a:gs>
+              <a:gs pos="100000">
+                <a:srgbClr val="ffd7d7"/>
+              </a:gs>
+            </a:gsLst>
+            <a:lin ang="13500000"/>
+          </a:gradFill>
+          <a:ln w="0">
+            <a:noFill/>
+          </a:ln>
+        </p:spPr>
+        <p:style>
+          <a:lnRef idx="0"/>
+          <a:fillRef idx="0"/>
+          <a:effectRef idx="0"/>
+          <a:fontRef idx="minor"/>
+        </p:style>
+        <p:txBody>
+          <a:bodyPr lIns="90000" rIns="90000" tIns="45000" bIns="45000" anchor="ctr">
+            <a:normAutofit/>
+          </a:bodyPr>
+          <a:p>
+            <a:pPr algn="ctr">
+              <a:lnSpc>
+                <a:spcPct val="100000"/>
+              </a:lnSpc>
+              <a:buNone/>
+            </a:pPr>
+            <a:r>
+              <a:rPr b="0" lang="en-IN" sz="3600" spc="-1" strike="noStrike">
+                <a:solidFill>
+                  <a:srgbClr val="000000"/>
+                </a:solidFill>
+                <a:latin typeface="Times New Roman"/>
+                <a:ea typeface="DejaVu Sans"/>
+              </a:rPr>
+              <a:t>React Context</a:t>
+            </a:r>
+            <a:endParaRPr b="0" lang="en-IN" sz="3600" spc="-1" strike="noStrike">
+              <a:latin typeface="Arial"/>
+            </a:endParaRPr>
+          </a:p>
+        </p:txBody>
+      </p:sp>
+    </p:spTree>
+  </p:cSld>
+  <mc:AlternateContent>
+    <mc:Choice Requires="p14">
+      <p:transition spd="slow" p14:dur="2000"/>
+    </mc:Choice>
+    <mc:Fallback>
+      <p:transition spd="slow"/>
+    </mc:Fallback>
+  </mc:AlternateContent>
+</p:sld>
+</file>
+
+<file path=ppt/slides/slide14.xml><?xml version="1.0" encoding="utf-8"?>
+<p:sld xmlns:a="http://schemas.openxmlformats.org/drawingml/2006/main" xmlns:p="http://schemas.openxmlformats.org/presentationml/2006/main" xmlns:r="http://schemas.openxmlformats.org/officeDocument/2006/relationships" xmlns:p14="http://schemas.microsoft.com/office/powerpoint/2010/main" xmlns:p15="http://schemas.microsoft.com/office/powerpoint/2012/main" xmlns:mc="http://schemas.openxmlformats.org/markup-compatibility/2006">
+  <p:cSld>
+    <p:spTree>
+      <p:nvGrpSpPr>
+        <p:cNvPr id="1" name=""/>
+        <p:cNvGrpSpPr/>
+        <p:nvPr/>
+      </p:nvGrpSpPr>
+      <p:grpSpPr>
+        <a:xfrm>
+          <a:off x="0" y="0"/>
+          <a:ext cx="0" cy="0"/>
+          <a:chOff x="0" y="0"/>
+          <a:chExt cx="0" cy="0"/>
+        </a:xfrm>
+      </p:grpSpPr>
+      <p:sp>
+        <p:nvSpPr>
+          <p:cNvPr id="117" name=""/>
+          <p:cNvSpPr/>
+          <p:nvPr/>
+        </p:nvSpPr>
+        <p:spPr>
+          <a:xfrm>
+            <a:off x="642960" y="1679040"/>
+            <a:ext cx="10921320" cy="4835160"/>
+          </a:xfrm>
+          <a:custGeom>
+            <a:avLst/>
+            <a:gdLst/>
+            <a:ahLst/>
+            <a:rect l="l" t="t" r="r" b="b"/>
+            <a:pathLst>
+              <a:path w="48764" h="21600">
+                <a:moveTo>
+                  <a:pt x="3600" y="0"/>
+                </a:moveTo>
+                <a:arcTo wR="3600" hR="3600" stAng="16200000" swAng="-5400000"/>
+                <a:lnTo>
+                  <a:pt x="0" y="18000"/>
+                </a:lnTo>
+                <a:arcTo wR="3600" hR="3600" stAng="10800000" swAng="-5400000"/>
+                <a:lnTo>
+                  <a:pt x="45164" y="21600"/>
+                </a:lnTo>
+                <a:arcTo wR="23564" hR="3600" stAng="5400000" swAng="5400000"/>
+                <a:lnTo>
+                  <a:pt x="21600" y="3600"/>
+                </a:lnTo>
+                <a:arcTo wR="23564" hR="3600" stAng="10800000" swAng="5400000"/>
+                <a:close/>
+              </a:path>
+            </a:pathLst>
+          </a:custGeom>
+          <a:gradFill rotWithShape="0">
+            <a:gsLst>
+              <a:gs pos="0">
+                <a:srgbClr val="ffd7d7"/>
+              </a:gs>
+              <a:gs pos="100000">
+                <a:srgbClr val="ffffff"/>
+              </a:gs>
+            </a:gsLst>
+            <a:lin ang="3600000"/>
+          </a:gradFill>
+          <a:ln w="0">
+            <a:noFill/>
+          </a:ln>
+        </p:spPr>
+        <p:style>
+          <a:lnRef idx="0"/>
+          <a:fillRef idx="0"/>
+          <a:effectRef idx="0"/>
+          <a:fontRef idx="minor"/>
+        </p:style>
+      </p:sp>
+      <p:sp>
+        <p:nvSpPr>
+          <p:cNvPr id="118" name=""/>
+          <p:cNvSpPr/>
+          <p:nvPr/>
+        </p:nvSpPr>
+        <p:spPr>
+          <a:xfrm>
+            <a:off x="920520" y="2929320"/>
+            <a:ext cx="3618000" cy="2179440"/>
+          </a:xfrm>
+          <a:prstGeom prst="rect">
+            <a:avLst/>
+          </a:prstGeom>
+          <a:noFill/>
+          <a:ln w="0">
+            <a:noFill/>
+          </a:ln>
+        </p:spPr>
+        <p:style>
+          <a:lnRef idx="0"/>
+          <a:fillRef idx="0"/>
+          <a:effectRef idx="0"/>
+          <a:fontRef idx="minor"/>
+        </p:style>
+        <p:txBody>
+          <a:bodyPr lIns="90000" rIns="90000" tIns="45000" bIns="45000" anchor="ctr">
+            <a:noAutofit/>
+          </a:bodyPr>
+          <a:p>
+            <a:pPr marL="216000" indent="-216000">
+              <a:lnSpc>
+                <a:spcPct val="100000"/>
+              </a:lnSpc>
+              <a:spcAft>
+                <a:spcPts val="1054"/>
+              </a:spcAft>
+              <a:buClr>
+                <a:srgbClr val="000000"/>
+              </a:buClr>
+              <a:buSzPct val="45000"/>
+              <a:buFont typeface="Wingdings" charset="2"/>
+              <a:buChar char=""/>
+              <a:tabLst>
+                <a:tab algn="l" pos="0"/>
+              </a:tabLst>
+            </a:pPr>
+            <a:r>
+              <a:rPr b="0" lang="en-IN" sz="2000" spc="-1" strike="noStrike">
+                <a:solidFill>
+                  <a:srgbClr val="000000"/>
+                </a:solidFill>
+                <a:latin typeface="Times New Roman"/>
+                <a:ea typeface="DejaVu Sans"/>
+              </a:rPr>
+              <a:t>Centralized State Management</a:t>
+            </a:r>
+            <a:endParaRPr b="0" lang="en-IN" sz="2000" spc="-1" strike="noStrike">
+              <a:latin typeface="Arial"/>
+            </a:endParaRPr>
+          </a:p>
+          <a:p>
+            <a:pPr marL="216000" indent="-216000">
+              <a:lnSpc>
+                <a:spcPct val="100000"/>
+              </a:lnSpc>
+              <a:spcAft>
+                <a:spcPts val="1054"/>
+              </a:spcAft>
+              <a:buClr>
+                <a:srgbClr val="000000"/>
+              </a:buClr>
+              <a:buSzPct val="45000"/>
+              <a:buFont typeface="Wingdings" charset="2"/>
+              <a:buChar char=""/>
+              <a:tabLst>
+                <a:tab algn="l" pos="0"/>
+              </a:tabLst>
+            </a:pPr>
+            <a:r>
+              <a:rPr b="0" lang="en-IN" sz="2000" spc="-1" strike="noStrike">
+                <a:solidFill>
+                  <a:srgbClr val="000000"/>
+                </a:solidFill>
+                <a:latin typeface="Times New Roman"/>
+                <a:ea typeface="DejaVu Sans"/>
+              </a:rPr>
+              <a:t>Predictable State Changes</a:t>
+            </a:r>
+            <a:endParaRPr b="0" lang="en-IN" sz="2000" spc="-1" strike="noStrike">
+              <a:latin typeface="Arial"/>
+            </a:endParaRPr>
+          </a:p>
+          <a:p>
+            <a:pPr marL="216000" indent="-216000">
+              <a:lnSpc>
+                <a:spcPct val="100000"/>
+              </a:lnSpc>
+              <a:spcAft>
+                <a:spcPts val="1054"/>
+              </a:spcAft>
+              <a:buClr>
+                <a:srgbClr val="000000"/>
+              </a:buClr>
+              <a:buSzPct val="45000"/>
+              <a:buFont typeface="Wingdings" charset="2"/>
+              <a:buChar char=""/>
+              <a:tabLst>
+                <a:tab algn="l" pos="0"/>
+              </a:tabLst>
+            </a:pPr>
+            <a:r>
+              <a:rPr b="0" lang="en-IN" sz="2000" spc="-1" strike="noStrike">
+                <a:solidFill>
+                  <a:srgbClr val="000000"/>
+                </a:solidFill>
+                <a:latin typeface="Times New Roman"/>
+                <a:ea typeface="DejaVu Sans"/>
+              </a:rPr>
+              <a:t>Improved Maintainability</a:t>
+            </a:r>
+            <a:endParaRPr b="0" lang="en-IN" sz="2000" spc="-1" strike="noStrike">
+              <a:latin typeface="Arial"/>
+            </a:endParaRPr>
+          </a:p>
+          <a:p>
+            <a:pPr marL="216000" indent="-216000">
+              <a:lnSpc>
+                <a:spcPct val="100000"/>
+              </a:lnSpc>
+              <a:spcAft>
+                <a:spcPts val="1054"/>
+              </a:spcAft>
+              <a:buClr>
+                <a:srgbClr val="000000"/>
+              </a:buClr>
+              <a:buSzPct val="45000"/>
+              <a:buFont typeface="Wingdings" charset="2"/>
+              <a:buChar char=""/>
+              <a:tabLst>
+                <a:tab algn="l" pos="0"/>
+              </a:tabLst>
+            </a:pPr>
+            <a:r>
+              <a:rPr b="0" lang="en-IN" sz="2000" spc="-1" strike="noStrike">
+                <a:solidFill>
+                  <a:srgbClr val="000000"/>
+                </a:solidFill>
+                <a:latin typeface="Times New Roman"/>
+                <a:ea typeface="DejaVu Sans"/>
+              </a:rPr>
+              <a:t>Easier Debugging and Testing</a:t>
+            </a:r>
+            <a:endParaRPr b="0" lang="en-IN" sz="2000" spc="-1" strike="noStrike">
+              <a:latin typeface="Arial"/>
+            </a:endParaRPr>
+          </a:p>
+        </p:txBody>
+      </p:sp>
+      <p:pic>
+        <p:nvPicPr>
+          <p:cNvPr id="119" name="" descr=""/>
+          <p:cNvPicPr/>
+          <p:nvPr/>
+        </p:nvPicPr>
+        <p:blipFill>
+          <a:blip r:embed="rId1"/>
+          <a:stretch/>
+        </p:blipFill>
+        <p:spPr>
+          <a:xfrm>
+            <a:off x="4511880" y="1950480"/>
+            <a:ext cx="6833880" cy="4313880"/>
+          </a:xfrm>
+          <a:prstGeom prst="rect">
+            <a:avLst/>
+          </a:prstGeom>
+          <a:ln w="0">
+            <a:noFill/>
+          </a:ln>
+        </p:spPr>
+      </p:pic>
+      <p:sp>
+        <p:nvSpPr>
+          <p:cNvPr id="120" name="Title 12"/>
+          <p:cNvSpPr/>
+          <p:nvPr/>
+        </p:nvSpPr>
+        <p:spPr>
+          <a:xfrm>
+            <a:off x="3060000" y="360000"/>
+            <a:ext cx="6117840" cy="906840"/>
+          </a:xfrm>
+          <a:prstGeom prst="roundRect">
+            <a:avLst>
+              <a:gd name="adj" fmla="val 16667"/>
+            </a:avLst>
+          </a:prstGeom>
+          <a:gradFill rotWithShape="0">
+            <a:gsLst>
+              <a:gs pos="0">
+                <a:srgbClr val="ffffff"/>
+              </a:gs>
+              <a:gs pos="100000">
+                <a:srgbClr val="ffd7d7"/>
+              </a:gs>
+            </a:gsLst>
+            <a:lin ang="13500000"/>
+          </a:gradFill>
+          <a:ln w="0">
+            <a:noFill/>
+          </a:ln>
+        </p:spPr>
+        <p:style>
+          <a:lnRef idx="0"/>
+          <a:fillRef idx="0"/>
+          <a:effectRef idx="0"/>
+          <a:fontRef idx="minor"/>
+        </p:style>
+        <p:txBody>
+          <a:bodyPr lIns="90000" rIns="90000" tIns="45000" bIns="45000" anchor="ctr">
+            <a:normAutofit/>
+          </a:bodyPr>
+          <a:p>
+            <a:pPr algn="ctr">
+              <a:lnSpc>
+                <a:spcPct val="100000"/>
+              </a:lnSpc>
+              <a:buNone/>
+            </a:pPr>
+            <a:r>
+              <a:rPr b="0" lang="en-IN" sz="3600" spc="-1" strike="noStrike">
+                <a:solidFill>
+                  <a:srgbClr val="000000"/>
+                </a:solidFill>
+                <a:latin typeface="Times New Roman"/>
+                <a:ea typeface="DejaVu Sans"/>
+              </a:rPr>
+              <a:t>Redux</a:t>
+            </a:r>
+            <a:endParaRPr b="0" lang="en-IN" sz="3600" spc="-1" strike="noStrike">
+              <a:latin typeface="Arial"/>
+            </a:endParaRPr>
+          </a:p>
+        </p:txBody>
+      </p:sp>
+    </p:spTree>
+  </p:cSld>
+  <mc:AlternateContent>
+    <mc:Choice Requires="p14">
+      <p:transition spd="slow" p14:dur="2000"/>
+    </mc:Choice>
+    <mc:Fallback>
+      <p:transition spd="slow"/>
+    </mc:Fallback>
+  </mc:AlternateContent>
+</p:sld>
+</file>
+
+<file path=ppt/slides/slide15.xml><?xml version="1.0" encoding="utf-8"?>
+<p:sld xmlns:a="http://schemas.openxmlformats.org/drawingml/2006/main" xmlns:p="http://schemas.openxmlformats.org/presentationml/2006/main" xmlns:r="http://schemas.openxmlformats.org/officeDocument/2006/relationships" xmlns:p14="http://schemas.microsoft.com/office/powerpoint/2010/main" xmlns:p15="http://schemas.microsoft.com/office/powerpoint/2012/main" xmlns:mc="http://schemas.openxmlformats.org/markup-compatibility/2006">
+  <p:cSld>
+    <p:spTree>
+      <p:nvGrpSpPr>
+        <p:cNvPr id="1" name=""/>
+        <p:cNvGrpSpPr/>
+        <p:nvPr/>
+      </p:nvGrpSpPr>
+      <p:grpSpPr>
+        <a:xfrm>
+          <a:off x="0" y="0"/>
+          <a:ext cx="0" cy="0"/>
+          <a:chOff x="0" y="0"/>
+          <a:chExt cx="0" cy="0"/>
+        </a:xfrm>
+      </p:grpSpPr>
       <p:graphicFrame>
         <p:nvGraphicFramePr>
-          <p:cNvPr id="109" name=""/>
+          <p:cNvPr id="121" name=""/>
           <p:cNvGraphicFramePr/>
           <p:nvPr/>
         </p:nvGraphicFramePr>
         <p:xfrm>
-          <a:off x="700920" y="1764000"/>
-          <a:ext cx="11126520" cy="4499640"/>
+          <a:off x="1504800" y="1811160"/>
+          <a:ext cx="9400680" cy="4499640"/>
         </p:xfrm>
         <a:graphic>
           <a:graphicData uri="http://schemas.openxmlformats.org/drawingml/2006/table">
             <a:tbl>
               <a:tblPr/>
               <a:tblGrid>
-                <a:gridCol w="5741280"/>
-                <a:gridCol w="5385600"/>
+                <a:gridCol w="4851360"/>
+                <a:gridCol w="4549680"/>
               </a:tblGrid>
               <a:tr h="749520">
                 <a:tc>
@@ -7153,14 +8085,14 @@
       </p:graphicFrame>
       <p:sp>
         <p:nvSpPr>
-          <p:cNvPr id="110" name="Title 1"/>
+          <p:cNvPr id="122" name="Title 13"/>
           <p:cNvSpPr/>
           <p:nvPr/>
         </p:nvSpPr>
         <p:spPr>
           <a:xfrm>
-            <a:off x="3655440" y="134640"/>
-            <a:ext cx="4878720" cy="911520"/>
+            <a:off x="3060000" y="531000"/>
+            <a:ext cx="6117840" cy="906840"/>
           </a:xfrm>
           <a:prstGeom prst="roundRect">
             <a:avLst>
@@ -7173,7 +8105,7 @@
                 <a:srgbClr val="ffffff"/>
               </a:gs>
               <a:gs pos="100000">
-                <a:srgbClr val="fbe3d6"/>
+                <a:srgbClr val="ffd7d7"/>
               </a:gs>
             </a:gsLst>
             <a:lin ang="13500000"/>
@@ -7228,7 +8160,7 @@
 </p:sld>
 </file>
 
-<file path=ppt/slides/slide14.xml><?xml version="1.0" encoding="utf-8"?>
+<file path=ppt/slides/slide16.xml><?xml version="1.0" encoding="utf-8"?>
 <p:sld xmlns:a="http://schemas.openxmlformats.org/drawingml/2006/main" xmlns:p="http://schemas.openxmlformats.org/presentationml/2006/main" xmlns:r="http://schemas.openxmlformats.org/officeDocument/2006/relationships" xmlns:p14="http://schemas.microsoft.com/office/powerpoint/2010/main" xmlns:p15="http://schemas.microsoft.com/office/powerpoint/2012/main" xmlns:mc="http://schemas.openxmlformats.org/markup-compatibility/2006">
   <p:cSld>
     <p:spTree>
@@ -7247,21 +8179,19 @@
       </p:grpSpPr>
       <p:sp>
         <p:nvSpPr>
-          <p:cNvPr id="111" name="PlaceHolder 1"/>
-          <p:cNvSpPr>
-            <a:spLocks noGrp="1"/>
-          </p:cNvSpPr>
-          <p:nvPr>
-            <p:ph/>
-          </p:nvPr>
-        </p:nvSpPr>
-        <p:spPr>
-          <a:xfrm>
-            <a:off x="2340000" y="2160000"/>
-            <a:ext cx="7198560" cy="3238560"/>
-          </a:xfrm>
-          <a:prstGeom prst="rect">
-            <a:avLst/>
+          <p:cNvPr id="123" name="Title 20"/>
+          <p:cNvSpPr/>
+          <p:nvPr/>
+        </p:nvSpPr>
+        <p:spPr>
+          <a:xfrm>
+            <a:off x="2539080" y="2331360"/>
+            <a:ext cx="6658560" cy="3778560"/>
+          </a:xfrm>
+          <a:prstGeom prst="roundRect">
+            <a:avLst>
+              <a:gd name="adj" fmla="val 16667"/>
+            </a:avLst>
           </a:prstGeom>
           <a:gradFill rotWithShape="0">
             <a:gsLst>
@@ -7269,7 +8199,7 @@
                 <a:srgbClr val="ffffff"/>
               </a:gs>
               <a:gs pos="100000">
-                <a:srgbClr val="fbe3d6"/>
+                <a:srgbClr val="ffd7d7"/>
               </a:gs>
             </a:gsLst>
             <a:lin ang="13500000"/>
@@ -7278,27 +8208,61 @@
             <a:noFill/>
           </a:ln>
         </p:spPr>
+        <p:style>
+          <a:lnRef idx="0"/>
+          <a:fillRef idx="0"/>
+          <a:effectRef idx="0"/>
+          <a:fontRef idx="minor"/>
+        </p:style>
+      </p:sp>
+      <p:sp>
+        <p:nvSpPr>
+          <p:cNvPr id="124" name=""/>
+          <p:cNvSpPr/>
+          <p:nvPr/>
+        </p:nvSpPr>
+        <p:spPr>
+          <a:xfrm>
+            <a:off x="4068720" y="2916000"/>
+            <a:ext cx="5289840" cy="2344680"/>
+          </a:xfrm>
+          <a:prstGeom prst="rect">
+            <a:avLst/>
+          </a:prstGeom>
+          <a:noFill/>
+          <a:ln w="0">
+            <a:noFill/>
+          </a:ln>
+        </p:spPr>
+        <p:style>
+          <a:lnRef idx="0"/>
+          <a:fillRef idx="0"/>
+          <a:effectRef idx="0"/>
+          <a:fontRef idx="minor"/>
+        </p:style>
         <p:txBody>
           <a:bodyPr lIns="90000" rIns="90000" tIns="45000" bIns="45000" anchor="t">
-            <a:normAutofit fontScale="96000"/>
+            <a:noAutofit/>
           </a:bodyPr>
           <a:p>
-            <a:pPr marL="228600" indent="-228600">
+            <a:pPr marL="216000" indent="-216000">
               <a:lnSpc>
                 <a:spcPct val="100000"/>
               </a:lnSpc>
-              <a:spcAft>
-                <a:spcPts val="1054"/>
-              </a:spcAft>
               <a:buClr>
                 <a:srgbClr val="000000"/>
               </a:buClr>
-              <a:buFont typeface="Arial"/>
-              <a:buChar char="•"/>
+              <a:buSzPct val="45000"/>
+              <a:buFont typeface="Wingdings" charset="2"/>
+              <a:buChar char=""/>
             </a:pPr>
             <a:r>
               <a:rPr b="0" lang="en-IN" sz="1600" spc="-1" strike="noStrike">
+                <a:solidFill>
+                  <a:srgbClr val="000000"/>
+                </a:solidFill>
                 <a:latin typeface="Times New Roman"/>
+                <a:ea typeface="DejaVu Sans"/>
               </a:rPr>
               <a:t>Material Design</a:t>
             </a:r>
@@ -7307,22 +8271,24 @@
             </a:endParaRPr>
           </a:p>
           <a:p>
-            <a:pPr marL="228600" indent="-228600">
+            <a:pPr marL="216000" indent="-216000">
               <a:lnSpc>
                 <a:spcPct val="100000"/>
               </a:lnSpc>
-              <a:spcAft>
-                <a:spcPts val="1054"/>
-              </a:spcAft>
               <a:buClr>
                 <a:srgbClr val="000000"/>
               </a:buClr>
-              <a:buFont typeface="Arial"/>
-              <a:buChar char="•"/>
+              <a:buSzPct val="45000"/>
+              <a:buFont typeface="Wingdings" charset="2"/>
+              <a:buChar char=""/>
             </a:pPr>
             <a:r>
               <a:rPr b="0" lang="en-IN" sz="1600" spc="-1" strike="noStrike">
+                <a:solidFill>
+                  <a:srgbClr val="000000"/>
+                </a:solidFill>
                 <a:latin typeface="Times New Roman"/>
+                <a:ea typeface="DejaVu Sans"/>
               </a:rPr>
               <a:t>Pre-built Components</a:t>
             </a:r>
@@ -7331,22 +8297,24 @@
             </a:endParaRPr>
           </a:p>
           <a:p>
-            <a:pPr marL="228600" indent="-228600">
+            <a:pPr marL="216000" indent="-216000">
               <a:lnSpc>
                 <a:spcPct val="100000"/>
               </a:lnSpc>
-              <a:spcAft>
-                <a:spcPts val="1054"/>
-              </a:spcAft>
               <a:buClr>
                 <a:srgbClr val="000000"/>
               </a:buClr>
-              <a:buFont typeface="Arial"/>
-              <a:buChar char="•"/>
+              <a:buSzPct val="45000"/>
+              <a:buFont typeface="Wingdings" charset="2"/>
+              <a:buChar char=""/>
             </a:pPr>
             <a:r>
               <a:rPr b="0" lang="en-IN" sz="1600" spc="-1" strike="noStrike">
+                <a:solidFill>
+                  <a:srgbClr val="000000"/>
+                </a:solidFill>
                 <a:latin typeface="Times New Roman"/>
+                <a:ea typeface="DejaVu Sans"/>
               </a:rPr>
               <a:t>Performance</a:t>
             </a:r>
@@ -7355,22 +8323,24 @@
             </a:endParaRPr>
           </a:p>
           <a:p>
-            <a:pPr marL="228600" indent="-228600">
+            <a:pPr marL="216000" indent="-216000">
               <a:lnSpc>
                 <a:spcPct val="100000"/>
               </a:lnSpc>
-              <a:spcAft>
-                <a:spcPts val="1054"/>
-              </a:spcAft>
               <a:buClr>
                 <a:srgbClr val="000000"/>
               </a:buClr>
-              <a:buFont typeface="Arial"/>
-              <a:buChar char="•"/>
+              <a:buSzPct val="45000"/>
+              <a:buFont typeface="Wingdings" charset="2"/>
+              <a:buChar char=""/>
             </a:pPr>
             <a:r>
               <a:rPr b="0" lang="en-IN" sz="1600" spc="-1" strike="noStrike">
+                <a:solidFill>
+                  <a:srgbClr val="000000"/>
+                </a:solidFill>
                 <a:latin typeface="Times New Roman"/>
+                <a:ea typeface="DejaVu Sans"/>
               </a:rPr>
               <a:t>Accessibility</a:t>
             </a:r>
@@ -7379,22 +8349,24 @@
             </a:endParaRPr>
           </a:p>
           <a:p>
-            <a:pPr marL="228600" indent="-228600">
+            <a:pPr marL="216000" indent="-216000">
               <a:lnSpc>
                 <a:spcPct val="100000"/>
               </a:lnSpc>
-              <a:spcAft>
-                <a:spcPts val="1054"/>
-              </a:spcAft>
               <a:buClr>
                 <a:srgbClr val="000000"/>
               </a:buClr>
-              <a:buFont typeface="Arial"/>
-              <a:buChar char="•"/>
+              <a:buSzPct val="45000"/>
+              <a:buFont typeface="Wingdings" charset="2"/>
+              <a:buChar char=""/>
             </a:pPr>
             <a:r>
               <a:rPr b="0" lang="en-IN" sz="1600" spc="-1" strike="noStrike">
+                <a:solidFill>
+                  <a:srgbClr val="000000"/>
+                </a:solidFill>
                 <a:latin typeface="Times New Roman"/>
+                <a:ea typeface="DejaVu Sans"/>
               </a:rPr>
               <a:t>Responsive Design</a:t>
             </a:r>
@@ -7403,22 +8375,24 @@
             </a:endParaRPr>
           </a:p>
           <a:p>
-            <a:pPr marL="228600" indent="-228600">
+            <a:pPr marL="216000" indent="-216000">
               <a:lnSpc>
                 <a:spcPct val="100000"/>
               </a:lnSpc>
-              <a:spcAft>
-                <a:spcPts val="1054"/>
-              </a:spcAft>
               <a:buClr>
                 <a:srgbClr val="000000"/>
               </a:buClr>
-              <a:buFont typeface="Arial"/>
-              <a:buChar char="•"/>
+              <a:buSzPct val="45000"/>
+              <a:buFont typeface="Wingdings" charset="2"/>
+              <a:buChar char=""/>
             </a:pPr>
             <a:r>
               <a:rPr b="0" lang="en-IN" sz="1600" spc="-1" strike="noStrike">
+                <a:solidFill>
+                  <a:srgbClr val="000000"/>
+                </a:solidFill>
                 <a:latin typeface="Times New Roman"/>
+                <a:ea typeface="DejaVu Sans"/>
               </a:rPr>
               <a:t>Customization and Theming</a:t>
             </a:r>
@@ -7427,24 +8401,34 @@
             </a:endParaRPr>
           </a:p>
           <a:p>
-            <a:pPr>
+            <a:pPr marL="216000" indent="-216000">
               <a:lnSpc>
                 <a:spcPct val="100000"/>
               </a:lnSpc>
-              <a:spcAft>
-                <a:spcPts val="1054"/>
-              </a:spcAft>
-              <a:buNone/>
+              <a:buClr>
+                <a:srgbClr val="000000"/>
+              </a:buClr>
+              <a:buSzPct val="45000"/>
+              <a:buFont typeface="Wingdings" charset="2"/>
+              <a:buChar char=""/>
             </a:pPr>
             <a:r>
               <a:rPr b="1" lang="en-IN" sz="1600" spc="-1" strike="noStrike">
+                <a:solidFill>
+                  <a:srgbClr val="000000"/>
+                </a:solidFill>
                 <a:latin typeface="Times New Roman"/>
+                <a:ea typeface="DejaVu Sans"/>
               </a:rPr>
               <a:t>Drawbacks</a:t>
             </a:r>
             <a:r>
               <a:rPr b="0" lang="en-IN" sz="1600" spc="-1" strike="noStrike">
+                <a:solidFill>
+                  <a:srgbClr val="000000"/>
+                </a:solidFill>
                 <a:latin typeface="Times New Roman"/>
+                <a:ea typeface="DejaVu Sans"/>
               </a:rPr>
               <a:t>:</a:t>
             </a:r>
@@ -7453,22 +8437,24 @@
             </a:endParaRPr>
           </a:p>
           <a:p>
-            <a:pPr marL="228600" indent="-228600">
+            <a:pPr marL="216000" indent="-216000">
               <a:lnSpc>
                 <a:spcPct val="100000"/>
               </a:lnSpc>
-              <a:spcAft>
-                <a:spcPts val="1054"/>
-              </a:spcAft>
               <a:buClr>
                 <a:srgbClr val="000000"/>
               </a:buClr>
-              <a:buFont typeface="Arial"/>
-              <a:buChar char="•"/>
+              <a:buSzPct val="45000"/>
+              <a:buFont typeface="Wingdings" charset="2"/>
+              <a:buChar char=""/>
             </a:pPr>
             <a:r>
               <a:rPr b="0" lang="en-IN" sz="1600" spc="-1" strike="noStrike">
+                <a:solidFill>
+                  <a:srgbClr val="000000"/>
+                </a:solidFill>
                 <a:latin typeface="Times New Roman"/>
+                <a:ea typeface="DejaVu Sans"/>
               </a:rPr>
               <a:t>Some components, such as carousel and color picker, are not available in MUI</a:t>
             </a:r>
@@ -7477,22 +8463,24 @@
             </a:endParaRPr>
           </a:p>
           <a:p>
-            <a:pPr marL="228600" indent="-228600">
+            <a:pPr marL="216000" indent="-216000">
               <a:lnSpc>
                 <a:spcPct val="100000"/>
               </a:lnSpc>
-              <a:spcAft>
-                <a:spcPts val="1054"/>
-              </a:spcAft>
               <a:buClr>
                 <a:srgbClr val="000000"/>
               </a:buClr>
-              <a:buFont typeface="Arial"/>
-              <a:buChar char="•"/>
+              <a:buSzPct val="45000"/>
+              <a:buFont typeface="Wingdings" charset="2"/>
+              <a:buChar char=""/>
             </a:pPr>
             <a:r>
               <a:rPr b="0" lang="en-IN" sz="1600" spc="-1" strike="noStrike">
+                <a:solidFill>
+                  <a:srgbClr val="000000"/>
+                </a:solidFill>
                 <a:latin typeface="Times New Roman"/>
+                <a:ea typeface="DejaVu Sans"/>
               </a:rPr>
               <a:t>Bundle Size</a:t>
             </a:r>
@@ -7500,32 +8488,18 @@
               <a:latin typeface="Arial"/>
             </a:endParaRPr>
           </a:p>
-          <a:p>
-            <a:pPr>
-              <a:lnSpc>
-                <a:spcPct val="100000"/>
-              </a:lnSpc>
-              <a:spcAft>
-                <a:spcPts val="1054"/>
-              </a:spcAft>
-              <a:buNone/>
-            </a:pPr>
-            <a:endParaRPr b="0" lang="en-IN" sz="1600" spc="-1" strike="noStrike">
-              <a:latin typeface="Arial"/>
-            </a:endParaRPr>
-          </a:p>
-        </p:txBody>
-      </p:sp>
-      <p:sp>
-        <p:nvSpPr>
-          <p:cNvPr id="112" name="Title 1"/>
+        </p:txBody>
+      </p:sp>
+      <p:sp>
+        <p:nvSpPr>
+          <p:cNvPr id="125" name="Title 14"/>
           <p:cNvSpPr/>
           <p:nvPr/>
         </p:nvSpPr>
         <p:spPr>
           <a:xfrm>
-            <a:off x="3655440" y="134640"/>
-            <a:ext cx="4878720" cy="911520"/>
+            <a:off x="3060000" y="540000"/>
+            <a:ext cx="6117840" cy="906840"/>
           </a:xfrm>
           <a:prstGeom prst="roundRect">
             <a:avLst>
@@ -7538,7 +8512,7 @@
                 <a:srgbClr val="ffffff"/>
               </a:gs>
               <a:gs pos="100000">
-                <a:srgbClr val="fbe3d6"/>
+                <a:srgbClr val="ffd7d7"/>
               </a:gs>
             </a:gsLst>
             <a:lin ang="13500000"/>
@@ -7565,7 +8539,7 @@
               <a:buNone/>
             </a:pPr>
             <a:r>
-              <a:rPr b="0" lang="en-IN" sz="4400" spc="-1" strike="noStrike">
+              <a:rPr b="0" lang="en-IN" sz="3600" spc="-1" strike="noStrike">
                 <a:solidFill>
                   <a:srgbClr val="000000"/>
                 </a:solidFill>
@@ -7574,7 +8548,7 @@
               </a:rPr>
               <a:t>MUI</a:t>
             </a:r>
-            <a:endParaRPr b="0" lang="en-IN" sz="4400" spc="-1" strike="noStrike">
+            <a:endParaRPr b="0" lang="en-IN" sz="3600" spc="-1" strike="noStrike">
               <a:latin typeface="Arial"/>
             </a:endParaRPr>
           </a:p>
@@ -7593,7 +8567,7 @@
 </p:sld>
 </file>
 
-<file path=ppt/slides/slide15.xml><?xml version="1.0" encoding="utf-8"?>
+<file path=ppt/slides/slide17.xml><?xml version="1.0" encoding="utf-8"?>
 <p:sld xmlns:a="http://schemas.openxmlformats.org/drawingml/2006/main" xmlns:p="http://schemas.openxmlformats.org/presentationml/2006/main" xmlns:r="http://schemas.openxmlformats.org/officeDocument/2006/relationships" xmlns:p14="http://schemas.microsoft.com/office/powerpoint/2010/main" xmlns:p15="http://schemas.microsoft.com/office/powerpoint/2012/main" xmlns:mc="http://schemas.openxmlformats.org/markup-compatibility/2006">
   <p:cSld>
     <p:spTree>
@@ -7612,21 +8586,21 @@
       </p:grpSpPr>
       <p:graphicFrame>
         <p:nvGraphicFramePr>
-          <p:cNvPr id="113" name=""/>
+          <p:cNvPr id="126" name=""/>
           <p:cNvGraphicFramePr/>
           <p:nvPr/>
         </p:nvGraphicFramePr>
         <p:xfrm>
-          <a:off x="900000" y="1980000"/>
-          <a:ext cx="10619280" cy="4319280"/>
+          <a:off x="1190160" y="2011680"/>
+          <a:ext cx="9846360" cy="4319280"/>
         </p:xfrm>
         <a:graphic>
           <a:graphicData uri="http://schemas.openxmlformats.org/drawingml/2006/table">
             <a:tbl>
               <a:tblPr/>
               <a:tblGrid>
-                <a:gridCol w="5288760"/>
-                <a:gridCol w="5330880"/>
+                <a:gridCol w="4903920"/>
+                <a:gridCol w="4942800"/>
               </a:tblGrid>
               <a:tr h="791640">
                 <a:tc>
@@ -8058,14 +9032,14 @@
       </p:graphicFrame>
       <p:sp>
         <p:nvSpPr>
-          <p:cNvPr id="114" name="Title 1"/>
+          <p:cNvPr id="127" name="Title 1"/>
           <p:cNvSpPr/>
           <p:nvPr/>
         </p:nvSpPr>
         <p:spPr>
           <a:xfrm>
-            <a:off x="3655440" y="134640"/>
-            <a:ext cx="4878720" cy="911520"/>
+            <a:off x="3420000" y="531000"/>
+            <a:ext cx="5109480" cy="906840"/>
           </a:xfrm>
           <a:prstGeom prst="roundRect">
             <a:avLst>
@@ -8078,7 +9052,7 @@
                 <a:srgbClr val="ffffff"/>
               </a:gs>
               <a:gs pos="100000">
-                <a:srgbClr val="fbe3d6"/>
+                <a:srgbClr val="ffd7d7"/>
               </a:gs>
             </a:gsLst>
             <a:lin ang="13500000"/>
@@ -8152,21 +9126,45 @@
       </p:grpSpPr>
       <p:sp>
         <p:nvSpPr>
-          <p:cNvPr id="85" name="PlaceHolder 1"/>
-          <p:cNvSpPr>
-            <a:spLocks noGrp="1"/>
-          </p:cNvSpPr>
-          <p:nvPr>
-            <p:ph type="title"/>
-          </p:nvPr>
-        </p:nvSpPr>
-        <p:spPr>
-          <a:xfrm>
-            <a:off x="3655440" y="134640"/>
-            <a:ext cx="4878720" cy="911520"/>
+          <p:cNvPr id="84" name=""/>
+          <p:cNvSpPr/>
+          <p:nvPr/>
+        </p:nvSpPr>
+        <p:spPr>
+          <a:xfrm>
+            <a:off x="4816800" y="2967120"/>
+            <a:ext cx="1976040" cy="763560"/>
           </a:xfrm>
           <a:prstGeom prst="rect">
             <a:avLst/>
+          </a:prstGeom>
+          <a:noFill/>
+          <a:ln w="0">
+            <a:noFill/>
+          </a:ln>
+        </p:spPr>
+        <p:style>
+          <a:lnRef idx="0"/>
+          <a:fillRef idx="0"/>
+          <a:effectRef idx="0"/>
+          <a:fontRef idx="minor"/>
+        </p:style>
+      </p:sp>
+      <p:sp>
+        <p:nvSpPr>
+          <p:cNvPr id="85" name="Title 2"/>
+          <p:cNvSpPr/>
+          <p:nvPr/>
+        </p:nvSpPr>
+        <p:spPr>
+          <a:xfrm>
+            <a:off x="3600000" y="891000"/>
+            <a:ext cx="4874040" cy="906840"/>
+          </a:xfrm>
+          <a:prstGeom prst="roundRect">
+            <a:avLst>
+              <a:gd name="adj" fmla="val 16667"/>
+            </a:avLst>
           </a:prstGeom>
           <a:gradFill rotWithShape="0">
             <a:gsLst>
@@ -8174,7 +9172,7 @@
                 <a:srgbClr val="ffffff"/>
               </a:gs>
               <a:gs pos="100000">
-                <a:srgbClr val="fbe3d6"/>
+                <a:srgbClr val="ffd7d7"/>
               </a:gs>
             </a:gsLst>
             <a:lin ang="13500000"/>
@@ -8183,12 +9181,18 @@
             <a:noFill/>
           </a:ln>
         </p:spPr>
+        <p:style>
+          <a:lnRef idx="0"/>
+          <a:fillRef idx="0"/>
+          <a:effectRef idx="0"/>
+          <a:fontRef idx="minor"/>
+        </p:style>
         <p:txBody>
           <a:bodyPr lIns="90000" rIns="90000" tIns="45000" bIns="45000" anchor="ctr">
-            <a:normAutofit fontScale="86000"/>
+            <a:normAutofit/>
           </a:bodyPr>
           <a:p>
-            <a:pPr>
+            <a:pPr algn="ctr">
               <a:lnSpc>
                 <a:spcPct val="100000"/>
               </a:lnSpc>
@@ -8202,41 +9206,29 @@
                 <a:latin typeface="Times New Roman"/>
                 <a:ea typeface="DejaVu Sans"/>
               </a:rPr>
-              <a:t>Steps to move demo to react</a:t>
-            </a:r>
-            <a:r>
-              <a:rPr b="0" lang="en-IN" sz="1800" spc="-1" strike="noStrike">
-                <a:solidFill>
-                  <a:srgbClr val="000000"/>
-                </a:solidFill>
-                <a:latin typeface="Times New Roman"/>
-                <a:ea typeface="DejaVu Sans"/>
-              </a:rPr>
-              <a:t> </a:t>
-            </a:r>
-            <a:endParaRPr b="0" lang="en-IN" sz="1800" spc="-1" strike="noStrike">
-              <a:latin typeface="Arial"/>
-            </a:endParaRPr>
-          </a:p>
-        </p:txBody>
-      </p:sp>
-      <p:sp>
-        <p:nvSpPr>
-          <p:cNvPr id="86" name="PlaceHolder 2"/>
-          <p:cNvSpPr>
-            <a:spLocks noGrp="1"/>
-          </p:cNvSpPr>
-          <p:nvPr>
-            <p:ph/>
-          </p:nvPr>
-        </p:nvSpPr>
-        <p:spPr>
-          <a:xfrm>
-            <a:off x="1260000" y="2340000"/>
-            <a:ext cx="10258560" cy="2878560"/>
-          </a:xfrm>
-          <a:prstGeom prst="rect">
-            <a:avLst/>
+              <a:t>Requirements</a:t>
+            </a:r>
+            <a:endParaRPr b="0" lang="en-IN" sz="3600" spc="-1" strike="noStrike">
+              <a:latin typeface="Arial"/>
+            </a:endParaRPr>
+          </a:p>
+        </p:txBody>
+      </p:sp>
+      <p:sp>
+        <p:nvSpPr>
+          <p:cNvPr id="86" name="Title 15"/>
+          <p:cNvSpPr/>
+          <p:nvPr/>
+        </p:nvSpPr>
+        <p:spPr>
+          <a:xfrm>
+            <a:off x="3584160" y="2880000"/>
+            <a:ext cx="4874040" cy="2158200"/>
+          </a:xfrm>
+          <a:prstGeom prst="roundRect">
+            <a:avLst>
+              <a:gd name="adj" fmla="val 16667"/>
+            </a:avLst>
           </a:prstGeom>
           <a:gradFill rotWithShape="0">
             <a:gsLst>
@@ -8244,7 +9236,7 @@
                 <a:srgbClr val="ffffff"/>
               </a:gs>
               <a:gs pos="100000">
-                <a:srgbClr val="fbe3d6"/>
+                <a:srgbClr val="ffd7d7"/>
               </a:gs>
             </a:gsLst>
             <a:lin ang="13500000"/>
@@ -8253,12 +9245,18 @@
             <a:noFill/>
           </a:ln>
         </p:spPr>
-        <p:txBody>
-          <a:bodyPr lIns="90000" rIns="90000" tIns="45000" bIns="45000" anchor="t">
+        <p:style>
+          <a:lnRef idx="0"/>
+          <a:fillRef idx="0"/>
+          <a:effectRef idx="0"/>
+          <a:fontRef idx="minor"/>
+        </p:style>
+        <p:txBody>
+          <a:bodyPr lIns="90000" rIns="90000" tIns="45000" bIns="45000" anchor="ctr">
             <a:normAutofit/>
           </a:bodyPr>
           <a:p>
-            <a:pPr marL="216000" indent="-216000">
+            <a:pPr marL="216000" indent="-216000" algn="ctr">
               <a:lnSpc>
                 <a:spcPct val="100000"/>
               </a:lnSpc>
@@ -8275,15 +9273,16 @@
                   <a:srgbClr val="000000"/>
                 </a:solidFill>
                 <a:latin typeface="Times New Roman"/>
+                <a:ea typeface="DejaVu Sans"/>
               </a:rPr>
-              <a:t>Create basic UI components</a:t>
+              <a:t>State management</a:t>
             </a:r>
             <a:endParaRPr b="0" lang="en-IN" sz="1600" spc="-1" strike="noStrike">
               <a:latin typeface="Arial"/>
             </a:endParaRPr>
           </a:p>
           <a:p>
-            <a:pPr marL="216000" indent="-216000">
+            <a:pPr marL="216000" indent="-216000" algn="ctr">
               <a:lnSpc>
                 <a:spcPct val="100000"/>
               </a:lnSpc>
@@ -8300,158 +9299,9 @@
                   <a:srgbClr val="000000"/>
                 </a:solidFill>
                 <a:latin typeface="Times New Roman"/>
+                <a:ea typeface="DejaVu Sans"/>
               </a:rPr>
-              <a:t>Load basic threejs scene and setup postprocessing effects</a:t>
-            </a:r>
-            <a:endParaRPr b="0" lang="en-IN" sz="1600" spc="-1" strike="noStrike">
-              <a:latin typeface="Arial"/>
-            </a:endParaRPr>
-          </a:p>
-          <a:p>
-            <a:pPr marL="216000" indent="-216000">
-              <a:lnSpc>
-                <a:spcPct val="100000"/>
-              </a:lnSpc>
-              <a:buClr>
-                <a:srgbClr val="000000"/>
-              </a:buClr>
-              <a:buSzPct val="45000"/>
-              <a:buFont typeface="Wingdings" charset="2"/>
-              <a:buChar char=""/>
-            </a:pPr>
-            <a:r>
-              <a:rPr b="0" lang="en-US" sz="1600" spc="-1" strike="noStrike">
-                <a:solidFill>
-                  <a:srgbClr val="000000"/>
-                </a:solidFill>
-                <a:latin typeface="Times New Roman"/>
-              </a:rPr>
-              <a:t>enable camera controls,viewpoints and themes</a:t>
-            </a:r>
-            <a:endParaRPr b="0" lang="en-IN" sz="1600" spc="-1" strike="noStrike">
-              <a:latin typeface="Arial"/>
-            </a:endParaRPr>
-          </a:p>
-          <a:p>
-            <a:pPr marL="216000" indent="-216000">
-              <a:lnSpc>
-                <a:spcPct val="100000"/>
-              </a:lnSpc>
-              <a:buClr>
-                <a:srgbClr val="000000"/>
-              </a:buClr>
-              <a:buSzPct val="45000"/>
-              <a:buFont typeface="Wingdings" charset="2"/>
-              <a:buChar char=""/>
-            </a:pPr>
-            <a:r>
-              <a:rPr b="0" lang="en-US" sz="1600" spc="-1" strike="noStrike">
-                <a:solidFill>
-                  <a:srgbClr val="000000"/>
-                </a:solidFill>
-                <a:latin typeface="Times New Roman"/>
-              </a:rPr>
-              <a:t>Load different furniture types and its related dynamics,variants and etc by maintaining state to reflect accurately on the UI</a:t>
-            </a:r>
-            <a:endParaRPr b="0" lang="en-IN" sz="1600" spc="-1" strike="noStrike">
-              <a:latin typeface="Arial"/>
-            </a:endParaRPr>
-          </a:p>
-          <a:p>
-            <a:pPr marL="216000" indent="-216000">
-              <a:lnSpc>
-                <a:spcPct val="100000"/>
-              </a:lnSpc>
-              <a:buClr>
-                <a:srgbClr val="000000"/>
-              </a:buClr>
-              <a:buSzPct val="45000"/>
-              <a:buFont typeface="Wingdings" charset="2"/>
-              <a:buChar char=""/>
-            </a:pPr>
-            <a:r>
-              <a:rPr b="0" lang="en-US" sz="1600" spc="-1" strike="noStrike">
-                <a:solidFill>
-                  <a:srgbClr val="000000"/>
-                </a:solidFill>
-                <a:latin typeface="Times New Roman"/>
-              </a:rPr>
-              <a:t>Load different light types and show related light controls by maintaining state to reflect accurately on the UI</a:t>
-            </a:r>
-            <a:endParaRPr b="0" lang="en-IN" sz="1600" spc="-1" strike="noStrike">
-              <a:latin typeface="Arial"/>
-            </a:endParaRPr>
-          </a:p>
-          <a:p>
-            <a:pPr marL="216000" indent="-216000">
-              <a:lnSpc>
-                <a:spcPct val="100000"/>
-              </a:lnSpc>
-              <a:buClr>
-                <a:srgbClr val="000000"/>
-              </a:buClr>
-              <a:buSzPct val="45000"/>
-              <a:buFont typeface="Wingdings" charset="2"/>
-              <a:buChar char=""/>
-            </a:pPr>
-            <a:r>
-              <a:rPr b="0" lang="en-US" sz="1600" spc="-1" strike="noStrike">
-                <a:solidFill>
-                  <a:srgbClr val="000000"/>
-                </a:solidFill>
-                <a:latin typeface="Times New Roman"/>
-              </a:rPr>
-              <a:t>Implement arrangement features</a:t>
-            </a:r>
-            <a:endParaRPr b="0" lang="en-IN" sz="1600" spc="-1" strike="noStrike">
-              <a:latin typeface="Arial"/>
-            </a:endParaRPr>
-          </a:p>
-          <a:p>
-            <a:pPr marL="216000" indent="-216000">
-              <a:lnSpc>
-                <a:spcPct val="100000"/>
-              </a:lnSpc>
-              <a:buClr>
-                <a:srgbClr val="000000"/>
-              </a:buClr>
-              <a:buSzPct val="45000"/>
-              <a:buFont typeface="Wingdings" charset="2"/>
-              <a:buChar char=""/>
-            </a:pPr>
-            <a:r>
-              <a:rPr b="0" lang="en-US" sz="1600" spc="-1" strike="noStrike">
-                <a:solidFill>
-                  <a:srgbClr val="000000"/>
-                </a:solidFill>
-                <a:latin typeface="Times New Roman"/>
-              </a:rPr>
-              <a:t>Implement measurements features</a:t>
-            </a:r>
-            <a:endParaRPr b="0" lang="en-IN" sz="1600" spc="-1" strike="noStrike">
-              <a:latin typeface="Arial"/>
-            </a:endParaRPr>
-          </a:p>
-          <a:p>
-            <a:pPr marL="216000" indent="-216000">
-              <a:lnSpc>
-                <a:spcPct val="100000"/>
-              </a:lnSpc>
-              <a:buClr>
-                <a:srgbClr val="000000"/>
-              </a:buClr>
-              <a:buSzPct val="45000"/>
-              <a:buFont typeface="Wingdings" charset="2"/>
-              <a:buChar char=""/>
-            </a:pPr>
-            <a:r>
-              <a:rPr b="0" lang="en-US" sz="1600" spc="-1" strike="noStrike">
-                <a:solidFill>
-                  <a:srgbClr val="000000"/>
-                </a:solidFill>
-                <a:latin typeface="Times New Roman"/>
-              </a:rPr>
-              <a:t>Implement HD Render feature</a:t>
+              <a:t>Modularization</a:t>
             </a:r>
             <a:endParaRPr b="0" lang="en-IN" sz="1600" spc="-1" strike="noStrike">
               <a:latin typeface="Arial"/>
@@ -8491,21 +9341,45 @@
       </p:grpSpPr>
       <p:sp>
         <p:nvSpPr>
-          <p:cNvPr id="87" name="PlaceHolder 1"/>
-          <p:cNvSpPr>
-            <a:spLocks noGrp="1"/>
-          </p:cNvSpPr>
-          <p:nvPr>
-            <p:ph type="title"/>
-          </p:nvPr>
-        </p:nvSpPr>
-        <p:spPr>
-          <a:xfrm>
-            <a:off x="3655440" y="134640"/>
-            <a:ext cx="4878720" cy="911520"/>
+          <p:cNvPr id="87" name=""/>
+          <p:cNvSpPr/>
+          <p:nvPr/>
+        </p:nvSpPr>
+        <p:spPr>
+          <a:xfrm>
+            <a:off x="3241800" y="2965680"/>
+            <a:ext cx="5936040" cy="1892160"/>
           </a:xfrm>
           <a:prstGeom prst="rect">
             <a:avLst/>
+          </a:prstGeom>
+          <a:noFill/>
+          <a:ln w="0">
+            <a:noFill/>
+          </a:ln>
+        </p:spPr>
+        <p:style>
+          <a:lnRef idx="0"/>
+          <a:fillRef idx="0"/>
+          <a:effectRef idx="0"/>
+          <a:fontRef idx="minor"/>
+        </p:style>
+      </p:sp>
+      <p:sp>
+        <p:nvSpPr>
+          <p:cNvPr id="88" name="Title 3"/>
+          <p:cNvSpPr/>
+          <p:nvPr/>
+        </p:nvSpPr>
+        <p:spPr>
+          <a:xfrm>
+            <a:off x="3420000" y="720000"/>
+            <a:ext cx="4874040" cy="906840"/>
+          </a:xfrm>
+          <a:prstGeom prst="roundRect">
+            <a:avLst>
+              <a:gd name="adj" fmla="val 16667"/>
+            </a:avLst>
           </a:prstGeom>
           <a:gradFill rotWithShape="0">
             <a:gsLst>
@@ -8513,7 +9387,7 @@
                 <a:srgbClr val="ffffff"/>
               </a:gs>
               <a:gs pos="100000">
-                <a:srgbClr val="fbe3d6"/>
+                <a:srgbClr val="ffd7d7"/>
               </a:gs>
             </a:gsLst>
             <a:lin ang="13500000"/>
@@ -8522,50 +9396,54 @@
             <a:noFill/>
           </a:ln>
         </p:spPr>
+        <p:style>
+          <a:lnRef idx="0"/>
+          <a:fillRef idx="0"/>
+          <a:effectRef idx="0"/>
+          <a:fontRef idx="minor"/>
+        </p:style>
         <p:txBody>
           <a:bodyPr lIns="90000" rIns="90000" tIns="45000" bIns="45000" anchor="ctr">
             <a:normAutofit/>
           </a:bodyPr>
           <a:p>
-            <a:pPr>
+            <a:pPr algn="ctr">
               <a:lnSpc>
                 <a:spcPct val="100000"/>
               </a:lnSpc>
               <a:buNone/>
             </a:pPr>
             <a:r>
-              <a:rPr b="0" lang="en-IN" sz="2800" spc="-1" strike="noStrike">
+              <a:rPr b="0" lang="en-US" sz="3600" spc="-1" strike="noStrike">
                 <a:solidFill>
                   <a:srgbClr val="000000"/>
                 </a:solidFill>
                 <a:latin typeface="Times New Roman"/>
                 <a:ea typeface="DejaVu Sans"/>
               </a:rPr>
-              <a:t>States in the demo</a:t>
-            </a:r>
-            <a:endParaRPr b="0" lang="en-IN" sz="2800" spc="-1" strike="noStrike">
-              <a:latin typeface="Arial"/>
-            </a:endParaRPr>
-          </a:p>
-        </p:txBody>
-      </p:sp>
-      <p:sp>
-        <p:nvSpPr>
-          <p:cNvPr id="88" name="PlaceHolder 2"/>
-          <p:cNvSpPr>
-            <a:spLocks noGrp="1"/>
-          </p:cNvSpPr>
-          <p:nvPr>
-            <p:ph/>
-          </p:nvPr>
-        </p:nvSpPr>
-        <p:spPr>
-          <a:xfrm>
-            <a:off x="2340000" y="2160000"/>
-            <a:ext cx="7379640" cy="2339640"/>
-          </a:xfrm>
-          <a:prstGeom prst="rect">
-            <a:avLst/>
+              <a:t>State management</a:t>
+            </a:r>
+            <a:endParaRPr b="0" lang="en-IN" sz="3600" spc="-1" strike="noStrike">
+              <a:latin typeface="Arial"/>
+            </a:endParaRPr>
+          </a:p>
+        </p:txBody>
+      </p:sp>
+      <p:sp>
+        <p:nvSpPr>
+          <p:cNvPr id="89" name="Title 16"/>
+          <p:cNvSpPr/>
+          <p:nvPr/>
+        </p:nvSpPr>
+        <p:spPr>
+          <a:xfrm>
+            <a:off x="2700000" y="2520000"/>
+            <a:ext cx="6299280" cy="3003120"/>
+          </a:xfrm>
+          <a:prstGeom prst="roundRect">
+            <a:avLst>
+              <a:gd name="adj" fmla="val 16667"/>
+            </a:avLst>
           </a:prstGeom>
           <a:gradFill rotWithShape="0">
             <a:gsLst>
@@ -8573,7 +9451,7 @@
                 <a:srgbClr val="ffffff"/>
               </a:gs>
               <a:gs pos="100000">
-                <a:srgbClr val="fbe3d6"/>
+                <a:srgbClr val="ffd7d7"/>
               </a:gs>
             </a:gsLst>
             <a:lin ang="13500000"/>
@@ -8582,21 +9460,42 @@
             <a:noFill/>
           </a:ln>
         </p:spPr>
+        <p:style>
+          <a:lnRef idx="0"/>
+          <a:fillRef idx="0"/>
+          <a:effectRef idx="0"/>
+          <a:fontRef idx="minor"/>
+        </p:style>
+      </p:sp>
+      <p:sp>
+        <p:nvSpPr>
+          <p:cNvPr id="90" name=""/>
+          <p:cNvSpPr/>
+          <p:nvPr/>
+        </p:nvSpPr>
+        <p:spPr>
+          <a:xfrm>
+            <a:off x="3060000" y="3060000"/>
+            <a:ext cx="5638320" cy="1668600"/>
+          </a:xfrm>
+          <a:prstGeom prst="rect">
+            <a:avLst/>
+          </a:prstGeom>
+          <a:noFill/>
+          <a:ln w="0">
+            <a:noFill/>
+          </a:ln>
+        </p:spPr>
+        <p:style>
+          <a:lnRef idx="0"/>
+          <a:fillRef idx="0"/>
+          <a:effectRef idx="0"/>
+          <a:fontRef idx="minor"/>
+        </p:style>
         <p:txBody>
           <a:bodyPr lIns="90000" rIns="90000" tIns="45000" bIns="45000" anchor="t">
-            <a:normAutofit/>
+            <a:noAutofit/>
           </a:bodyPr>
-          <a:p>
-            <a:pPr>
-              <a:lnSpc>
-                <a:spcPct val="100000"/>
-              </a:lnSpc>
-              <a:buNone/>
-            </a:pPr>
-            <a:endParaRPr b="0" lang="en-IN" sz="1600" spc="-1" strike="noStrike">
-              <a:latin typeface="Arial"/>
-            </a:endParaRPr>
-          </a:p>
           <a:p>
             <a:pPr marL="216000" indent="-216000">
               <a:lnSpc>
@@ -8615,8 +9514,9 @@
                   <a:srgbClr val="000000"/>
                 </a:solidFill>
                 <a:latin typeface="Times New Roman"/>
+                <a:ea typeface="DejaVu Sans"/>
               </a:rPr>
-              <a:t>Light controls</a:t>
+              <a:t>Light controls in the scene to reflect on the UI and vice versa</a:t>
             </a:r>
             <a:endParaRPr b="0" lang="en-IN" sz="1600" spc="-1" strike="noStrike">
               <a:latin typeface="Arial"/>
@@ -8640,6 +9540,7 @@
                   <a:srgbClr val="000000"/>
                 </a:solidFill>
                 <a:latin typeface="Times New Roman"/>
+                <a:ea typeface="DejaVu Sans"/>
               </a:rPr>
               <a:t>Update animations,material variants values based on the object added / selected</a:t>
             </a:r>
@@ -8665,6 +9566,7 @@
                   <a:srgbClr val="000000"/>
                 </a:solidFill>
                 <a:latin typeface="Times New Roman"/>
+                <a:ea typeface="DejaVu Sans"/>
               </a:rPr>
               <a:t>Modes (arrangement,measurements,camera,collaboration)</a:t>
             </a:r>
@@ -8690,8 +9592,9 @@
                   <a:srgbClr val="000000"/>
                 </a:solidFill>
                 <a:latin typeface="Times New Roman"/>
+                <a:ea typeface="DejaVu Sans"/>
               </a:rPr>
-              <a:t>Day/Night toggle</a:t>
+              <a:t>Update light control values based on Day/Night toggle</a:t>
             </a:r>
             <a:endParaRPr b="0" lang="en-IN" sz="1600" spc="-1" strike="noStrike">
               <a:latin typeface="Arial"/>
@@ -8715,20 +9618,10 @@
                   <a:srgbClr val="000000"/>
                 </a:solidFill>
                 <a:latin typeface="Times New Roman"/>
+                <a:ea typeface="DejaVu Sans"/>
               </a:rPr>
-              <a:t>Physics world</a:t>
-            </a:r>
-            <a:endParaRPr b="0" lang="en-IN" sz="1600" spc="-1" strike="noStrike">
-              <a:latin typeface="Arial"/>
-            </a:endParaRPr>
-          </a:p>
-          <a:p>
-            <a:pPr>
-              <a:lnSpc>
-                <a:spcPct val="100000"/>
-              </a:lnSpc>
-              <a:buNone/>
-            </a:pPr>
+              <a:t>Add objects to Physics world when new object added into the scene</a:t>
+            </a:r>
             <a:endParaRPr b="0" lang="en-IN" sz="1600" spc="-1" strike="noStrike">
               <a:latin typeface="Arial"/>
             </a:endParaRPr>
@@ -8765,9 +9658,69 @@
           <a:chExt cx="0" cy="0"/>
         </a:xfrm>
       </p:grpSpPr>
+      <p:sp>
+        <p:nvSpPr>
+          <p:cNvPr id="91" name=""/>
+          <p:cNvSpPr/>
+          <p:nvPr/>
+        </p:nvSpPr>
+        <p:spPr>
+          <a:xfrm>
+            <a:off x="2520000" y="2880000"/>
+            <a:ext cx="6476040" cy="2156040"/>
+          </a:xfrm>
+          <a:custGeom>
+            <a:avLst/>
+            <a:gdLst/>
+            <a:ahLst/>
+            <a:rect l="l" t="t" r="r" b="b"/>
+            <a:pathLst>
+              <a:path w="64793" h="21600">
+                <a:moveTo>
+                  <a:pt x="3600" y="0"/>
+                </a:moveTo>
+                <a:arcTo wR="3600" hR="3600" stAng="16200000" swAng="-5400000"/>
+                <a:lnTo>
+                  <a:pt x="0" y="18000"/>
+                </a:lnTo>
+                <a:arcTo wR="3600" hR="3600" stAng="10800000" swAng="-5400000"/>
+                <a:lnTo>
+                  <a:pt x="61193" y="21600"/>
+                </a:lnTo>
+                <a:arcTo wR="39593" hR="3600" stAng="5400000" swAng="5400000"/>
+                <a:lnTo>
+                  <a:pt x="21600" y="3600"/>
+                </a:lnTo>
+                <a:arcTo wR="39593" hR="3600" stAng="10800000" swAng="5400000"/>
+                <a:close/>
+              </a:path>
+            </a:pathLst>
+          </a:custGeom>
+          <a:gradFill rotWithShape="0">
+            <a:gsLst>
+              <a:gs pos="0">
+                <a:srgbClr val="ffd7d7"/>
+              </a:gs>
+              <a:gs pos="100000">
+                <a:srgbClr val="ffffff"/>
+              </a:gs>
+            </a:gsLst>
+            <a:lin ang="3600000"/>
+          </a:gradFill>
+          <a:ln w="0">
+            <a:noFill/>
+          </a:ln>
+        </p:spPr>
+        <p:style>
+          <a:lnRef idx="0"/>
+          <a:fillRef idx="0"/>
+          <a:effectRef idx="0"/>
+          <a:fontRef idx="minor"/>
+        </p:style>
+      </p:sp>
       <p:pic>
         <p:nvPicPr>
-          <p:cNvPr id="89" name="" descr=""/>
+          <p:cNvPr id="92" name="" descr=""/>
           <p:cNvPicPr/>
           <p:nvPr/>
         </p:nvPicPr>
@@ -8777,8 +9730,8 @@
         </p:blipFill>
         <p:spPr>
           <a:xfrm>
-            <a:off x="540000" y="360"/>
-            <a:ext cx="11102040" cy="6857640"/>
+            <a:off x="2484000" y="1632960"/>
+            <a:ext cx="7150680" cy="4879800"/>
           </a:xfrm>
           <a:prstGeom prst="rect">
             <a:avLst/>
@@ -8788,6 +9741,70 @@
           </a:ln>
         </p:spPr>
       </p:pic>
+      <p:sp>
+        <p:nvSpPr>
+          <p:cNvPr id="93" name="Title 4"/>
+          <p:cNvSpPr/>
+          <p:nvPr/>
+        </p:nvSpPr>
+        <p:spPr>
+          <a:xfrm>
+            <a:off x="3763800" y="540000"/>
+            <a:ext cx="4874040" cy="906840"/>
+          </a:xfrm>
+          <a:prstGeom prst="roundRect">
+            <a:avLst>
+              <a:gd name="adj" fmla="val 16667"/>
+            </a:avLst>
+          </a:prstGeom>
+          <a:gradFill rotWithShape="0">
+            <a:gsLst>
+              <a:gs pos="0">
+                <a:srgbClr val="ffffff"/>
+              </a:gs>
+              <a:gs pos="100000">
+                <a:srgbClr val="ffd7d7"/>
+              </a:gs>
+            </a:gsLst>
+            <a:lin ang="13500000"/>
+          </a:gradFill>
+          <a:ln w="0">
+            <a:noFill/>
+          </a:ln>
+        </p:spPr>
+        <p:style>
+          <a:lnRef idx="0"/>
+          <a:fillRef idx="0"/>
+          <a:effectRef idx="0"/>
+          <a:fontRef idx="minor"/>
+        </p:style>
+        <p:txBody>
+          <a:bodyPr lIns="90000" rIns="90000" tIns="45000" bIns="45000" anchor="ctr">
+            <a:normAutofit/>
+          </a:bodyPr>
+          <a:p>
+            <a:pPr algn="ctr">
+              <a:lnSpc>
+                <a:spcPct val="100000"/>
+              </a:lnSpc>
+              <a:buNone/>
+            </a:pPr>
+            <a:r>
+              <a:rPr b="0" lang="en-US" sz="3600" spc="-1" strike="noStrike">
+                <a:solidFill>
+                  <a:srgbClr val="000000"/>
+                </a:solidFill>
+                <a:latin typeface="Times New Roman"/>
+                <a:ea typeface="DejaVu Sans"/>
+              </a:rPr>
+              <a:t>Modularization</a:t>
+            </a:r>
+            <a:endParaRPr b="0" lang="en-IN" sz="3600" spc="-1" strike="noStrike">
+              <a:latin typeface="Arial"/>
+            </a:endParaRPr>
+          </a:p>
+        </p:txBody>
+      </p:sp>
     </p:spTree>
   </p:cSld>
   <mc:AlternateContent>
@@ -8818,29 +9835,347 @@
           <a:chExt cx="0" cy="0"/>
         </a:xfrm>
       </p:grpSpPr>
-      <p:pic>
-        <p:nvPicPr>
-          <p:cNvPr id="90" name="" descr=""/>
-          <p:cNvPicPr/>
+      <p:sp>
+        <p:nvSpPr>
+          <p:cNvPr id="94" name=""/>
+          <p:cNvSpPr/>
           <p:nvPr/>
-        </p:nvPicPr>
-        <p:blipFill>
-          <a:blip r:embed="rId1"/>
-          <a:stretch/>
-        </p:blipFill>
-        <p:spPr>
-          <a:xfrm>
-            <a:off x="2340000" y="0"/>
-            <a:ext cx="8035200" cy="6857640"/>
+        </p:nvSpPr>
+        <p:spPr>
+          <a:xfrm>
+            <a:off x="1080000" y="5394600"/>
+            <a:ext cx="7016040" cy="2343600"/>
           </a:xfrm>
           <a:prstGeom prst="rect">
             <a:avLst/>
           </a:prstGeom>
-          <a:ln w="0">
-            <a:noFill/>
-          </a:ln>
-        </p:spPr>
-      </p:pic>
+          <a:noFill/>
+          <a:ln w="0">
+            <a:noFill/>
+          </a:ln>
+        </p:spPr>
+        <p:style>
+          <a:lnRef idx="0"/>
+          <a:fillRef idx="0"/>
+          <a:effectRef idx="0"/>
+          <a:fontRef idx="minor"/>
+        </p:style>
+      </p:sp>
+      <p:sp>
+        <p:nvSpPr>
+          <p:cNvPr id="95" name="Title 6"/>
+          <p:cNvSpPr/>
+          <p:nvPr/>
+        </p:nvSpPr>
+        <p:spPr>
+          <a:xfrm>
+            <a:off x="3403800" y="720000"/>
+            <a:ext cx="5594040" cy="906840"/>
+          </a:xfrm>
+          <a:prstGeom prst="roundRect">
+            <a:avLst>
+              <a:gd name="adj" fmla="val 16667"/>
+            </a:avLst>
+          </a:prstGeom>
+          <a:gradFill rotWithShape="0">
+            <a:gsLst>
+              <a:gs pos="0">
+                <a:srgbClr val="ffffff"/>
+              </a:gs>
+              <a:gs pos="100000">
+                <a:srgbClr val="ffd7d7"/>
+              </a:gs>
+            </a:gsLst>
+            <a:lin ang="13500000"/>
+          </a:gradFill>
+          <a:ln w="0">
+            <a:noFill/>
+          </a:ln>
+        </p:spPr>
+        <p:style>
+          <a:lnRef idx="0"/>
+          <a:fillRef idx="0"/>
+          <a:effectRef idx="0"/>
+          <a:fontRef idx="minor"/>
+        </p:style>
+        <p:txBody>
+          <a:bodyPr lIns="90000" rIns="90000" tIns="45000" bIns="45000" anchor="ctr">
+            <a:normAutofit/>
+          </a:bodyPr>
+          <a:p>
+            <a:pPr>
+              <a:lnSpc>
+                <a:spcPct val="100000"/>
+              </a:lnSpc>
+              <a:buNone/>
+            </a:pPr>
+            <a:r>
+              <a:rPr b="0" lang="en-IN" sz="3600" spc="-1" strike="noStrike">
+                <a:solidFill>
+                  <a:srgbClr val="000000"/>
+                </a:solidFill>
+                <a:latin typeface="Times New Roman"/>
+                <a:ea typeface="DejaVu Sans"/>
+              </a:rPr>
+              <a:t>Steps to move demo to react</a:t>
+            </a:r>
+            <a:endParaRPr b="0" lang="en-IN" sz="3600" spc="-1" strike="noStrike">
+              <a:latin typeface="Arial"/>
+            </a:endParaRPr>
+          </a:p>
+        </p:txBody>
+      </p:sp>
+      <p:sp>
+        <p:nvSpPr>
+          <p:cNvPr id="96" name="Title 17"/>
+          <p:cNvSpPr/>
+          <p:nvPr/>
+        </p:nvSpPr>
+        <p:spPr>
+          <a:xfrm>
+            <a:off x="2340000" y="2160000"/>
+            <a:ext cx="7918200" cy="4146840"/>
+          </a:xfrm>
+          <a:prstGeom prst="roundRect">
+            <a:avLst>
+              <a:gd name="adj" fmla="val 16667"/>
+            </a:avLst>
+          </a:prstGeom>
+          <a:gradFill rotWithShape="0">
+            <a:gsLst>
+              <a:gs pos="0">
+                <a:srgbClr val="ffffff"/>
+              </a:gs>
+              <a:gs pos="100000">
+                <a:srgbClr val="ffd7d7"/>
+              </a:gs>
+            </a:gsLst>
+            <a:lin ang="13500000"/>
+          </a:gradFill>
+          <a:ln w="0">
+            <a:noFill/>
+          </a:ln>
+        </p:spPr>
+        <p:style>
+          <a:lnRef idx="0"/>
+          <a:fillRef idx="0"/>
+          <a:effectRef idx="0"/>
+          <a:fontRef idx="minor"/>
+        </p:style>
+        <p:txBody>
+          <a:bodyPr lIns="90000" rIns="90000" tIns="45000" bIns="45000" anchor="ctr">
+            <a:normAutofit/>
+          </a:bodyPr>
+          <a:p>
+            <a:pPr marL="216000" indent="-216000">
+              <a:lnSpc>
+                <a:spcPct val="100000"/>
+              </a:lnSpc>
+              <a:buClr>
+                <a:srgbClr val="000000"/>
+              </a:buClr>
+              <a:buSzPct val="45000"/>
+              <a:buFont typeface="Wingdings" charset="2"/>
+              <a:buChar char=""/>
+            </a:pPr>
+            <a:r>
+              <a:rPr b="0" lang="en-US" sz="1600" spc="-1" strike="noStrike">
+                <a:solidFill>
+                  <a:srgbClr val="000000"/>
+                </a:solidFill>
+                <a:latin typeface="Times New Roman"/>
+                <a:ea typeface="DejaVu Sans"/>
+              </a:rPr>
+              <a:t>Create basic UI components</a:t>
+            </a:r>
+            <a:endParaRPr b="0" lang="en-IN" sz="1600" spc="-1" strike="noStrike">
+              <a:latin typeface="Arial"/>
+            </a:endParaRPr>
+          </a:p>
+          <a:p>
+            <a:pPr marL="216000" indent="-216000">
+              <a:lnSpc>
+                <a:spcPct val="100000"/>
+              </a:lnSpc>
+              <a:buClr>
+                <a:srgbClr val="000000"/>
+              </a:buClr>
+              <a:buSzPct val="45000"/>
+              <a:buFont typeface="Wingdings" charset="2"/>
+              <a:buChar char=""/>
+            </a:pPr>
+            <a:r>
+              <a:rPr b="0" lang="en-US" sz="1600" spc="-1" strike="noStrike">
+                <a:solidFill>
+                  <a:srgbClr val="000000"/>
+                </a:solidFill>
+                <a:latin typeface="Times New Roman"/>
+                <a:ea typeface="DejaVu Sans"/>
+              </a:rPr>
+              <a:t>Load basic threejs scene and setup postprocessing effects</a:t>
+            </a:r>
+            <a:endParaRPr b="0" lang="en-IN" sz="1600" spc="-1" strike="noStrike">
+              <a:latin typeface="Arial"/>
+            </a:endParaRPr>
+          </a:p>
+          <a:p>
+            <a:pPr marL="216000" indent="-216000">
+              <a:lnSpc>
+                <a:spcPct val="100000"/>
+              </a:lnSpc>
+              <a:buClr>
+                <a:srgbClr val="000000"/>
+              </a:buClr>
+              <a:buSzPct val="45000"/>
+              <a:buFont typeface="Wingdings" charset="2"/>
+              <a:buChar char=""/>
+            </a:pPr>
+            <a:r>
+              <a:rPr b="0" lang="en-US" sz="1600" spc="-1" strike="noStrike">
+                <a:solidFill>
+                  <a:srgbClr val="000000"/>
+                </a:solidFill>
+                <a:latin typeface="Times New Roman"/>
+                <a:ea typeface="DejaVu Sans"/>
+              </a:rPr>
+              <a:t>enable camera controls,viewpoints and themes</a:t>
+            </a:r>
+            <a:endParaRPr b="0" lang="en-IN" sz="1600" spc="-1" strike="noStrike">
+              <a:latin typeface="Arial"/>
+            </a:endParaRPr>
+          </a:p>
+          <a:p>
+            <a:pPr marL="216000" indent="-216000">
+              <a:lnSpc>
+                <a:spcPct val="100000"/>
+              </a:lnSpc>
+              <a:buClr>
+                <a:srgbClr val="000000"/>
+              </a:buClr>
+              <a:buSzPct val="45000"/>
+              <a:buFont typeface="Wingdings" charset="2"/>
+              <a:buChar char=""/>
+            </a:pPr>
+            <a:r>
+              <a:rPr b="0" lang="en-US" sz="1600" spc="-1" strike="noStrike">
+                <a:solidFill>
+                  <a:srgbClr val="000000"/>
+                </a:solidFill>
+                <a:latin typeface="Times New Roman"/>
+                <a:ea typeface="DejaVu Sans"/>
+              </a:rPr>
+              <a:t>Load different furniture types and its related dynamics,variants and etc by maintaining state to reflect accurately on the UI</a:t>
+            </a:r>
+            <a:endParaRPr b="0" lang="en-IN" sz="1600" spc="-1" strike="noStrike">
+              <a:latin typeface="Arial"/>
+            </a:endParaRPr>
+          </a:p>
+          <a:p>
+            <a:pPr marL="216000" indent="-216000">
+              <a:lnSpc>
+                <a:spcPct val="100000"/>
+              </a:lnSpc>
+              <a:buClr>
+                <a:srgbClr val="000000"/>
+              </a:buClr>
+              <a:buSzPct val="45000"/>
+              <a:buFont typeface="Wingdings" charset="2"/>
+              <a:buChar char=""/>
+            </a:pPr>
+            <a:r>
+              <a:rPr b="0" lang="en-US" sz="1600" spc="-1" strike="noStrike">
+                <a:solidFill>
+                  <a:srgbClr val="000000"/>
+                </a:solidFill>
+                <a:latin typeface="Times New Roman"/>
+                <a:ea typeface="DejaVu Sans"/>
+              </a:rPr>
+              <a:t>Load different light types and show related light controls by maintaining state to reflect accurately on the UI</a:t>
+            </a:r>
+            <a:endParaRPr b="0" lang="en-IN" sz="1600" spc="-1" strike="noStrike">
+              <a:latin typeface="Arial"/>
+            </a:endParaRPr>
+          </a:p>
+          <a:p>
+            <a:pPr marL="216000" indent="-216000">
+              <a:lnSpc>
+                <a:spcPct val="100000"/>
+              </a:lnSpc>
+              <a:buClr>
+                <a:srgbClr val="000000"/>
+              </a:buClr>
+              <a:buSzPct val="45000"/>
+              <a:buFont typeface="Wingdings" charset="2"/>
+              <a:buChar char=""/>
+            </a:pPr>
+            <a:r>
+              <a:rPr b="0" lang="en-US" sz="1600" spc="-1" strike="noStrike">
+                <a:solidFill>
+                  <a:srgbClr val="000000"/>
+                </a:solidFill>
+                <a:latin typeface="Times New Roman"/>
+                <a:ea typeface="DejaVu Sans"/>
+              </a:rPr>
+              <a:t>Implement arrangement features</a:t>
+            </a:r>
+            <a:endParaRPr b="0" lang="en-IN" sz="1600" spc="-1" strike="noStrike">
+              <a:latin typeface="Arial"/>
+            </a:endParaRPr>
+          </a:p>
+          <a:p>
+            <a:pPr marL="216000" indent="-216000">
+              <a:lnSpc>
+                <a:spcPct val="100000"/>
+              </a:lnSpc>
+              <a:buClr>
+                <a:srgbClr val="000000"/>
+              </a:buClr>
+              <a:buSzPct val="45000"/>
+              <a:buFont typeface="Wingdings" charset="2"/>
+              <a:buChar char=""/>
+            </a:pPr>
+            <a:r>
+              <a:rPr b="0" lang="en-US" sz="1600" spc="-1" strike="noStrike">
+                <a:solidFill>
+                  <a:srgbClr val="000000"/>
+                </a:solidFill>
+                <a:latin typeface="Times New Roman"/>
+                <a:ea typeface="DejaVu Sans"/>
+              </a:rPr>
+              <a:t>Implement measurements features</a:t>
+            </a:r>
+            <a:endParaRPr b="0" lang="en-IN" sz="1600" spc="-1" strike="noStrike">
+              <a:latin typeface="Arial"/>
+            </a:endParaRPr>
+          </a:p>
+          <a:p>
+            <a:pPr marL="216000" indent="-216000">
+              <a:lnSpc>
+                <a:spcPct val="100000"/>
+              </a:lnSpc>
+              <a:buClr>
+                <a:srgbClr val="000000"/>
+              </a:buClr>
+              <a:buSzPct val="45000"/>
+              <a:buFont typeface="Wingdings" charset="2"/>
+              <a:buChar char=""/>
+            </a:pPr>
+            <a:r>
+              <a:rPr b="0" lang="en-US" sz="1600" spc="-1" strike="noStrike">
+                <a:solidFill>
+                  <a:srgbClr val="000000"/>
+                </a:solidFill>
+                <a:latin typeface="Times New Roman"/>
+                <a:ea typeface="DejaVu Sans"/>
+              </a:rPr>
+              <a:t>Implement HD Render feature</a:t>
+            </a:r>
+            <a:endParaRPr b="0" lang="en-IN" sz="1600" spc="-1" strike="noStrike">
+              <a:latin typeface="Arial"/>
+            </a:endParaRPr>
+          </a:p>
+        </p:txBody>
+      </p:sp>
     </p:spTree>
   </p:cSld>
   <mc:AlternateContent>
@@ -8871,215 +10206,39 @@
           <a:chExt cx="0" cy="0"/>
         </a:xfrm>
       </p:grpSpPr>
-      <p:sp>
-        <p:nvSpPr>
-          <p:cNvPr id="91" name="PlaceHolder 1"/>
-          <p:cNvSpPr>
-            <a:spLocks noGrp="1"/>
-          </p:cNvSpPr>
-          <p:nvPr>
-            <p:ph/>
-          </p:nvPr>
-        </p:nvSpPr>
-        <p:spPr>
-          <a:xfrm>
-            <a:off x="3600000" y="1620000"/>
-            <a:ext cx="4498560" cy="2698560"/>
+      <p:pic>
+        <p:nvPicPr>
+          <p:cNvPr id="97" name="" descr=""/>
+          <p:cNvPicPr/>
+          <p:nvPr/>
+        </p:nvPicPr>
+        <p:blipFill>
+          <a:blip r:embed="rId1"/>
+          <a:stretch/>
+        </p:blipFill>
+        <p:spPr>
+          <a:xfrm>
+            <a:off x="1880280" y="1434960"/>
+            <a:ext cx="8595720" cy="5310000"/>
           </a:xfrm>
           <a:prstGeom prst="rect">
             <a:avLst/>
           </a:prstGeom>
-          <a:solidFill>
-            <a:srgbClr val="fbe3d6"/>
-          </a:solidFill>
-          <a:ln w="0">
-            <a:noFill/>
-          </a:ln>
-        </p:spPr>
-        <p:txBody>
-          <a:bodyPr lIns="90000" rIns="90000" tIns="45000" bIns="45000" anchor="t">
-            <a:normAutofit/>
-          </a:bodyPr>
-          <a:p>
-            <a:pPr marL="216000" indent="-216000">
-              <a:lnSpc>
-                <a:spcPct val="100000"/>
-              </a:lnSpc>
-              <a:spcAft>
-                <a:spcPts val="1054"/>
-              </a:spcAft>
-              <a:buClr>
-                <a:srgbClr val="000000"/>
-              </a:buClr>
-              <a:buSzPct val="45000"/>
-              <a:buFont typeface="Wingdings" charset="2"/>
-              <a:buChar char=""/>
-              <a:tabLst>
-                <a:tab algn="l" pos="0"/>
-              </a:tabLst>
-            </a:pPr>
-            <a:r>
-              <a:rPr b="0" lang="en-IN" sz="1600" spc="-1" strike="noStrike">
-                <a:latin typeface="Times New Roman"/>
-              </a:rPr>
-              <a:t>Threejs</a:t>
-            </a:r>
-            <a:endParaRPr b="0" lang="en-IN" sz="1600" spc="-1" strike="noStrike">
-              <a:latin typeface="Arial"/>
-            </a:endParaRPr>
-          </a:p>
-          <a:p>
-            <a:pPr marL="216000" indent="-216000">
-              <a:lnSpc>
-                <a:spcPct val="100000"/>
-              </a:lnSpc>
-              <a:spcAft>
-                <a:spcPts val="1054"/>
-              </a:spcAft>
-              <a:buClr>
-                <a:srgbClr val="000000"/>
-              </a:buClr>
-              <a:buSzPct val="45000"/>
-              <a:buFont typeface="Wingdings" charset="2"/>
-              <a:buChar char=""/>
-              <a:tabLst>
-                <a:tab algn="l" pos="0"/>
-              </a:tabLst>
-            </a:pPr>
-            <a:r>
-              <a:rPr b="0" lang="en-IN" sz="1600" spc="-1" strike="noStrike">
-                <a:latin typeface="Times New Roman"/>
-              </a:rPr>
-              <a:t>Typescript</a:t>
-            </a:r>
-            <a:endParaRPr b="0" lang="en-IN" sz="1600" spc="-1" strike="noStrike">
-              <a:latin typeface="Arial"/>
-            </a:endParaRPr>
-          </a:p>
-          <a:p>
-            <a:pPr marL="216000" indent="-216000">
-              <a:lnSpc>
-                <a:spcPct val="100000"/>
-              </a:lnSpc>
-              <a:spcAft>
-                <a:spcPts val="1054"/>
-              </a:spcAft>
-              <a:buClr>
-                <a:srgbClr val="000000"/>
-              </a:buClr>
-              <a:buSzPct val="45000"/>
-              <a:buFont typeface="Wingdings" charset="2"/>
-              <a:buChar char=""/>
-              <a:tabLst>
-                <a:tab algn="l" pos="0"/>
-              </a:tabLst>
-            </a:pPr>
-            <a:r>
-              <a:rPr b="0" lang="en-IN" sz="1600" spc="-1" strike="noStrike">
-                <a:latin typeface="Times New Roman"/>
-              </a:rPr>
-              <a:t>React</a:t>
-            </a:r>
-            <a:endParaRPr b="0" lang="en-IN" sz="1600" spc="-1" strike="noStrike">
-              <a:latin typeface="Arial"/>
-            </a:endParaRPr>
-          </a:p>
-          <a:p>
-            <a:pPr marL="216000" indent="-216000">
-              <a:lnSpc>
-                <a:spcPct val="100000"/>
-              </a:lnSpc>
-              <a:spcAft>
-                <a:spcPts val="1054"/>
-              </a:spcAft>
-              <a:buClr>
-                <a:srgbClr val="000000"/>
-              </a:buClr>
-              <a:buSzPct val="45000"/>
-              <a:buFont typeface="Wingdings" charset="2"/>
-              <a:buChar char=""/>
-              <a:tabLst>
-                <a:tab algn="l" pos="0"/>
-              </a:tabLst>
-            </a:pPr>
-            <a:r>
-              <a:rPr b="0" lang="en-IN" sz="1600" spc="-1" strike="noStrike">
-                <a:latin typeface="Times New Roman"/>
-              </a:rPr>
-              <a:t>React Context</a:t>
-            </a:r>
-            <a:endParaRPr b="0" lang="en-IN" sz="1600" spc="-1" strike="noStrike">
-              <a:latin typeface="Arial"/>
-            </a:endParaRPr>
-          </a:p>
-          <a:p>
-            <a:pPr marL="216000" indent="-216000">
-              <a:lnSpc>
-                <a:spcPct val="100000"/>
-              </a:lnSpc>
-              <a:spcAft>
-                <a:spcPts val="1054"/>
-              </a:spcAft>
-              <a:buClr>
-                <a:srgbClr val="000000"/>
-              </a:buClr>
-              <a:buSzPct val="45000"/>
-              <a:buFont typeface="Wingdings" charset="2"/>
-              <a:buChar char=""/>
-              <a:tabLst>
-                <a:tab algn="l" pos="0"/>
-              </a:tabLst>
-            </a:pPr>
-            <a:r>
-              <a:rPr b="0" lang="en-IN" sz="1600" spc="-1" strike="noStrike">
-                <a:latin typeface="Times New Roman"/>
-              </a:rPr>
-              <a:t>Redux</a:t>
-            </a:r>
-            <a:endParaRPr b="0" lang="en-IN" sz="1600" spc="-1" strike="noStrike">
-              <a:latin typeface="Arial"/>
-            </a:endParaRPr>
-          </a:p>
-          <a:p>
-            <a:pPr marL="216000" indent="-216000">
-              <a:lnSpc>
-                <a:spcPct val="100000"/>
-              </a:lnSpc>
-              <a:spcAft>
-                <a:spcPts val="1054"/>
-              </a:spcAft>
-              <a:buClr>
-                <a:srgbClr val="000000"/>
-              </a:buClr>
-              <a:buSzPct val="45000"/>
-              <a:buFont typeface="Wingdings" charset="2"/>
-              <a:buChar char=""/>
-              <a:tabLst>
-                <a:tab algn="l" pos="0"/>
-              </a:tabLst>
-            </a:pPr>
-            <a:r>
-              <a:rPr b="0" lang="en-IN" sz="1600" spc="-1" strike="noStrike">
-                <a:latin typeface="Times New Roman"/>
-              </a:rPr>
-              <a:t>MUI</a:t>
-            </a:r>
-            <a:endParaRPr b="0" lang="en-IN" sz="1600" spc="-1" strike="noStrike">
-              <a:latin typeface="Arial"/>
-            </a:endParaRPr>
-          </a:p>
-        </p:txBody>
-      </p:sp>
-      <p:sp>
-        <p:nvSpPr>
-          <p:cNvPr id="92" name="Title 1"/>
+          <a:ln w="0">
+            <a:noFill/>
+          </a:ln>
+        </p:spPr>
+      </p:pic>
+      <p:sp>
+        <p:nvSpPr>
+          <p:cNvPr id="98" name="Title 7"/>
           <p:cNvSpPr/>
           <p:nvPr/>
         </p:nvSpPr>
         <p:spPr>
           <a:xfrm>
-            <a:off x="3655440" y="134640"/>
-            <a:ext cx="5523120" cy="911520"/>
+            <a:off x="2880000" y="531000"/>
+            <a:ext cx="6117840" cy="906840"/>
           </a:xfrm>
           <a:prstGeom prst="roundRect">
             <a:avLst>
@@ -9092,7 +10251,7 @@
                 <a:srgbClr val="ffffff"/>
               </a:gs>
               <a:gs pos="100000">
-                <a:srgbClr val="fbe3d6"/>
+                <a:srgbClr val="ffd7d7"/>
               </a:gs>
             </a:gsLst>
             <a:lin ang="13500000"/>
@@ -9112,43 +10271,23 @@
             <a:normAutofit/>
           </a:bodyPr>
           <a:p>
-            <a:pPr>
+            <a:pPr algn="ctr">
               <a:lnSpc>
                 <a:spcPct val="100000"/>
               </a:lnSpc>
               <a:buNone/>
             </a:pPr>
             <a:r>
-              <a:rPr b="0" lang="en-IN" sz="2700" spc="-1" strike="noStrike">
+              <a:rPr b="0" lang="en-IN" sz="3600" spc="-1" strike="noStrike">
                 <a:solidFill>
                   <a:srgbClr val="000000"/>
                 </a:solidFill>
                 <a:latin typeface="Times New Roman"/>
                 <a:ea typeface="DejaVu Sans"/>
               </a:rPr>
-              <a:t>	</a:t>
-            </a:r>
-            <a:r>
-              <a:rPr b="0" lang="en-IN" sz="2700" spc="-1" strike="noStrike">
-                <a:solidFill>
-                  <a:srgbClr val="000000"/>
-                </a:solidFill>
-                <a:latin typeface="Times New Roman"/>
-                <a:ea typeface="DejaVu Sans"/>
-              </a:rPr>
-              <a:t>	</a:t>
-            </a:r>
-            <a:r>
-              <a:rPr b="0" lang="en-IN" sz="3200" spc="-1" strike="noStrike">
-                <a:solidFill>
-                  <a:srgbClr val="000000"/>
-                </a:solidFill>
-                <a:latin typeface="Times New Roman"/>
-                <a:ea typeface="DejaVu Sans"/>
-              </a:rPr>
-              <a:t>Major Technologies</a:t>
-            </a:r>
-            <a:endParaRPr b="0" lang="en-IN" sz="3200" spc="-1" strike="noStrike">
+              <a:t>Showroom3D system diagram</a:t>
+            </a:r>
+            <a:endParaRPr b="0" lang="en-IN" sz="3600" spc="-1" strike="noStrike">
               <a:latin typeface="Arial"/>
             </a:endParaRPr>
           </a:p>
@@ -9186,7 +10325,7 @@
       </p:grpSpPr>
       <p:pic>
         <p:nvPicPr>
-          <p:cNvPr id="93" name="" descr=""/>
+          <p:cNvPr id="99" name="" descr=""/>
           <p:cNvPicPr/>
           <p:nvPr/>
         </p:nvPicPr>
@@ -9196,8 +10335,8 @@
         </p:blipFill>
         <p:spPr>
           <a:xfrm>
-            <a:off x="3348000" y="1369800"/>
-            <a:ext cx="5492880" cy="4115160"/>
+            <a:off x="2092320" y="-9720"/>
+            <a:ext cx="8030520" cy="6852960"/>
           </a:xfrm>
           <a:prstGeom prst="rect">
             <a:avLst/>
@@ -9207,70 +10346,6 @@
           </a:ln>
         </p:spPr>
       </p:pic>
-      <p:sp>
-        <p:nvSpPr>
-          <p:cNvPr id="94" name="Title 1"/>
-          <p:cNvSpPr/>
-          <p:nvPr/>
-        </p:nvSpPr>
-        <p:spPr>
-          <a:xfrm>
-            <a:off x="3655440" y="134640"/>
-            <a:ext cx="4878720" cy="911520"/>
-          </a:xfrm>
-          <a:prstGeom prst="roundRect">
-            <a:avLst>
-              <a:gd name="adj" fmla="val 16667"/>
-            </a:avLst>
-          </a:prstGeom>
-          <a:gradFill rotWithShape="0">
-            <a:gsLst>
-              <a:gs pos="0">
-                <a:srgbClr val="ffffff"/>
-              </a:gs>
-              <a:gs pos="100000">
-                <a:srgbClr val="fbe3d6"/>
-              </a:gs>
-            </a:gsLst>
-            <a:lin ang="13500000"/>
-          </a:gradFill>
-          <a:ln w="0">
-            <a:noFill/>
-          </a:ln>
-        </p:spPr>
-        <p:style>
-          <a:lnRef idx="0"/>
-          <a:fillRef idx="0"/>
-          <a:effectRef idx="0"/>
-          <a:fontRef idx="minor"/>
-        </p:style>
-        <p:txBody>
-          <a:bodyPr lIns="90000" rIns="90000" tIns="45000" bIns="45000" anchor="ctr">
-            <a:normAutofit/>
-          </a:bodyPr>
-          <a:p>
-            <a:pPr algn="ctr">
-              <a:lnSpc>
-                <a:spcPct val="100000"/>
-              </a:lnSpc>
-              <a:buNone/>
-            </a:pPr>
-            <a:r>
-              <a:rPr b="0" lang="en-IN" sz="4000" spc="-1" strike="noStrike">
-                <a:solidFill>
-                  <a:srgbClr val="000000"/>
-                </a:solidFill>
-                <a:latin typeface="Arial"/>
-                <a:ea typeface="DejaVu Sans"/>
-              </a:rPr>
-              <a:t>Threejs</a:t>
-            </a:r>
-            <a:endParaRPr b="0" lang="en-IN" sz="4000" spc="-1" strike="noStrike">
-              <a:latin typeface="Arial"/>
-            </a:endParaRPr>
-          </a:p>
-        </p:txBody>
-      </p:sp>
     </p:spTree>
   </p:cSld>
   <mc:AlternateContent>
@@ -9303,21 +10378,31 @@
       </p:grpSpPr>
       <p:sp>
         <p:nvSpPr>
-          <p:cNvPr id="95" name="PlaceHolder 3"/>
+          <p:cNvPr id="100" name="Title 18"/>
           <p:cNvSpPr/>
           <p:nvPr/>
         </p:nvSpPr>
         <p:spPr>
           <a:xfrm>
-            <a:off x="1980000" y="1729800"/>
-            <a:ext cx="8098560" cy="3668760"/>
-          </a:xfrm>
-          <a:prstGeom prst="rect">
-            <a:avLst/>
-          </a:prstGeom>
-          <a:solidFill>
-            <a:srgbClr val="fbe3d6"/>
-          </a:solidFill>
+            <a:off x="3240000" y="2472480"/>
+            <a:ext cx="5208840" cy="3285720"/>
+          </a:xfrm>
+          <a:prstGeom prst="roundRect">
+            <a:avLst>
+              <a:gd name="adj" fmla="val 16667"/>
+            </a:avLst>
+          </a:prstGeom>
+          <a:gradFill rotWithShape="0">
+            <a:gsLst>
+              <a:gs pos="0">
+                <a:srgbClr val="ffffff"/>
+              </a:gs>
+              <a:gs pos="100000">
+                <a:srgbClr val="ffd7d7"/>
+              </a:gs>
+            </a:gsLst>
+            <a:lin ang="13500000"/>
+          </a:gradFill>
           <a:ln w="0">
             <a:noFill/>
           </a:ln>
@@ -9329,7 +10414,69 @@
           <a:fontRef idx="minor"/>
         </p:style>
         <p:txBody>
-          <a:bodyPr lIns="90000" rIns="90000" tIns="45000" bIns="45000" anchor="t">
+          <a:bodyPr lIns="90000" rIns="90000" tIns="45000" bIns="45000" anchor="ctr">
+            <a:normAutofit/>
+          </a:bodyPr>
+          <a:p>
+            <a:pPr>
+              <a:lnSpc>
+                <a:spcPct val="100000"/>
+              </a:lnSpc>
+              <a:spcAft>
+                <a:spcPts val="1054"/>
+              </a:spcAft>
+              <a:buNone/>
+              <a:tabLst>
+                <a:tab algn="l" pos="0"/>
+              </a:tabLst>
+            </a:pPr>
+            <a:endParaRPr b="0" lang="en-IN" sz="1600" spc="-1" strike="noStrike">
+              <a:latin typeface="Arial"/>
+            </a:endParaRPr>
+          </a:p>
+          <a:p>
+            <a:pPr algn="ctr">
+              <a:lnSpc>
+                <a:spcPct val="100000"/>
+              </a:lnSpc>
+              <a:buNone/>
+              <a:tabLst>
+                <a:tab algn="l" pos="0"/>
+              </a:tabLst>
+            </a:pPr>
+            <a:endParaRPr b="0" lang="en-IN" sz="3200" spc="-1" strike="noStrike">
+              <a:latin typeface="Arial"/>
+            </a:endParaRPr>
+          </a:p>
+        </p:txBody>
+      </p:sp>
+      <p:sp>
+        <p:nvSpPr>
+          <p:cNvPr id="101" name=""/>
+          <p:cNvSpPr/>
+          <p:nvPr/>
+        </p:nvSpPr>
+        <p:spPr>
+          <a:xfrm>
+            <a:off x="4821120" y="3058200"/>
+            <a:ext cx="1796040" cy="2110320"/>
+          </a:xfrm>
+          <a:prstGeom prst="rect">
+            <a:avLst/>
+          </a:prstGeom>
+          <a:noFill/>
+          <a:ln w="0">
+            <a:noFill/>
+          </a:ln>
+        </p:spPr>
+        <p:style>
+          <a:lnRef idx="0"/>
+          <a:fillRef idx="0"/>
+          <a:effectRef idx="0"/>
+          <a:fontRef idx="minor"/>
+        </p:style>
+        <p:txBody>
+          <a:bodyPr lIns="90000" rIns="90000" tIns="45000" bIns="45000" anchor="ctr">
             <a:noAutofit/>
           </a:bodyPr>
           <a:p>
@@ -9358,7 +10505,7 @@
                 <a:latin typeface="Times New Roman"/>
                 <a:ea typeface="DejaVu Sans"/>
               </a:rPr>
-              <a:t>Static Typing</a:t>
+              <a:t>Threejs</a:t>
             </a:r>
             <a:endParaRPr b="0" lang="en-IN" sz="1600" spc="-1" strike="noStrike">
               <a:latin typeface="Arial"/>
@@ -9390,7 +10537,7 @@
                 <a:latin typeface="Times New Roman"/>
                 <a:ea typeface="DejaVu Sans"/>
               </a:rPr>
-              <a:t>JavaScript Compatibility</a:t>
+              <a:t>Typescript</a:t>
             </a:r>
             <a:endParaRPr b="0" lang="en-IN" sz="1600" spc="-1" strike="noStrike">
               <a:latin typeface="Arial"/>
@@ -9422,41 +10569,120 @@
                 <a:latin typeface="Times New Roman"/>
                 <a:ea typeface="DejaVu Sans"/>
               </a:rPr>
-              <a:t>Improved Code Readability</a:t>
+              <a:t>React</a:t>
             </a:r>
             <a:endParaRPr b="0" lang="en-IN" sz="1600" spc="-1" strike="noStrike">
               <a:latin typeface="Arial"/>
             </a:endParaRPr>
           </a:p>
           <a:p>
-            <a:pPr>
+            <a:pPr marL="216000" indent="-216000">
               <a:lnSpc>
                 <a:spcPct val="100000"/>
               </a:lnSpc>
               <a:spcAft>
                 <a:spcPts val="1054"/>
               </a:spcAft>
-              <a:buNone/>
+              <a:buClr>
+                <a:srgbClr val="000000"/>
+              </a:buClr>
+              <a:buSzPct val="45000"/>
+              <a:buFont typeface="Wingdings" charset="2"/>
+              <a:buChar char=""/>
               <a:tabLst>
                 <a:tab algn="l" pos="0"/>
               </a:tabLst>
             </a:pPr>
+            <a:r>
+              <a:rPr b="0" lang="en-IN" sz="1600" spc="-1" strike="noStrike">
+                <a:solidFill>
+                  <a:srgbClr val="000000"/>
+                </a:solidFill>
+                <a:latin typeface="Times New Roman"/>
+                <a:ea typeface="DejaVu Sans"/>
+              </a:rPr>
+              <a:t>React Context</a:t>
+            </a:r>
             <a:endParaRPr b="0" lang="en-IN" sz="1600" spc="-1" strike="noStrike">
               <a:latin typeface="Arial"/>
             </a:endParaRPr>
           </a:p>
-        </p:txBody>
-      </p:sp>
-      <p:sp>
-        <p:nvSpPr>
-          <p:cNvPr id="96" name="Title 2"/>
+          <a:p>
+            <a:pPr marL="216000" indent="-216000">
+              <a:lnSpc>
+                <a:spcPct val="100000"/>
+              </a:lnSpc>
+              <a:spcAft>
+                <a:spcPts val="1054"/>
+              </a:spcAft>
+              <a:buClr>
+                <a:srgbClr val="000000"/>
+              </a:buClr>
+              <a:buSzPct val="45000"/>
+              <a:buFont typeface="Wingdings" charset="2"/>
+              <a:buChar char=""/>
+              <a:tabLst>
+                <a:tab algn="l" pos="0"/>
+              </a:tabLst>
+            </a:pPr>
+            <a:r>
+              <a:rPr b="0" lang="en-IN" sz="1600" spc="-1" strike="noStrike">
+                <a:solidFill>
+                  <a:srgbClr val="000000"/>
+                </a:solidFill>
+                <a:latin typeface="Times New Roman"/>
+                <a:ea typeface="DejaVu Sans"/>
+              </a:rPr>
+              <a:t>Redux</a:t>
+            </a:r>
+            <a:endParaRPr b="0" lang="en-IN" sz="1600" spc="-1" strike="noStrike">
+              <a:latin typeface="Arial"/>
+            </a:endParaRPr>
+          </a:p>
+          <a:p>
+            <a:pPr marL="216000" indent="-216000">
+              <a:lnSpc>
+                <a:spcPct val="100000"/>
+              </a:lnSpc>
+              <a:spcAft>
+                <a:spcPts val="1054"/>
+              </a:spcAft>
+              <a:buClr>
+                <a:srgbClr val="000000"/>
+              </a:buClr>
+              <a:buSzPct val="45000"/>
+              <a:buFont typeface="Wingdings" charset="2"/>
+              <a:buChar char=""/>
+              <a:tabLst>
+                <a:tab algn="l" pos="0"/>
+              </a:tabLst>
+            </a:pPr>
+            <a:r>
+              <a:rPr b="0" lang="en-IN" sz="1600" spc="-1" strike="noStrike">
+                <a:solidFill>
+                  <a:srgbClr val="000000"/>
+                </a:solidFill>
+                <a:latin typeface="Times New Roman"/>
+                <a:ea typeface="DejaVu Sans"/>
+              </a:rPr>
+              <a:t>MUI</a:t>
+            </a:r>
+            <a:endParaRPr b="0" lang="en-IN" sz="1600" spc="-1" strike="noStrike">
+              <a:latin typeface="Arial"/>
+            </a:endParaRPr>
+          </a:p>
+        </p:txBody>
+      </p:sp>
+      <p:sp>
+        <p:nvSpPr>
+          <p:cNvPr id="102" name="Title 8"/>
           <p:cNvSpPr/>
           <p:nvPr/>
         </p:nvSpPr>
         <p:spPr>
           <a:xfrm>
-            <a:off x="3655800" y="134280"/>
-            <a:ext cx="4878720" cy="911520"/>
+            <a:off x="3240000" y="711000"/>
+            <a:ext cx="6117840" cy="906840"/>
           </a:xfrm>
           <a:prstGeom prst="roundRect">
             <a:avLst>
@@ -9469,7 +10695,7 @@
                 <a:srgbClr val="ffffff"/>
               </a:gs>
               <a:gs pos="100000">
-                <a:srgbClr val="fbe3d6"/>
+                <a:srgbClr val="ffd7d7"/>
               </a:gs>
             </a:gsLst>
             <a:lin ang="13500000"/>
@@ -9496,44 +10722,21 @@
               <a:buNone/>
             </a:pPr>
             <a:r>
-              <a:rPr b="0" lang="en-IN" sz="3600" spc="-1" strike="noStrike">
+              <a:rPr b="0" lang="en-IN" sz="3200" spc="-1" strike="noStrike">
                 <a:solidFill>
                   <a:srgbClr val="000000"/>
                 </a:solidFill>
                 <a:latin typeface="Times New Roman"/>
                 <a:ea typeface="DejaVu Sans"/>
               </a:rPr>
-              <a:t>TypeScript</a:t>
-            </a:r>
-            <a:endParaRPr b="0" lang="en-IN" sz="3600" spc="-1" strike="noStrike">
-              <a:latin typeface="Arial"/>
-            </a:endParaRPr>
-          </a:p>
-        </p:txBody>
-      </p:sp>
-      <p:pic>
-        <p:nvPicPr>
-          <p:cNvPr id="97" name="" descr=""/>
-          <p:cNvPicPr/>
-          <p:nvPr/>
-        </p:nvPicPr>
-        <p:blipFill>
-          <a:blip r:embed="rId1"/>
-          <a:stretch/>
-        </p:blipFill>
-        <p:spPr>
-          <a:xfrm>
-            <a:off x="5040000" y="1867680"/>
-            <a:ext cx="4875120" cy="3350880"/>
-          </a:xfrm>
-          <a:prstGeom prst="rect">
-            <a:avLst/>
-          </a:prstGeom>
-          <a:ln w="0">
-            <a:noFill/>
-          </a:ln>
-        </p:spPr>
-      </p:pic>
+              <a:t>Major Technologies</a:t>
+            </a:r>
+            <a:endParaRPr b="0" lang="en-IN" sz="3200" spc="-1" strike="noStrike">
+              <a:latin typeface="Arial"/>
+            </a:endParaRPr>
+          </a:p>
+        </p:txBody>
+      </p:sp>
     </p:spTree>
   </p:cSld>
   <mc:AlternateContent>
@@ -9564,23 +10767,56 @@
           <a:chExt cx="0" cy="0"/>
         </a:xfrm>
       </p:grpSpPr>
-      <p:sp>
-        <p:nvSpPr>
-          <p:cNvPr id="98" name="PlaceHolder 4"/>
+      <p:pic>
+        <p:nvPicPr>
+          <p:cNvPr id="103" name="" descr=""/>
+          <p:cNvPicPr/>
+          <p:nvPr/>
+        </p:nvPicPr>
+        <p:blipFill>
+          <a:blip r:embed="rId1"/>
+          <a:stretch/>
+        </p:blipFill>
+        <p:spPr>
+          <a:xfrm>
+            <a:off x="3149640" y="2007360"/>
+            <a:ext cx="5488200" cy="4110480"/>
+          </a:xfrm>
+          <a:prstGeom prst="rect">
+            <a:avLst/>
+          </a:prstGeom>
+          <a:ln w="0">
+            <a:noFill/>
+          </a:ln>
+        </p:spPr>
+      </p:pic>
+      <p:sp>
+        <p:nvSpPr>
+          <p:cNvPr id="104" name="Title 1"/>
           <p:cNvSpPr/>
           <p:nvPr/>
         </p:nvSpPr>
         <p:spPr>
           <a:xfrm>
-            <a:off x="360000" y="1440000"/>
-            <a:ext cx="11699640" cy="5219640"/>
-          </a:xfrm>
-          <a:prstGeom prst="rect">
-            <a:avLst/>
-          </a:prstGeom>
-          <a:solidFill>
-            <a:srgbClr val="fbe3d6"/>
-          </a:solidFill>
+            <a:off x="3512520" y="531000"/>
+            <a:ext cx="4874040" cy="906840"/>
+          </a:xfrm>
+          <a:prstGeom prst="roundRect">
+            <a:avLst>
+              <a:gd name="adj" fmla="val 16667"/>
+            </a:avLst>
+          </a:prstGeom>
+          <a:gradFill rotWithShape="0">
+            <a:gsLst>
+              <a:gs pos="0">
+                <a:srgbClr val="ffffff"/>
+              </a:gs>
+              <a:gs pos="100000">
+                <a:srgbClr val="ffd7d7"/>
+              </a:gs>
+            </a:gsLst>
+            <a:lin ang="13500000"/>
+          </a:gradFill>
           <a:ln w="0">
             <a:noFill/>
           </a:ln>
@@ -9592,515 +10828,27 @@
           <a:fontRef idx="minor"/>
         </p:style>
         <p:txBody>
-          <a:bodyPr lIns="90000" rIns="90000" tIns="45000" bIns="45000" anchor="t">
-            <a:noAutofit/>
+          <a:bodyPr lIns="90000" rIns="90000" tIns="45000" bIns="45000" anchor="ctr">
+            <a:normAutofit/>
           </a:bodyPr>
           <a:p>
-            <a:pPr marL="216000" indent="-216000">
+            <a:pPr algn="ctr">
               <a:lnSpc>
                 <a:spcPct val="100000"/>
               </a:lnSpc>
-              <a:spcAft>
-                <a:spcPts val="1054"/>
-              </a:spcAft>
-              <a:buClr>
-                <a:srgbClr val="000000"/>
-              </a:buClr>
-              <a:buSzPct val="45000"/>
-              <a:buFont typeface="Wingdings" charset="2"/>
-              <a:buChar char=""/>
-              <a:tabLst>
-                <a:tab algn="l" pos="0"/>
-              </a:tabLst>
-            </a:pPr>
-            <a:r>
-              <a:rPr b="1" lang="en-IN" sz="1600" spc="-1" strike="noStrike">
+              <a:buNone/>
+            </a:pPr>
+            <a:r>
+              <a:rPr b="0" lang="en-IN" sz="3600" spc="-1" strike="noStrike">
                 <a:solidFill>
                   <a:srgbClr val="000000"/>
                 </a:solidFill>
                 <a:latin typeface="Times New Roman"/>
                 <a:ea typeface="DejaVu Sans"/>
               </a:rPr>
-              <a:t>Modular and Reusable</a:t>
-            </a:r>
-            <a:endParaRPr b="0" lang="en-IN" sz="1600" spc="-1" strike="noStrike">
-              <a:latin typeface="Arial"/>
-            </a:endParaRPr>
-          </a:p>
-          <a:p>
-            <a:pPr lvl="1" marL="432000" indent="-216000">
-              <a:lnSpc>
-                <a:spcPct val="100000"/>
-              </a:lnSpc>
-              <a:spcAft>
-                <a:spcPts val="1054"/>
-              </a:spcAft>
-              <a:buClr>
-                <a:srgbClr val="000000"/>
-              </a:buClr>
-              <a:buSzPct val="45000"/>
-              <a:buFont typeface="Wingdings" charset="2"/>
-              <a:buChar char=""/>
-              <a:tabLst>
-                <a:tab algn="l" pos="0"/>
-              </a:tabLst>
-            </a:pPr>
-            <a:r>
-              <a:rPr b="0" lang="en-IN" sz="1600" spc="-1" strike="noStrike">
-                <a:solidFill>
-                  <a:srgbClr val="000000"/>
-                </a:solidFill>
-                <a:latin typeface="Times New Roman"/>
-                <a:ea typeface="DejaVu Sans"/>
-              </a:rPr>
-              <a:t> </a:t>
-            </a:r>
-            <a:r>
-              <a:rPr b="0" lang="en-IN" sz="1500" spc="-1" strike="noStrike">
-                <a:solidFill>
-                  <a:srgbClr val="000000"/>
-                </a:solidFill>
-                <a:latin typeface="Times New Roman"/>
-                <a:ea typeface="DejaVu Sans"/>
-              </a:rPr>
-              <a:t>By breaking down the UI into smaller, manageable components, React promotes modularity and we can reuse these components across the app</a:t>
-            </a:r>
-            <a:endParaRPr b="0" lang="en-IN" sz="1500" spc="-1" strike="noStrike">
-              <a:latin typeface="Arial"/>
-            </a:endParaRPr>
-          </a:p>
-          <a:p>
-            <a:pPr marL="216000" indent="-216000">
-              <a:lnSpc>
-                <a:spcPct val="100000"/>
-              </a:lnSpc>
-              <a:spcAft>
-                <a:spcPts val="1054"/>
-              </a:spcAft>
-              <a:buClr>
-                <a:srgbClr val="000000"/>
-              </a:buClr>
-              <a:buSzPct val="45000"/>
-              <a:buFont typeface="Wingdings" charset="2"/>
-              <a:buChar char=""/>
-              <a:tabLst>
-                <a:tab algn="l" pos="0"/>
-              </a:tabLst>
-            </a:pPr>
-            <a:r>
-              <a:rPr b="1" lang="en-IN" sz="1600" spc="-1" strike="noStrike">
-                <a:solidFill>
-                  <a:srgbClr val="000000"/>
-                </a:solidFill>
-                <a:latin typeface="Times New Roman"/>
-                <a:ea typeface="DejaVu Sans"/>
-              </a:rPr>
-              <a:t>Virtual DOM</a:t>
-            </a:r>
-            <a:endParaRPr b="0" lang="en-IN" sz="1600" spc="-1" strike="noStrike">
-              <a:latin typeface="Arial"/>
-            </a:endParaRPr>
-          </a:p>
-          <a:p>
-            <a:pPr lvl="1" marL="432000" indent="-216000">
-              <a:lnSpc>
-                <a:spcPct val="100000"/>
-              </a:lnSpc>
-              <a:spcAft>
-                <a:spcPts val="1054"/>
-              </a:spcAft>
-              <a:buClr>
-                <a:srgbClr val="000000"/>
-              </a:buClr>
-              <a:buSzPct val="45000"/>
-              <a:buFont typeface="Wingdings" charset="2"/>
-              <a:buChar char=""/>
-              <a:tabLst>
-                <a:tab algn="l" pos="0"/>
-              </a:tabLst>
-            </a:pPr>
-            <a:r>
-              <a:rPr b="0" lang="en-IN" sz="1500" spc="-1" strike="noStrike">
-                <a:solidFill>
-                  <a:srgbClr val="000000"/>
-                </a:solidFill>
-                <a:latin typeface="Times New Roman"/>
-                <a:ea typeface="DejaVu Sans"/>
-              </a:rPr>
-              <a:t>When the state of an object changes, React updates the virtual DOM first, which then compares it with the real DOM and makes only the necessary updates. This results in faster and more efficient rendering.</a:t>
-            </a:r>
-            <a:endParaRPr b="0" lang="en-IN" sz="1500" spc="-1" strike="noStrike">
-              <a:latin typeface="Arial"/>
-            </a:endParaRPr>
-          </a:p>
-          <a:p>
-            <a:pPr marL="216000" indent="-216000">
-              <a:lnSpc>
-                <a:spcPct val="100000"/>
-              </a:lnSpc>
-              <a:spcAft>
-                <a:spcPts val="1054"/>
-              </a:spcAft>
-              <a:buClr>
-                <a:srgbClr val="000000"/>
-              </a:buClr>
-              <a:buSzPct val="45000"/>
-              <a:buFont typeface="Wingdings" charset="2"/>
-              <a:buChar char=""/>
-              <a:tabLst>
-                <a:tab algn="l" pos="0"/>
-              </a:tabLst>
-            </a:pPr>
-            <a:r>
-              <a:rPr b="1" lang="en-IN" sz="1600" spc="-1" strike="noStrike">
-                <a:solidFill>
-                  <a:srgbClr val="000000"/>
-                </a:solidFill>
-                <a:latin typeface="Times New Roman"/>
-                <a:ea typeface="DejaVu Sans"/>
-              </a:rPr>
-              <a:t>JSX – JavaScript Syntax Extension</a:t>
-            </a:r>
-            <a:endParaRPr b="0" lang="en-IN" sz="1600" spc="-1" strike="noStrike">
-              <a:latin typeface="Arial"/>
-            </a:endParaRPr>
-          </a:p>
-          <a:p>
-            <a:pPr lvl="1" marL="432000" indent="-216000">
-              <a:lnSpc>
-                <a:spcPct val="100000"/>
-              </a:lnSpc>
-              <a:spcAft>
-                <a:spcPts val="1054"/>
-              </a:spcAft>
-              <a:buClr>
-                <a:srgbClr val="000000"/>
-              </a:buClr>
-              <a:buSzPct val="45000"/>
-              <a:buFont typeface="Wingdings" charset="2"/>
-              <a:buChar char=""/>
-              <a:tabLst>
-                <a:tab algn="l" pos="0"/>
-              </a:tabLst>
-            </a:pPr>
-            <a:r>
-              <a:rPr b="0" lang="en-IN" sz="1500" spc="-1" strike="noStrike">
-                <a:solidFill>
-                  <a:srgbClr val="000000"/>
-                </a:solidFill>
-                <a:latin typeface="Times New Roman"/>
-                <a:ea typeface="DejaVu Sans"/>
-              </a:rPr>
-              <a:t>With jsx, we can write html code inside js file, so that we can write reusable UI components as well</a:t>
-            </a:r>
-            <a:endParaRPr b="0" lang="en-IN" sz="1500" spc="-1" strike="noStrike">
-              <a:latin typeface="Arial"/>
-            </a:endParaRPr>
-          </a:p>
-          <a:p>
-            <a:pPr marL="216000" indent="-216000">
-              <a:lnSpc>
-                <a:spcPct val="100000"/>
-              </a:lnSpc>
-              <a:spcAft>
-                <a:spcPts val="845"/>
-              </a:spcAft>
-              <a:buClr>
-                <a:srgbClr val="000000"/>
-              </a:buClr>
-              <a:buSzPct val="45000"/>
-              <a:buFont typeface="Wingdings" charset="2"/>
-              <a:buChar char=""/>
-              <a:tabLst>
-                <a:tab algn="l" pos="0"/>
-              </a:tabLst>
-            </a:pPr>
-            <a:r>
-              <a:rPr b="1" lang="en-IN" sz="1600" spc="-1" strike="noStrike">
-                <a:solidFill>
-                  <a:srgbClr val="000000"/>
-                </a:solidFill>
-                <a:latin typeface="Times New Roman"/>
-                <a:ea typeface="DejaVu Sans"/>
-              </a:rPr>
-              <a:t>Dynamic Content</a:t>
-            </a:r>
-            <a:endParaRPr b="0" lang="en-IN" sz="1600" spc="-1" strike="noStrike">
-              <a:latin typeface="Arial"/>
-            </a:endParaRPr>
-          </a:p>
-          <a:p>
-            <a:pPr lvl="1" marL="432000" indent="-216000">
-              <a:lnSpc>
-                <a:spcPct val="100000"/>
-              </a:lnSpc>
-              <a:spcAft>
-                <a:spcPts val="845"/>
-              </a:spcAft>
-              <a:buClr>
-                <a:srgbClr val="000000"/>
-              </a:buClr>
-              <a:buSzPct val="45000"/>
-              <a:buFont typeface="Wingdings" charset="2"/>
-              <a:buChar char=""/>
-              <a:tabLst>
-                <a:tab algn="l" pos="0"/>
-              </a:tabLst>
-            </a:pPr>
-            <a:r>
-              <a:rPr b="0" lang="en-IN" sz="1500" spc="-1" strike="noStrike">
-                <a:solidFill>
-                  <a:srgbClr val="000000"/>
-                </a:solidFill>
-                <a:latin typeface="Times New Roman"/>
-                <a:ea typeface="DejaVu Sans"/>
-              </a:rPr>
-              <a:t>We can dynamically update content of dynamics,material variants etc when we add object</a:t>
-            </a:r>
-            <a:endParaRPr b="0" lang="en-IN" sz="1500" spc="-1" strike="noStrike">
-              <a:latin typeface="Arial"/>
-            </a:endParaRPr>
-          </a:p>
-          <a:p>
-            <a:pPr marL="216000" indent="-216000">
-              <a:lnSpc>
-                <a:spcPct val="100000"/>
-              </a:lnSpc>
-              <a:spcAft>
-                <a:spcPts val="1054"/>
-              </a:spcAft>
-              <a:buClr>
-                <a:srgbClr val="000000"/>
-              </a:buClr>
-              <a:buSzPct val="45000"/>
-              <a:buFont typeface="Wingdings" charset="2"/>
-              <a:buChar char=""/>
-              <a:tabLst>
-                <a:tab algn="l" pos="0"/>
-              </a:tabLst>
-            </a:pPr>
-            <a:r>
-              <a:rPr b="1" lang="en-IN" sz="1600" spc="-1" strike="noStrike">
-                <a:solidFill>
-                  <a:srgbClr val="000000"/>
-                </a:solidFill>
-                <a:latin typeface="Times New Roman"/>
-                <a:ea typeface="DejaVu Sans"/>
-              </a:rPr>
-              <a:t>Predictable State Management</a:t>
-            </a:r>
-            <a:endParaRPr b="0" lang="en-IN" sz="1600" spc="-1" strike="noStrike">
-              <a:latin typeface="Arial"/>
-            </a:endParaRPr>
-          </a:p>
-          <a:p>
-            <a:pPr lvl="1" marL="432000" indent="-216000">
-              <a:lnSpc>
-                <a:spcPct val="100000"/>
-              </a:lnSpc>
-              <a:spcAft>
-                <a:spcPts val="1054"/>
-              </a:spcAft>
-              <a:buClr>
-                <a:srgbClr val="000000"/>
-              </a:buClr>
-              <a:buSzPct val="45000"/>
-              <a:buFont typeface="Wingdings" charset="2"/>
-              <a:buChar char=""/>
-              <a:tabLst>
-                <a:tab algn="l" pos="0"/>
-              </a:tabLst>
-            </a:pPr>
-            <a:r>
-              <a:rPr b="0" lang="en-IN" sz="1500" spc="-1" strike="noStrike">
-                <a:solidFill>
-                  <a:srgbClr val="000000"/>
-                </a:solidFill>
-                <a:latin typeface="Times New Roman"/>
-                <a:ea typeface="DejaVu Sans"/>
-              </a:rPr>
-              <a:t>By using redux or react context, values will be explicitly updated in the state </a:t>
-            </a:r>
-            <a:endParaRPr b="0" lang="en-IN" sz="1500" spc="-1" strike="noStrike">
-              <a:latin typeface="Arial"/>
-            </a:endParaRPr>
-          </a:p>
-          <a:p>
-            <a:pPr marL="216000" indent="-216000">
-              <a:lnSpc>
-                <a:spcPct val="100000"/>
-              </a:lnSpc>
-              <a:spcAft>
-                <a:spcPts val="1054"/>
-              </a:spcAft>
-              <a:buClr>
-                <a:srgbClr val="000000"/>
-              </a:buClr>
-              <a:buSzPct val="45000"/>
-              <a:buFont typeface="Wingdings" charset="2"/>
-              <a:buChar char=""/>
-              <a:tabLst>
-                <a:tab algn="l" pos="0"/>
-              </a:tabLst>
-            </a:pPr>
-            <a:r>
-              <a:rPr b="1" lang="en-IN" sz="1600" spc="-1" strike="noStrike">
-                <a:solidFill>
-                  <a:srgbClr val="000000"/>
-                </a:solidFill>
-                <a:latin typeface="Times New Roman"/>
-                <a:ea typeface="DejaVu Sans"/>
-              </a:rPr>
-              <a:t>Scalability</a:t>
-            </a:r>
-            <a:endParaRPr b="0" lang="en-IN" sz="1600" spc="-1" strike="noStrike">
-              <a:latin typeface="Arial"/>
-            </a:endParaRPr>
-          </a:p>
-          <a:p>
-            <a:pPr lvl="1" marL="432000" indent="-216000">
-              <a:lnSpc>
-                <a:spcPct val="100000"/>
-              </a:lnSpc>
-              <a:spcAft>
-                <a:spcPts val="1054"/>
-              </a:spcAft>
-              <a:buClr>
-                <a:srgbClr val="000000"/>
-              </a:buClr>
-              <a:buSzPct val="45000"/>
-              <a:buFont typeface="Wingdings" charset="2"/>
-              <a:buChar char=""/>
-              <a:tabLst>
-                <a:tab algn="l" pos="0"/>
-              </a:tabLst>
-            </a:pPr>
-            <a:r>
-              <a:rPr b="0" lang="en-IN" sz="1500" spc="-1" strike="noStrike">
-                <a:solidFill>
-                  <a:srgbClr val="000000"/>
-                </a:solidFill>
-                <a:latin typeface="Times New Roman"/>
-                <a:ea typeface="DejaVu Sans"/>
-              </a:rPr>
-              <a:t>The ability to break down the UI into reusable components and manage state efficiently helps in scaling applications as they grow</a:t>
-            </a:r>
-            <a:endParaRPr b="0" lang="en-IN" sz="1500" spc="-1" strike="noStrike">
-              <a:latin typeface="Arial"/>
-            </a:endParaRPr>
-          </a:p>
-          <a:p>
-            <a:pPr>
-              <a:lnSpc>
-                <a:spcPct val="100000"/>
-              </a:lnSpc>
-              <a:spcAft>
-                <a:spcPts val="1054"/>
-              </a:spcAft>
-              <a:buNone/>
-              <a:tabLst>
-                <a:tab algn="l" pos="0"/>
-              </a:tabLst>
-            </a:pPr>
-            <a:endParaRPr b="0" lang="en-IN" sz="1500" spc="-1" strike="noStrike">
-              <a:latin typeface="Arial"/>
-            </a:endParaRPr>
-          </a:p>
-          <a:p>
-            <a:pPr>
-              <a:lnSpc>
-                <a:spcPct val="100000"/>
-              </a:lnSpc>
-              <a:spcAft>
-                <a:spcPts val="1054"/>
-              </a:spcAft>
-              <a:buNone/>
-              <a:tabLst>
-                <a:tab algn="l" pos="0"/>
-              </a:tabLst>
-            </a:pPr>
-            <a:endParaRPr b="0" lang="en-IN" sz="1500" spc="-1" strike="noStrike">
-              <a:latin typeface="Arial"/>
-            </a:endParaRPr>
-          </a:p>
-          <a:p>
-            <a:pPr>
-              <a:lnSpc>
-                <a:spcPct val="100000"/>
-              </a:lnSpc>
-              <a:spcBef>
-                <a:spcPts val="1417"/>
-              </a:spcBef>
-              <a:buNone/>
-              <a:tabLst>
-                <a:tab algn="l" pos="0"/>
-              </a:tabLst>
-            </a:pPr>
-            <a:endParaRPr b="0" lang="en-IN" sz="1600" spc="-1" strike="noStrike">
-              <a:latin typeface="Arial"/>
-            </a:endParaRPr>
-          </a:p>
-        </p:txBody>
-      </p:sp>
-      <p:sp>
-        <p:nvSpPr>
-          <p:cNvPr id="99" name="Title 3"/>
-          <p:cNvSpPr/>
-          <p:nvPr/>
-        </p:nvSpPr>
-        <p:spPr>
-          <a:xfrm>
-            <a:off x="3656160" y="133920"/>
-            <a:ext cx="4878720" cy="911520"/>
-          </a:xfrm>
-          <a:prstGeom prst="roundRect">
-            <a:avLst>
-              <a:gd name="adj" fmla="val 16667"/>
-            </a:avLst>
-          </a:prstGeom>
-          <a:gradFill rotWithShape="0">
-            <a:gsLst>
-              <a:gs pos="0">
-                <a:srgbClr val="ffffff"/>
-              </a:gs>
-              <a:gs pos="100000">
-                <a:srgbClr val="fbe3d6"/>
-              </a:gs>
-            </a:gsLst>
-            <a:lin ang="13500000"/>
-          </a:gradFill>
-          <a:ln w="0">
-            <a:noFill/>
-          </a:ln>
-        </p:spPr>
-        <p:style>
-          <a:lnRef idx="0"/>
-          <a:fillRef idx="0"/>
-          <a:effectRef idx="0"/>
-          <a:fontRef idx="minor"/>
-        </p:style>
-        <p:txBody>
-          <a:bodyPr lIns="90000" rIns="90000" tIns="45000" bIns="45000" anchor="ctr">
-            <a:normAutofit/>
-          </a:bodyPr>
-          <a:p>
-            <a:pPr algn="ctr">
-              <a:lnSpc>
-                <a:spcPct val="100000"/>
-              </a:lnSpc>
-              <a:buNone/>
-            </a:pPr>
-            <a:r>
-              <a:rPr b="0" lang="en-IN" sz="4000" spc="-1" strike="noStrike">
-                <a:solidFill>
-                  <a:srgbClr val="000000"/>
-                </a:solidFill>
-                <a:latin typeface="Times New Roman"/>
-                <a:ea typeface="DejaVu Sans"/>
-              </a:rPr>
-              <a:t>React</a:t>
-            </a:r>
-            <a:endParaRPr b="0" lang="en-IN" sz="4000" spc="-1" strike="noStrike">
+              <a:t>Threejs</a:t>
+            </a:r>
+            <a:endParaRPr b="0" lang="en-IN" sz="3600" spc="-1" strike="noStrike">
               <a:latin typeface="Arial"/>
             </a:endParaRPr>
           </a:p>

--- a/Docs/showroom3d_web_react.pptx
+++ b/Docs/showroom3d_web_react.pptx
@@ -80,7 +80,7 @@
         <p:txBody>
           <a:bodyPr/>
           <a:p>
-            <a:fld id="{8E72C2A0-905E-4E9A-9FDF-53DD5B03F3F8}" type="slidenum">
+            <a:fld id="{419729F7-64DA-4C1B-B574-D47F9596BE93}" type="slidenum">
               <a:t>&lt;#&gt;</a:t>
             </a:fld>
           </a:p>
@@ -268,7 +268,7 @@
         <p:txBody>
           <a:bodyPr/>
           <a:p>
-            <a:fld id="{1E164180-2A4E-4ACF-B989-E396FA72E015}" type="slidenum">
+            <a:fld id="{89B14F22-8615-4BAE-9DAA-80BCC509E207}" type="slidenum">
               <a:t>&lt;#&gt;</a:t>
             </a:fld>
           </a:p>
@@ -524,7 +524,7 @@
         <p:txBody>
           <a:bodyPr/>
           <a:p>
-            <a:fld id="{9361873C-5846-4975-828D-FCB85C8F99C5}" type="slidenum">
+            <a:fld id="{A9D39AB5-6A2A-473D-A8BD-67D6D7FDAF8B}" type="slidenum">
               <a:t>&lt;#&gt;</a:t>
             </a:fld>
           </a:p>
@@ -848,7 +848,7 @@
         <p:txBody>
           <a:bodyPr/>
           <a:p>
-            <a:fld id="{46927075-64A6-4F35-AE3A-10F9555B440F}" type="slidenum">
+            <a:fld id="{7BBF7E40-11D5-49BC-9BC6-D65E16C9795F}" type="slidenum">
               <a:t>&lt;#&gt;</a:t>
             </a:fld>
           </a:p>
@@ -931,7 +931,7 @@
         <p:txBody>
           <a:bodyPr/>
           <a:p>
-            <a:fld id="{333CC991-29E3-458C-8A93-B83FA65817C1}" type="slidenum">
+            <a:fld id="{54137FBC-F563-43B7-B777-A3D943FA498E}" type="slidenum">
               <a:t>&lt;#&gt;</a:t>
             </a:fld>
           </a:p>
@@ -1088,7 +1088,7 @@
         <p:txBody>
           <a:bodyPr/>
           <a:p>
-            <a:fld id="{90AB87B1-8CD8-4ED1-A416-582B0C34EB77}" type="slidenum">
+            <a:fld id="{8100A2E8-A4E4-42BE-99C7-1011B41AF95D}" type="slidenum">
               <a:t>&lt;#&gt;</a:t>
             </a:fld>
           </a:p>
@@ -1242,7 +1242,7 @@
         <p:txBody>
           <a:bodyPr/>
           <a:p>
-            <a:fld id="{038DF13E-641A-496E-BB58-7146028EE16B}" type="slidenum">
+            <a:fld id="{04FB54C7-EAC7-4A12-BE30-70EB373EA903}" type="slidenum">
               <a:t>&lt;#&gt;</a:t>
             </a:fld>
           </a:p>
@@ -1430,7 +1430,7 @@
         <p:txBody>
           <a:bodyPr/>
           <a:p>
-            <a:fld id="{127FCC9D-BB80-4C8B-83CB-5B66C6F4E298}" type="slidenum">
+            <a:fld id="{D2F307AC-C33D-47F1-A875-50EFA988F091}" type="slidenum">
               <a:t>&lt;#&gt;</a:t>
             </a:fld>
           </a:p>
@@ -1550,7 +1550,7 @@
         <p:txBody>
           <a:bodyPr/>
           <a:p>
-            <a:fld id="{34940DED-75B2-447D-9C93-817E278BBB5F}" type="slidenum">
+            <a:fld id="{34B7D3D0-AC80-4CC3-96A3-95817A25367C}" type="slidenum">
               <a:t>&lt;#&gt;</a:t>
             </a:fld>
           </a:p>
@@ -1670,7 +1670,7 @@
         <p:txBody>
           <a:bodyPr/>
           <a:p>
-            <a:fld id="{71680A04-8359-4CE6-89FA-17B96C86BA12}" type="slidenum">
+            <a:fld id="{C094C42C-5639-44BE-A9B2-80E35BA0717F}" type="slidenum">
               <a:t>&lt;#&gt;</a:t>
             </a:fld>
           </a:p>
@@ -1892,7 +1892,7 @@
         <p:txBody>
           <a:bodyPr/>
           <a:p>
-            <a:fld id="{759273FF-49EE-4E33-8418-7A7739D9906E}" type="slidenum">
+            <a:fld id="{8893082F-3F5E-4769-8DD6-2E36574F5B6F}" type="slidenum">
               <a:t>&lt;#&gt;</a:t>
             </a:fld>
           </a:p>
@@ -2049,7 +2049,7 @@
         <p:txBody>
           <a:bodyPr/>
           <a:p>
-            <a:fld id="{CF0214EA-60B9-4830-B490-AC159A5E856E}" type="slidenum">
+            <a:fld id="{3407F388-D8FC-403F-A2FE-4AE469BBB440}" type="slidenum">
               <a:t>&lt;#&gt;</a:t>
             </a:fld>
           </a:p>
@@ -2271,7 +2271,7 @@
         <p:txBody>
           <a:bodyPr/>
           <a:p>
-            <a:fld id="{836EA6DB-E5CD-4A0E-943E-96BE694D3A20}" type="slidenum">
+            <a:fld id="{021836AB-DEBB-4C31-A0DA-E2FEF1085B49}" type="slidenum">
               <a:t>&lt;#&gt;</a:t>
             </a:fld>
           </a:p>
@@ -2493,7 +2493,7 @@
         <p:txBody>
           <a:bodyPr/>
           <a:p>
-            <a:fld id="{779B59DB-E1BF-4802-A2C3-212BF4A89AA1}" type="slidenum">
+            <a:fld id="{C335F503-C81D-423E-B1D4-D64C8E66C2DB}" type="slidenum">
               <a:t>&lt;#&gt;</a:t>
             </a:fld>
           </a:p>
@@ -2681,7 +2681,7 @@
         <p:txBody>
           <a:bodyPr/>
           <a:p>
-            <a:fld id="{8D5FA81E-1777-4038-AFAF-91EE9C757BA2}" type="slidenum">
+            <a:fld id="{AE873783-4B1D-413B-9B4C-7342EA5F2AF3}" type="slidenum">
               <a:t>&lt;#&gt;</a:t>
             </a:fld>
           </a:p>
@@ -2937,7 +2937,7 @@
         <p:txBody>
           <a:bodyPr/>
           <a:p>
-            <a:fld id="{42753F28-6651-4305-9C69-7196B82F2332}" type="slidenum">
+            <a:fld id="{89C196ED-7F6D-49C1-A768-9C746AB3BEB2}" type="slidenum">
               <a:t>&lt;#&gt;</a:t>
             </a:fld>
           </a:p>
@@ -3261,7 +3261,7 @@
         <p:txBody>
           <a:bodyPr/>
           <a:p>
-            <a:fld id="{2967B8B3-A81E-4053-964B-7E3AA21EFF5B}" type="slidenum">
+            <a:fld id="{EB4938D5-AF94-41C5-8997-A9FD9EE02CFD}" type="slidenum">
               <a:t>&lt;#&gt;</a:t>
             </a:fld>
           </a:p>
@@ -3415,7 +3415,7 @@
         <p:txBody>
           <a:bodyPr/>
           <a:p>
-            <a:fld id="{AEAB0C7A-C94D-48F7-B52B-B3604F480FD9}" type="slidenum">
+            <a:fld id="{7259F736-2577-4AF3-B8BE-FAF98A4A3B77}" type="slidenum">
               <a:t>&lt;#&gt;</a:t>
             </a:fld>
           </a:p>
@@ -3603,7 +3603,7 @@
         <p:txBody>
           <a:bodyPr/>
           <a:p>
-            <a:fld id="{DC9EF1DD-67AC-4F73-9DA1-45C1FC26678D}" type="slidenum">
+            <a:fld id="{63553E9C-D38F-47BF-A055-AD06D8AA2D00}" type="slidenum">
               <a:t>&lt;#&gt;</a:t>
             </a:fld>
           </a:p>
@@ -3723,7 +3723,7 @@
         <p:txBody>
           <a:bodyPr/>
           <a:p>
-            <a:fld id="{6B70CDF2-131B-4D3A-BED6-C890CE1303B5}" type="slidenum">
+            <a:fld id="{72AA33B1-89F8-4525-A87D-B09BDAE72115}" type="slidenum">
               <a:t>&lt;#&gt;</a:t>
             </a:fld>
           </a:p>
@@ -3843,7 +3843,7 @@
         <p:txBody>
           <a:bodyPr/>
           <a:p>
-            <a:fld id="{4CC326B5-50EE-4B46-AD58-1159156AC1D9}" type="slidenum">
+            <a:fld id="{CF74B481-A944-4984-BA99-0EACCDD7256D}" type="slidenum">
               <a:t>&lt;#&gt;</a:t>
             </a:fld>
           </a:p>
@@ -4065,7 +4065,7 @@
         <p:txBody>
           <a:bodyPr/>
           <a:p>
-            <a:fld id="{B01E1DB8-CFB9-4190-B6F0-C969FA7B2293}" type="slidenum">
+            <a:fld id="{82B84131-A61D-4523-9BE2-9B5804967F41}" type="slidenum">
               <a:t>&lt;#&gt;</a:t>
             </a:fld>
           </a:p>
@@ -4287,7 +4287,7 @@
         <p:txBody>
           <a:bodyPr/>
           <a:p>
-            <a:fld id="{78F764D3-5657-4B1A-87CE-A864D36A0B4C}" type="slidenum">
+            <a:fld id="{F0C4308C-D9AA-4C27-9E95-A82D7539E701}" type="slidenum">
               <a:t>&lt;#&gt;</a:t>
             </a:fld>
           </a:p>
@@ -4509,7 +4509,7 @@
         <p:txBody>
           <a:bodyPr/>
           <a:p>
-            <a:fld id="{FDD75A65-8046-43A4-AC96-EEB47D358999}" type="slidenum">
+            <a:fld id="{9570EB62-D304-43C0-8D2F-1C7A85E86D3F}" type="slidenum">
               <a:t>&lt;#&gt;</a:t>
             </a:fld>
           </a:p>
@@ -4578,7 +4578,7 @@
         <p:spPr>
           <a:xfrm>
             <a:off x="4038480" y="6356520"/>
-            <a:ext cx="4107240" cy="357480"/>
+            <a:ext cx="4106880" cy="357120"/>
           </a:xfrm>
           <a:prstGeom prst="rect">
             <a:avLst/>
@@ -4635,7 +4635,7 @@
         <p:spPr>
           <a:xfrm>
             <a:off x="8610480" y="6356520"/>
-            <a:ext cx="2735640" cy="357480"/>
+            <a:ext cx="2735280" cy="357120"/>
           </a:xfrm>
           <a:prstGeom prst="rect">
             <a:avLst/>
@@ -4670,14 +4670,14 @@
               </a:lnSpc>
               <a:buNone/>
             </a:pPr>
-            <a:fld id="{26AA8C0F-1844-4C9B-A1E7-B2AFB1A61BD3}" type="slidenum">
+            <a:fld id="{8D00D70A-AC40-47D0-B858-0CC3006E003F}" type="slidenum">
               <a:rPr b="0" lang="en-IN" sz="1200" spc="-1" strike="noStrike">
                 <a:solidFill>
                   <a:srgbClr val="787878"/>
                 </a:solidFill>
                 <a:latin typeface="Aptos"/>
               </a:rPr>
-              <a:t>1</a:t>
+              <a:t>5</a:t>
             </a:fld>
             <a:endParaRPr b="0" lang="en-IN" sz="1200" spc="-1" strike="noStrike">
               <a:latin typeface="Times New Roman"/>
@@ -4698,7 +4698,7 @@
         <p:spPr>
           <a:xfrm>
             <a:off x="838080" y="6356520"/>
-            <a:ext cx="2735640" cy="357480"/>
+            <a:ext cx="2735280" cy="357120"/>
           </a:xfrm>
           <a:prstGeom prst="rect">
             <a:avLst/>
@@ -5015,7 +5015,7 @@
         <p:spPr>
           <a:xfrm>
             <a:off x="4038480" y="6356520"/>
-            <a:ext cx="4107240" cy="357480"/>
+            <a:ext cx="4106880" cy="357120"/>
           </a:xfrm>
           <a:prstGeom prst="rect">
             <a:avLst/>
@@ -5072,7 +5072,7 @@
         <p:spPr>
           <a:xfrm>
             <a:off x="8610480" y="6356520"/>
-            <a:ext cx="2735640" cy="357480"/>
+            <a:ext cx="2735280" cy="357120"/>
           </a:xfrm>
           <a:prstGeom prst="rect">
             <a:avLst/>
@@ -5107,7 +5107,7 @@
               </a:lnSpc>
               <a:buNone/>
             </a:pPr>
-            <a:fld id="{40D8C6AE-9C85-49B7-B089-380A7891B5D3}" type="slidenum">
+            <a:fld id="{832EE470-76ED-4632-8113-FE54D5751187}" type="slidenum">
               <a:rPr b="0" lang="en-IN" sz="1200" spc="-1" strike="noStrike">
                 <a:solidFill>
                   <a:srgbClr val="787878"/>
@@ -5135,7 +5135,7 @@
         <p:spPr>
           <a:xfrm>
             <a:off x="838080" y="6356520"/>
-            <a:ext cx="2735640" cy="357480"/>
+            <a:ext cx="2735280" cy="357120"/>
           </a:xfrm>
           <a:prstGeom prst="rect">
             <a:avLst/>
@@ -5441,7 +5441,7 @@
         <p:spPr>
           <a:xfrm>
             <a:off x="2887200" y="3092040"/>
-            <a:ext cx="7548840" cy="759600"/>
+            <a:ext cx="7548480" cy="759240"/>
           </a:xfrm>
           <a:prstGeom prst="rect">
             <a:avLst/>
@@ -5467,7 +5467,7 @@
         <p:spPr>
           <a:xfrm>
             <a:off x="1440000" y="900000"/>
-            <a:ext cx="9358920" cy="5141880"/>
+            <a:ext cx="9358560" cy="5141520"/>
           </a:xfrm>
           <a:prstGeom prst="roundRect">
             <a:avLst>
@@ -5819,7 +5819,7 @@
         <p:spPr>
           <a:xfrm>
             <a:off x="2340000" y="2160000"/>
-            <a:ext cx="8636040" cy="3956040"/>
+            <a:ext cx="8635680" cy="3955680"/>
           </a:xfrm>
           <a:custGeom>
             <a:avLst/>
@@ -5879,7 +5879,7 @@
         <p:spPr>
           <a:xfrm>
             <a:off x="2880000" y="3600000"/>
-            <a:ext cx="3236040" cy="1570320"/>
+            <a:ext cx="3235680" cy="1569960"/>
           </a:xfrm>
           <a:prstGeom prst="rect">
             <a:avLst/>
@@ -6027,7 +6027,7 @@
         <p:spPr>
           <a:xfrm>
             <a:off x="5745600" y="2589840"/>
-            <a:ext cx="4870440" cy="3346200"/>
+            <a:ext cx="4870080" cy="3345840"/>
           </a:xfrm>
           <a:prstGeom prst="rect">
             <a:avLst/>
@@ -6046,7 +6046,7 @@
         <p:spPr>
           <a:xfrm>
             <a:off x="3420000" y="540000"/>
-            <a:ext cx="6117840" cy="906840"/>
+            <a:ext cx="6117480" cy="906480"/>
           </a:xfrm>
           <a:prstGeom prst="roundRect">
             <a:avLst>
@@ -6140,7 +6140,7 @@
         <p:spPr>
           <a:xfrm>
             <a:off x="3240000" y="351000"/>
-            <a:ext cx="6117840" cy="906840"/>
+            <a:ext cx="6117480" cy="906480"/>
           </a:xfrm>
           <a:prstGeom prst="roundRect">
             <a:avLst>
@@ -6204,7 +6204,7 @@
         <p:spPr>
           <a:xfrm>
             <a:off x="1440000" y="1620000"/>
-            <a:ext cx="9898200" cy="4858200"/>
+            <a:ext cx="9897840" cy="4857840"/>
           </a:xfrm>
           <a:prstGeom prst="roundRect">
             <a:avLst>
@@ -6671,7 +6671,7 @@
         <p:spPr>
           <a:xfrm>
             <a:off x="3656160" y="531000"/>
-            <a:ext cx="4874040" cy="906840"/>
+            <a:ext cx="4873680" cy="906480"/>
           </a:xfrm>
           <a:prstGeom prst="roundRect">
             <a:avLst>
@@ -6739,7 +6739,7 @@
         <p:spPr>
           <a:xfrm>
             <a:off x="2520000" y="2021760"/>
-            <a:ext cx="7140960" cy="4276080"/>
+            <a:ext cx="7140600" cy="4275720"/>
           </a:xfrm>
           <a:prstGeom prst="rect">
             <a:avLst/>
@@ -6788,7 +6788,7 @@
         <p:spPr>
           <a:xfrm>
             <a:off x="642960" y="1679040"/>
-            <a:ext cx="10921320" cy="4835160"/>
+            <a:ext cx="10920960" cy="4834800"/>
           </a:xfrm>
           <a:custGeom>
             <a:avLst/>
@@ -6848,7 +6848,7 @@
         <p:spPr>
           <a:xfrm>
             <a:off x="1088640" y="3273480"/>
-            <a:ext cx="3236040" cy="1570320"/>
+            <a:ext cx="3235680" cy="1569960"/>
           </a:xfrm>
           <a:prstGeom prst="rect">
             <a:avLst/>
@@ -6979,7 +6979,7 @@
         <p:spPr>
           <a:xfrm>
             <a:off x="4886640" y="2035800"/>
-            <a:ext cx="5896800" cy="4155480"/>
+            <a:ext cx="5896440" cy="4155120"/>
           </a:xfrm>
           <a:prstGeom prst="rect">
             <a:avLst/>
@@ -6998,7 +6998,7 @@
         <p:spPr>
           <a:xfrm>
             <a:off x="3060000" y="360000"/>
-            <a:ext cx="6117840" cy="906840"/>
+            <a:ext cx="6117480" cy="906480"/>
           </a:xfrm>
           <a:prstGeom prst="roundRect">
             <a:avLst>
@@ -7092,7 +7092,7 @@
         <p:spPr>
           <a:xfrm>
             <a:off x="642960" y="1679040"/>
-            <a:ext cx="10921320" cy="4835160"/>
+            <a:ext cx="10920960" cy="4834800"/>
           </a:xfrm>
           <a:custGeom>
             <a:avLst/>
@@ -7152,7 +7152,7 @@
         <p:spPr>
           <a:xfrm>
             <a:off x="920520" y="2929320"/>
-            <a:ext cx="3618000" cy="2179440"/>
+            <a:ext cx="3617640" cy="2179080"/>
           </a:xfrm>
           <a:prstGeom prst="rect">
             <a:avLst/>
@@ -7315,7 +7315,7 @@
         <p:spPr>
           <a:xfrm>
             <a:off x="4511880" y="1950480"/>
-            <a:ext cx="6833880" cy="4313880"/>
+            <a:ext cx="6833520" cy="4313520"/>
           </a:xfrm>
           <a:prstGeom prst="rect">
             <a:avLst/>
@@ -7334,7 +7334,7 @@
         <p:spPr>
           <a:xfrm>
             <a:off x="3060000" y="360000"/>
-            <a:ext cx="6117840" cy="906840"/>
+            <a:ext cx="6117480" cy="906480"/>
           </a:xfrm>
           <a:prstGeom prst="roundRect">
             <a:avLst>
@@ -8092,7 +8092,7 @@
         <p:spPr>
           <a:xfrm>
             <a:off x="3060000" y="531000"/>
-            <a:ext cx="6117840" cy="906840"/>
+            <a:ext cx="6117480" cy="906480"/>
           </a:xfrm>
           <a:prstGeom prst="roundRect">
             <a:avLst>
@@ -8186,7 +8186,7 @@
         <p:spPr>
           <a:xfrm>
             <a:off x="2539080" y="2331360"/>
-            <a:ext cx="6658560" cy="3778560"/>
+            <a:ext cx="6658200" cy="3778200"/>
           </a:xfrm>
           <a:prstGeom prst="roundRect">
             <a:avLst>
@@ -8224,7 +8224,7 @@
         <p:spPr>
           <a:xfrm>
             <a:off x="4068720" y="2916000"/>
-            <a:ext cx="5289840" cy="2344680"/>
+            <a:ext cx="5289480" cy="2344320"/>
           </a:xfrm>
           <a:prstGeom prst="rect">
             <a:avLst/>
@@ -8499,7 +8499,7 @@
         <p:spPr>
           <a:xfrm>
             <a:off x="3060000" y="540000"/>
-            <a:ext cx="6117840" cy="906840"/>
+            <a:ext cx="6117480" cy="906480"/>
           </a:xfrm>
           <a:prstGeom prst="roundRect">
             <a:avLst>
@@ -9039,7 +9039,7 @@
         <p:spPr>
           <a:xfrm>
             <a:off x="3420000" y="531000"/>
-            <a:ext cx="5109480" cy="906840"/>
+            <a:ext cx="5109120" cy="906480"/>
           </a:xfrm>
           <a:prstGeom prst="roundRect">
             <a:avLst>
@@ -9133,7 +9133,7 @@
         <p:spPr>
           <a:xfrm>
             <a:off x="4816800" y="2967120"/>
-            <a:ext cx="1976040" cy="763560"/>
+            <a:ext cx="1975680" cy="763200"/>
           </a:xfrm>
           <a:prstGeom prst="rect">
             <a:avLst/>
@@ -9159,7 +9159,7 @@
         <p:spPr>
           <a:xfrm>
             <a:off x="3600000" y="891000"/>
-            <a:ext cx="4874040" cy="906840"/>
+            <a:ext cx="4873680" cy="906480"/>
           </a:xfrm>
           <a:prstGeom prst="roundRect">
             <a:avLst>
@@ -9223,7 +9223,7 @@
         <p:spPr>
           <a:xfrm>
             <a:off x="3584160" y="2880000"/>
-            <a:ext cx="4874040" cy="2158200"/>
+            <a:ext cx="4873680" cy="2157840"/>
           </a:xfrm>
           <a:prstGeom prst="roundRect">
             <a:avLst>
@@ -9348,7 +9348,7 @@
         <p:spPr>
           <a:xfrm>
             <a:off x="3241800" y="2965680"/>
-            <a:ext cx="5936040" cy="1892160"/>
+            <a:ext cx="5935680" cy="1891800"/>
           </a:xfrm>
           <a:prstGeom prst="rect">
             <a:avLst/>
@@ -9374,7 +9374,7 @@
         <p:spPr>
           <a:xfrm>
             <a:off x="3420000" y="720000"/>
-            <a:ext cx="4874040" cy="906840"/>
+            <a:ext cx="4873680" cy="906480"/>
           </a:xfrm>
           <a:prstGeom prst="roundRect">
             <a:avLst>
@@ -9438,7 +9438,7 @@
         <p:spPr>
           <a:xfrm>
             <a:off x="2700000" y="2520000"/>
-            <a:ext cx="6299280" cy="3003120"/>
+            <a:ext cx="6298920" cy="3002760"/>
           </a:xfrm>
           <a:prstGeom prst="roundRect">
             <a:avLst>
@@ -9476,7 +9476,7 @@
         <p:spPr>
           <a:xfrm>
             <a:off x="3060000" y="3060000"/>
-            <a:ext cx="5638320" cy="1668600"/>
+            <a:ext cx="5637960" cy="1668240"/>
           </a:xfrm>
           <a:prstGeom prst="rect">
             <a:avLst/>
@@ -9667,7 +9667,7 @@
         <p:spPr>
           <a:xfrm>
             <a:off x="2520000" y="2880000"/>
-            <a:ext cx="6476040" cy="2156040"/>
+            <a:ext cx="6475680" cy="2155680"/>
           </a:xfrm>
           <a:custGeom>
             <a:avLst/>
@@ -9731,7 +9731,7 @@
         <p:spPr>
           <a:xfrm>
             <a:off x="2484000" y="1632960"/>
-            <a:ext cx="7150680" cy="4879800"/>
+            <a:ext cx="7150320" cy="4879440"/>
           </a:xfrm>
           <a:prstGeom prst="rect">
             <a:avLst/>
@@ -9750,7 +9750,7 @@
         <p:spPr>
           <a:xfrm>
             <a:off x="3763800" y="540000"/>
-            <a:ext cx="4874040" cy="906840"/>
+            <a:ext cx="4873680" cy="906480"/>
           </a:xfrm>
           <a:prstGeom prst="roundRect">
             <a:avLst>
@@ -9844,7 +9844,7 @@
         <p:spPr>
           <a:xfrm>
             <a:off x="1080000" y="5394600"/>
-            <a:ext cx="7016040" cy="2343600"/>
+            <a:ext cx="7015680" cy="2343240"/>
           </a:xfrm>
           <a:prstGeom prst="rect">
             <a:avLst/>
@@ -9870,7 +9870,7 @@
         <p:spPr>
           <a:xfrm>
             <a:off x="3403800" y="720000"/>
-            <a:ext cx="5594040" cy="906840"/>
+            <a:ext cx="5593680" cy="906480"/>
           </a:xfrm>
           <a:prstGeom prst="roundRect">
             <a:avLst>
@@ -9934,7 +9934,7 @@
         <p:spPr>
           <a:xfrm>
             <a:off x="2340000" y="2160000"/>
-            <a:ext cx="7918200" cy="4146840"/>
+            <a:ext cx="7917840" cy="4146480"/>
           </a:xfrm>
           <a:prstGeom prst="roundRect">
             <a:avLst>
@@ -10012,7 +10012,7 @@
                 <a:latin typeface="Times New Roman"/>
                 <a:ea typeface="DejaVu Sans"/>
               </a:rPr>
-              <a:t>Load basic threejs scene and setup postprocessing effects</a:t>
+              <a:t>Load basic threejs scene </a:t>
             </a:r>
             <a:endParaRPr b="0" lang="en-IN" sz="1600" spc="-1" strike="noStrike">
               <a:latin typeface="Arial"/>
@@ -10038,7 +10038,33 @@
                 <a:latin typeface="Times New Roman"/>
                 <a:ea typeface="DejaVu Sans"/>
               </a:rPr>
-              <a:t>enable camera controls,viewpoints and themes</a:t>
+              <a:t>Enable camera controls,viewpoints and themes</a:t>
+            </a:r>
+            <a:endParaRPr b="0" lang="en-IN" sz="1600" spc="-1" strike="noStrike">
+              <a:latin typeface="Arial"/>
+            </a:endParaRPr>
+          </a:p>
+          <a:p>
+            <a:pPr marL="216000" indent="-216000">
+              <a:lnSpc>
+                <a:spcPct val="100000"/>
+              </a:lnSpc>
+              <a:buClr>
+                <a:srgbClr val="000000"/>
+              </a:buClr>
+              <a:buSzPct val="45000"/>
+              <a:buFont typeface="Wingdings" charset="2"/>
+              <a:buChar char=""/>
+            </a:pPr>
+            <a:r>
+              <a:rPr b="0" lang="en-US" sz="1600" spc="-1" strike="noStrike">
+                <a:solidFill>
+                  <a:srgbClr val="000000"/>
+                </a:solidFill>
+                <a:latin typeface="Times New Roman"/>
+                <a:ea typeface="DejaVu Sans"/>
+              </a:rPr>
+              <a:t>Setup postprocessing effects</a:t>
             </a:r>
             <a:endParaRPr b="0" lang="en-IN" sz="1600" spc="-1" strike="noStrike">
               <a:latin typeface="Arial"/>
@@ -10219,7 +10245,7 @@
         <p:spPr>
           <a:xfrm>
             <a:off x="1880280" y="1434960"/>
-            <a:ext cx="8595720" cy="5310000"/>
+            <a:ext cx="8595360" cy="5309640"/>
           </a:xfrm>
           <a:prstGeom prst="rect">
             <a:avLst/>
@@ -10238,7 +10264,7 @@
         <p:spPr>
           <a:xfrm>
             <a:off x="2880000" y="531000"/>
-            <a:ext cx="6117840" cy="906840"/>
+            <a:ext cx="6117480" cy="906480"/>
           </a:xfrm>
           <a:prstGeom prst="roundRect">
             <a:avLst>
@@ -10336,7 +10362,7 @@
         <p:spPr>
           <a:xfrm>
             <a:off x="2092320" y="-9720"/>
-            <a:ext cx="8030520" cy="6852960"/>
+            <a:ext cx="8030160" cy="6852600"/>
           </a:xfrm>
           <a:prstGeom prst="rect">
             <a:avLst/>
@@ -10385,7 +10411,7 @@
         <p:spPr>
           <a:xfrm>
             <a:off x="3240000" y="2472480"/>
-            <a:ext cx="5208840" cy="3285720"/>
+            <a:ext cx="5208480" cy="3285360"/>
           </a:xfrm>
           <a:prstGeom prst="roundRect">
             <a:avLst>
@@ -10459,7 +10485,7 @@
         <p:spPr>
           <a:xfrm>
             <a:off x="4821120" y="3058200"/>
-            <a:ext cx="1796040" cy="2110320"/>
+            <a:ext cx="1795680" cy="2109960"/>
           </a:xfrm>
           <a:prstGeom prst="rect">
             <a:avLst/>
@@ -10682,7 +10708,7 @@
         <p:spPr>
           <a:xfrm>
             <a:off x="3240000" y="711000"/>
-            <a:ext cx="6117840" cy="906840"/>
+            <a:ext cx="6117480" cy="906480"/>
           </a:xfrm>
           <a:prstGeom prst="roundRect">
             <a:avLst>
@@ -10780,7 +10806,7 @@
         <p:spPr>
           <a:xfrm>
             <a:off x="3149640" y="2007360"/>
-            <a:ext cx="5488200" cy="4110480"/>
+            <a:ext cx="5487840" cy="4110120"/>
           </a:xfrm>
           <a:prstGeom prst="rect">
             <a:avLst/>
@@ -10799,7 +10825,7 @@
         <p:spPr>
           <a:xfrm>
             <a:off x="3512520" y="531000"/>
-            <a:ext cx="4874040" cy="906840"/>
+            <a:ext cx="4873680" cy="906480"/>
           </a:xfrm>
           <a:prstGeom prst="roundRect">
             <a:avLst>
